--- a/DM05-Design.pptx
+++ b/DM05-Design.pptx
@@ -5,10 +5,10 @@
     <p:sldMasterId id="2147483653" r:id="rId1"/>
   </p:sldMasterIdLst>
   <p:notesMasterIdLst>
-    <p:notesMasterId r:id="rId64"/>
+    <p:notesMasterId r:id="rId60"/>
   </p:notesMasterIdLst>
   <p:handoutMasterIdLst>
-    <p:handoutMasterId r:id="rId65"/>
+    <p:handoutMasterId r:id="rId61"/>
   </p:handoutMasterIdLst>
   <p:sldIdLst>
     <p:sldId id="264" r:id="rId2"/>
@@ -36,43 +36,39 @@
     <p:sldId id="262" r:id="rId24"/>
     <p:sldId id="298" r:id="rId25"/>
     <p:sldId id="299" r:id="rId26"/>
-    <p:sldId id="300" r:id="rId27"/>
-    <p:sldId id="301" r:id="rId28"/>
-    <p:sldId id="302" r:id="rId29"/>
-    <p:sldId id="270" r:id="rId30"/>
-    <p:sldId id="271" r:id="rId31"/>
-    <p:sldId id="303" r:id="rId32"/>
-    <p:sldId id="304" r:id="rId33"/>
-    <p:sldId id="305" r:id="rId34"/>
-    <p:sldId id="307" r:id="rId35"/>
-    <p:sldId id="308" r:id="rId36"/>
-    <p:sldId id="309" r:id="rId37"/>
-    <p:sldId id="310" r:id="rId38"/>
-    <p:sldId id="269" r:id="rId39"/>
-    <p:sldId id="311" r:id="rId40"/>
-    <p:sldId id="316" r:id="rId41"/>
-    <p:sldId id="317" r:id="rId42"/>
-    <p:sldId id="259" r:id="rId43"/>
-    <p:sldId id="278" r:id="rId44"/>
-    <p:sldId id="279" r:id="rId45"/>
-    <p:sldId id="280" r:id="rId46"/>
-    <p:sldId id="328" r:id="rId47"/>
-    <p:sldId id="329" r:id="rId48"/>
-    <p:sldId id="330" r:id="rId49"/>
-    <p:sldId id="292" r:id="rId50"/>
-    <p:sldId id="340" r:id="rId51"/>
-    <p:sldId id="341" r:id="rId52"/>
-    <p:sldId id="344" r:id="rId53"/>
-    <p:sldId id="345" r:id="rId54"/>
-    <p:sldId id="346" r:id="rId55"/>
-    <p:sldId id="348" r:id="rId56"/>
-    <p:sldId id="349" r:id="rId57"/>
-    <p:sldId id="350" r:id="rId58"/>
-    <p:sldId id="351" r:id="rId59"/>
-    <p:sldId id="352" r:id="rId60"/>
-    <p:sldId id="353" r:id="rId61"/>
-    <p:sldId id="354" r:id="rId62"/>
-    <p:sldId id="355" r:id="rId63"/>
+    <p:sldId id="270" r:id="rId27"/>
+    <p:sldId id="271" r:id="rId28"/>
+    <p:sldId id="303" r:id="rId29"/>
+    <p:sldId id="305" r:id="rId30"/>
+    <p:sldId id="307" r:id="rId31"/>
+    <p:sldId id="308" r:id="rId32"/>
+    <p:sldId id="309" r:id="rId33"/>
+    <p:sldId id="310" r:id="rId34"/>
+    <p:sldId id="269" r:id="rId35"/>
+    <p:sldId id="311" r:id="rId36"/>
+    <p:sldId id="316" r:id="rId37"/>
+    <p:sldId id="317" r:id="rId38"/>
+    <p:sldId id="259" r:id="rId39"/>
+    <p:sldId id="278" r:id="rId40"/>
+    <p:sldId id="279" r:id="rId41"/>
+    <p:sldId id="280" r:id="rId42"/>
+    <p:sldId id="328" r:id="rId43"/>
+    <p:sldId id="329" r:id="rId44"/>
+    <p:sldId id="330" r:id="rId45"/>
+    <p:sldId id="340" r:id="rId46"/>
+    <p:sldId id="341" r:id="rId47"/>
+    <p:sldId id="344" r:id="rId48"/>
+    <p:sldId id="345" r:id="rId49"/>
+    <p:sldId id="346" r:id="rId50"/>
+    <p:sldId id="348" r:id="rId51"/>
+    <p:sldId id="349" r:id="rId52"/>
+    <p:sldId id="350" r:id="rId53"/>
+    <p:sldId id="351" r:id="rId54"/>
+    <p:sldId id="352" r:id="rId55"/>
+    <p:sldId id="353" r:id="rId56"/>
+    <p:sldId id="354" r:id="rId57"/>
+    <p:sldId id="355" r:id="rId58"/>
+    <p:sldId id="356" r:id="rId59"/>
   </p:sldIdLst>
   <p:sldSz cx="9144000" cy="6858000" type="screen4x3"/>
   <p:notesSz cx="6648450" cy="9782175"/>
@@ -1076,7 +1072,7 @@
       </p:grpSpPr>
       <p:sp>
         <p:nvSpPr>
-          <p:cNvPr id="7" name="Rectangle 7"/>
+          <p:cNvPr id="7" name="Rectangle 1031"/>
           <p:cNvSpPr>
             <a:spLocks noGrp="1" noChangeArrowheads="1"/>
           </p:cNvSpPr>
@@ -1086,8 +1082,8 @@
         </p:nvSpPr>
         <p:spPr>
           <a:xfrm>
-            <a:off x="3851275" y="9377363"/>
-            <a:ext cx="2944813" cy="493712"/>
+            <a:off x="3886200" y="8686800"/>
+            <a:ext cx="2971800" cy="457200"/>
           </a:xfrm>
           <a:prstGeom prst="rect">
             <a:avLst/>
@@ -1098,7 +1094,7 @@
           <a:bodyPr/>
           <a:lstStyle/>
           <a:p>
-            <a:fld id="{36DAAF69-5F5F-4477-9F01-5E4063237C6A}" type="slidenum">
+            <a:fld id="{AFF69195-EC55-4EEF-A8E6-A579DCC58E3A}" type="slidenum">
               <a:rPr lang="fr-FR" altLang="fr-FR"/>
               <a:pPr/>
               <a:t>30</a:t>
@@ -1109,7 +1105,7 @@
       </p:sp>
       <p:sp>
         <p:nvSpPr>
-          <p:cNvPr id="122882" name="Rectangle 2"/>
+          <p:cNvPr id="104450" name="Rectangle 2"/>
           <p:cNvSpPr>
             <a:spLocks noGrp="1" noRot="1" noChangeAspect="1" noChangeArrowheads="1" noTextEdit="1"/>
           </p:cNvSpPr>
@@ -1119,15 +1115,15 @@
         </p:nvSpPr>
         <p:spPr>
           <a:xfrm>
-            <a:off x="877888" y="733425"/>
-            <a:ext cx="4892675" cy="3670300"/>
+            <a:off x="592138" y="606425"/>
+            <a:ext cx="5619750" cy="4214813"/>
           </a:xfrm>
           <a:ln/>
         </p:spPr>
       </p:sp>
       <p:sp>
         <p:nvSpPr>
-          <p:cNvPr id="122883" name="Rectangle 3"/>
+          <p:cNvPr id="104451" name="Rectangle 3"/>
           <p:cNvSpPr>
             <a:spLocks noGrp="1" noChangeArrowheads="1"/>
           </p:cNvSpPr>
@@ -1137,8 +1133,8 @@
         </p:nvSpPr>
         <p:spPr>
           <a:xfrm>
-            <a:off x="906463" y="4689475"/>
-            <a:ext cx="4983162" cy="4441825"/>
+            <a:off x="914400" y="4343400"/>
+            <a:ext cx="5029200" cy="4114800"/>
           </a:xfrm>
           <a:prstGeom prst="rect">
             <a:avLst/>
@@ -1148,24 +1144,6 @@
           <a:bodyPr/>
           <a:lstStyle/>
           <a:p>
-            <a:r>
-              <a:rPr lang="fr-FR" altLang="fr-FR"/>
-              <a:t>If you can name all nine diagrams at this point without taking a breath it can impress the attendees.</a:t>
-            </a:r>
-          </a:p>
-          <a:p>
-            <a:r>
-              <a:rPr lang="fr-FR" altLang="fr-FR"/>
-              <a:t> </a:t>
-            </a:r>
-          </a:p>
-          <a:p>
-            <a:r>
-              <a:rPr lang="fr-FR" altLang="fr-FR"/>
-              <a:t>Explain that the majority of the diagrams are drawn using Together, which gives the most faithful representation of UML 1.3 of the three tools we have. I believe that what the tool supports is more relevant to most people than what the standard says. By all means point out discrepancies where you see them, but as points of interest rather than deficiencies in either the tool or the standard.</a:t>
-            </a:r>
-          </a:p>
-          <a:p>
             <a:endParaRPr lang="fr-FR" altLang="fr-FR"/>
           </a:p>
         </p:txBody>
@@ -1173,7 +1151,7 @@
     </p:spTree>
     <p:extLst>
       <p:ext uri="{BB962C8B-B14F-4D97-AF65-F5344CB8AC3E}">
-        <p14:creationId xmlns:p14="http://schemas.microsoft.com/office/powerpoint/2010/main" val="476993109"/>
+        <p14:creationId xmlns:p14="http://schemas.microsoft.com/office/powerpoint/2010/main" val="1944451851"/>
       </p:ext>
     </p:extLst>
   </p:cSld>
@@ -1224,7 +1202,7 @@
           <a:bodyPr/>
           <a:lstStyle/>
           <a:p>
-            <a:fld id="{B20BFD64-DB62-45AC-AF16-EFC8A6882F48}" type="slidenum">
+            <a:fld id="{6264C3F1-A022-4A1F-BD2C-E466553D60C5}" type="slidenum">
               <a:rPr lang="fr-FR" altLang="fr-FR"/>
               <a:pPr/>
               <a:t>31</a:t>
@@ -1235,7 +1213,7 @@
       </p:sp>
       <p:sp>
         <p:nvSpPr>
-          <p:cNvPr id="98306" name="Rectangle 2"/>
+          <p:cNvPr id="105474" name="Rectangle 2"/>
           <p:cNvSpPr>
             <a:spLocks noGrp="1" noRot="1" noChangeAspect="1" noChangeArrowheads="1" noTextEdit="1"/>
           </p:cNvSpPr>
@@ -1244,12 +1222,16 @@
           </p:nvPr>
         </p:nvSpPr>
         <p:spPr>
+          <a:xfrm>
+            <a:off x="592138" y="606425"/>
+            <a:ext cx="5619750" cy="4214813"/>
+          </a:xfrm>
           <a:ln/>
         </p:spPr>
       </p:sp>
       <p:sp>
         <p:nvSpPr>
-          <p:cNvPr id="98307" name="Rectangle 3"/>
+          <p:cNvPr id="105475" name="Rectangle 3"/>
           <p:cNvSpPr>
             <a:spLocks noGrp="1" noChangeArrowheads="1"/>
           </p:cNvSpPr>
@@ -1270,6 +1252,12 @@
           <a:bodyPr/>
           <a:lstStyle/>
           <a:p>
+            <a:r>
+              <a:rPr lang="fr-FR" altLang="fr-FR"/>
+              <a:t>Actors are not described like classes by listing their attributes and operations but by a paragraph of text.</a:t>
+            </a:r>
+          </a:p>
+          <a:p>
             <a:endParaRPr lang="fr-FR" altLang="fr-FR"/>
           </a:p>
         </p:txBody>
@@ -1277,7 +1265,7 @@
     </p:spTree>
     <p:extLst>
       <p:ext uri="{BB962C8B-B14F-4D97-AF65-F5344CB8AC3E}">
-        <p14:creationId xmlns:p14="http://schemas.microsoft.com/office/powerpoint/2010/main" val="4188909076"/>
+        <p14:creationId xmlns:p14="http://schemas.microsoft.com/office/powerpoint/2010/main" val="1989846212"/>
       </p:ext>
     </p:extLst>
   </p:cSld>
@@ -1328,7 +1316,7 @@
           <a:bodyPr/>
           <a:lstStyle/>
           <a:p>
-            <a:fld id="{153FA5A2-8574-4AEE-A657-62BA834D6037}" type="slidenum">
+            <a:fld id="{07ED47B3-2753-4CA9-B846-8D4C6565B990}" type="slidenum">
               <a:rPr lang="fr-FR" altLang="fr-FR"/>
               <a:pPr/>
               <a:t>32</a:t>
@@ -1339,7 +1327,7 @@
       </p:sp>
       <p:sp>
         <p:nvSpPr>
-          <p:cNvPr id="99330" name="Rectangle 2"/>
+          <p:cNvPr id="106498" name="Rectangle 2"/>
           <p:cNvSpPr>
             <a:spLocks noGrp="1" noRot="1" noChangeAspect="1" noChangeArrowheads="1" noTextEdit="1"/>
           </p:cNvSpPr>
@@ -1349,15 +1337,15 @@
         </p:nvSpPr>
         <p:spPr>
           <a:xfrm>
-            <a:off x="877888" y="733425"/>
-            <a:ext cx="4892675" cy="3670300"/>
+            <a:off x="592138" y="606425"/>
+            <a:ext cx="5619750" cy="4214813"/>
           </a:xfrm>
           <a:ln/>
         </p:spPr>
       </p:sp>
       <p:sp>
         <p:nvSpPr>
-          <p:cNvPr id="99331" name="Rectangle 3"/>
+          <p:cNvPr id="106499" name="Rectangle 3"/>
           <p:cNvSpPr>
             <a:spLocks noGrp="1" noChangeArrowheads="1"/>
           </p:cNvSpPr>
@@ -1380,7 +1368,7 @@
           <a:p>
             <a:r>
               <a:rPr lang="fr-FR" altLang="fr-FR"/>
-              <a:t>Users prefer to talk about what the system will do not what objects it consists of.</a:t>
+              <a:t>Use cases can also be used to help specify the test cases.</a:t>
             </a:r>
           </a:p>
           <a:p>
@@ -1391,7 +1379,7 @@
     </p:spTree>
     <p:extLst>
       <p:ext uri="{BB962C8B-B14F-4D97-AF65-F5344CB8AC3E}">
-        <p14:creationId xmlns:p14="http://schemas.microsoft.com/office/powerpoint/2010/main" val="1682370842"/>
+        <p14:creationId xmlns:p14="http://schemas.microsoft.com/office/powerpoint/2010/main" val="1130274774"/>
       </p:ext>
     </p:extLst>
   </p:cSld>
@@ -1442,7 +1430,7 @@
           <a:bodyPr/>
           <a:lstStyle/>
           <a:p>
-            <a:fld id="{60B7BF8C-6895-4AB3-BF48-AE8A89AAC4D8}" type="slidenum">
+            <a:fld id="{DF81E267-DA78-4F7A-9D0A-F2AD52767CD5}" type="slidenum">
               <a:rPr lang="fr-FR" altLang="fr-FR"/>
               <a:pPr/>
               <a:t>33</a:t>
@@ -1453,7 +1441,7 @@
       </p:sp>
       <p:sp>
         <p:nvSpPr>
-          <p:cNvPr id="100354" name="Rectangle 2"/>
+          <p:cNvPr id="107522" name="Rectangle 2"/>
           <p:cNvSpPr>
             <a:spLocks noGrp="1" noRot="1" noChangeAspect="1" noChangeArrowheads="1" noTextEdit="1"/>
           </p:cNvSpPr>
@@ -1471,7 +1459,7 @@
       </p:sp>
       <p:sp>
         <p:nvSpPr>
-          <p:cNvPr id="100355" name="Rectangle 3"/>
+          <p:cNvPr id="107523" name="Rectangle 3"/>
           <p:cNvSpPr>
             <a:spLocks noGrp="1" noChangeArrowheads="1"/>
           </p:cNvSpPr>
@@ -1499,7 +1487,7 @@
     </p:spTree>
     <p:extLst>
       <p:ext uri="{BB962C8B-B14F-4D97-AF65-F5344CB8AC3E}">
-        <p14:creationId xmlns:p14="http://schemas.microsoft.com/office/powerpoint/2010/main" val="273507414"/>
+        <p14:creationId xmlns:p14="http://schemas.microsoft.com/office/powerpoint/2010/main" val="4071065622"/>
       </p:ext>
     </p:extLst>
   </p:cSld>
@@ -1550,7 +1538,7 @@
           <a:bodyPr/>
           <a:lstStyle/>
           <a:p>
-            <a:fld id="{AFF69195-EC55-4EEF-A8E6-A579DCC58E3A}" type="slidenum">
+            <a:fld id="{7466B29F-019C-4D15-87C0-1C3D1CA3312B}" type="slidenum">
               <a:rPr lang="fr-FR" altLang="fr-FR"/>
               <a:pPr/>
               <a:t>34</a:t>
@@ -1561,7 +1549,7 @@
       </p:sp>
       <p:sp>
         <p:nvSpPr>
-          <p:cNvPr id="104450" name="Rectangle 2"/>
+          <p:cNvPr id="108546" name="Rectangle 2"/>
           <p:cNvSpPr>
             <a:spLocks noGrp="1" noRot="1" noChangeAspect="1" noChangeArrowheads="1" noTextEdit="1"/>
           </p:cNvSpPr>
@@ -1579,7 +1567,7 @@
       </p:sp>
       <p:sp>
         <p:nvSpPr>
-          <p:cNvPr id="104451" name="Rectangle 3"/>
+          <p:cNvPr id="108547" name="Rectangle 3"/>
           <p:cNvSpPr>
             <a:spLocks noGrp="1" noChangeArrowheads="1"/>
           </p:cNvSpPr>
@@ -1600,6 +1588,12 @@
           <a:bodyPr/>
           <a:lstStyle/>
           <a:p>
+            <a:r>
+              <a:rPr lang="fr-FR" altLang="fr-FR"/>
+              <a:t>You must have the text/documentation to go with any UML diagram because there are people who will study your models who are strongly visual oriented and others who are strongly verbal. The visual people will study the diagram and are less likely to read the text. The verbal people will read the text but are less likely to study the diagram. There are also the more desirable customers/users who will study the diagram and read the text and point out all the ambiguities between them. </a:t>
+            </a:r>
+          </a:p>
+          <a:p>
             <a:endParaRPr lang="fr-FR" altLang="fr-FR"/>
           </a:p>
         </p:txBody>
@@ -1607,7 +1601,7 @@
     </p:spTree>
     <p:extLst>
       <p:ext uri="{BB962C8B-B14F-4D97-AF65-F5344CB8AC3E}">
-        <p14:creationId xmlns:p14="http://schemas.microsoft.com/office/powerpoint/2010/main" val="1944451851"/>
+        <p14:creationId xmlns:p14="http://schemas.microsoft.com/office/powerpoint/2010/main" val="3761618536"/>
       </p:ext>
     </p:extLst>
   </p:cSld>
@@ -1658,7 +1652,7 @@
           <a:bodyPr/>
           <a:lstStyle/>
           <a:p>
-            <a:fld id="{6264C3F1-A022-4A1F-BD2C-E466553D60C5}" type="slidenum">
+            <a:fld id="{B779B5C6-F8D3-49AA-8AC6-354988C64744}" type="slidenum">
               <a:rPr lang="fr-FR" altLang="fr-FR"/>
               <a:pPr/>
               <a:t>35</a:t>
@@ -1669,7 +1663,7 @@
       </p:sp>
       <p:sp>
         <p:nvSpPr>
-          <p:cNvPr id="105474" name="Rectangle 2"/>
+          <p:cNvPr id="109570" name="Rectangle 2"/>
           <p:cNvSpPr>
             <a:spLocks noGrp="1" noRot="1" noChangeAspect="1" noChangeArrowheads="1" noTextEdit="1"/>
           </p:cNvSpPr>
@@ -1687,7 +1681,7 @@
       </p:sp>
       <p:sp>
         <p:nvSpPr>
-          <p:cNvPr id="105475" name="Rectangle 3"/>
+          <p:cNvPr id="109571" name="Rectangle 3"/>
           <p:cNvSpPr>
             <a:spLocks noGrp="1" noChangeArrowheads="1"/>
           </p:cNvSpPr>
@@ -1708,12 +1702,6 @@
           <a:bodyPr/>
           <a:lstStyle/>
           <a:p>
-            <a:r>
-              <a:rPr lang="fr-FR" altLang="fr-FR"/>
-              <a:t>Actors are not described like classes by listing their attributes and operations but by a paragraph of text.</a:t>
-            </a:r>
-          </a:p>
-          <a:p>
             <a:endParaRPr lang="fr-FR" altLang="fr-FR"/>
           </a:p>
         </p:txBody>
@@ -1721,7 +1709,7 @@
     </p:spTree>
     <p:extLst>
       <p:ext uri="{BB962C8B-B14F-4D97-AF65-F5344CB8AC3E}">
-        <p14:creationId xmlns:p14="http://schemas.microsoft.com/office/powerpoint/2010/main" val="1989846212"/>
+        <p14:creationId xmlns:p14="http://schemas.microsoft.com/office/powerpoint/2010/main" val="3985878869"/>
       </p:ext>
     </p:extLst>
   </p:cSld>
@@ -1772,7 +1760,7 @@
           <a:bodyPr/>
           <a:lstStyle/>
           <a:p>
-            <a:fld id="{07ED47B3-2753-4CA9-B846-8D4C6565B990}" type="slidenum">
+            <a:fld id="{2992F3A1-C23F-484D-A8BB-21DE5A8F2292}" type="slidenum">
               <a:rPr lang="fr-FR" altLang="fr-FR"/>
               <a:pPr/>
               <a:t>36</a:t>
@@ -1783,7 +1771,7 @@
       </p:sp>
       <p:sp>
         <p:nvSpPr>
-          <p:cNvPr id="106498" name="Rectangle 2"/>
+          <p:cNvPr id="122882" name="Rectangle 2"/>
           <p:cNvSpPr>
             <a:spLocks noGrp="1" noRot="1" noChangeAspect="1" noChangeArrowheads="1" noTextEdit="1"/>
           </p:cNvSpPr>
@@ -1792,16 +1780,12 @@
           </p:nvPr>
         </p:nvSpPr>
         <p:spPr>
-          <a:xfrm>
-            <a:off x="592138" y="606425"/>
-            <a:ext cx="5619750" cy="4214813"/>
-          </a:xfrm>
           <a:ln/>
         </p:spPr>
       </p:sp>
       <p:sp>
         <p:nvSpPr>
-          <p:cNvPr id="106499" name="Rectangle 3"/>
+          <p:cNvPr id="122883" name="Rectangle 3"/>
           <p:cNvSpPr>
             <a:spLocks noGrp="1" noChangeArrowheads="1"/>
           </p:cNvSpPr>
@@ -1822,12 +1806,6 @@
           <a:bodyPr/>
           <a:lstStyle/>
           <a:p>
-            <a:r>
-              <a:rPr lang="fr-FR" altLang="fr-FR"/>
-              <a:t>Use cases can also be used to help specify the test cases.</a:t>
-            </a:r>
-          </a:p>
-          <a:p>
             <a:endParaRPr lang="fr-FR" altLang="fr-FR"/>
           </a:p>
         </p:txBody>
@@ -1835,7 +1813,7 @@
     </p:spTree>
     <p:extLst>
       <p:ext uri="{BB962C8B-B14F-4D97-AF65-F5344CB8AC3E}">
-        <p14:creationId xmlns:p14="http://schemas.microsoft.com/office/powerpoint/2010/main" val="1130274774"/>
+        <p14:creationId xmlns:p14="http://schemas.microsoft.com/office/powerpoint/2010/main" val="198187096"/>
       </p:ext>
     </p:extLst>
   </p:cSld>
@@ -1864,7 +1842,7 @@
       </p:grpSpPr>
       <p:sp>
         <p:nvSpPr>
-          <p:cNvPr id="7" name="Rectangle 1031"/>
+          <p:cNvPr id="7" name="Rectangle 2055"/>
           <p:cNvSpPr>
             <a:spLocks noGrp="1" noChangeArrowheads="1"/>
           </p:cNvSpPr>
@@ -1886,10 +1864,10 @@
           <a:bodyPr/>
           <a:lstStyle/>
           <a:p>
-            <a:fld id="{DF81E267-DA78-4F7A-9D0A-F2AD52767CD5}" type="slidenum">
+            <a:fld id="{93559BB6-3F1B-42E7-A296-2C8C274AEE81}" type="slidenum">
               <a:rPr lang="fr-FR" altLang="fr-FR"/>
               <a:pPr/>
-              <a:t>37</a:t>
+              <a:t>38</a:t>
             </a:fld>
             <a:endParaRPr lang="fr-FR" altLang="fr-FR"/>
           </a:p>
@@ -1897,7 +1875,7 @@
       </p:sp>
       <p:sp>
         <p:nvSpPr>
-          <p:cNvPr id="107522" name="Rectangle 2"/>
+          <p:cNvPr id="133122" name="Rectangle 2"/>
           <p:cNvSpPr>
             <a:spLocks noGrp="1" noRot="1" noChangeAspect="1" noChangeArrowheads="1" noTextEdit="1"/>
           </p:cNvSpPr>
@@ -1906,16 +1884,12 @@
           </p:nvPr>
         </p:nvSpPr>
         <p:spPr>
-          <a:xfrm>
-            <a:off x="592138" y="606425"/>
-            <a:ext cx="5619750" cy="4214813"/>
-          </a:xfrm>
           <a:ln/>
         </p:spPr>
       </p:sp>
       <p:sp>
         <p:nvSpPr>
-          <p:cNvPr id="107523" name="Rectangle 3"/>
+          <p:cNvPr id="133123" name="Rectangle 3"/>
           <p:cNvSpPr>
             <a:spLocks noGrp="1" noChangeArrowheads="1"/>
           </p:cNvSpPr>
@@ -1943,7 +1917,7 @@
     </p:spTree>
     <p:extLst>
       <p:ext uri="{BB962C8B-B14F-4D97-AF65-F5344CB8AC3E}">
-        <p14:creationId xmlns:p14="http://schemas.microsoft.com/office/powerpoint/2010/main" val="4071065622"/>
+        <p14:creationId xmlns:p14="http://schemas.microsoft.com/office/powerpoint/2010/main" val="273023187"/>
       </p:ext>
     </p:extLst>
   </p:cSld>
@@ -1972,7 +1946,7 @@
       </p:grpSpPr>
       <p:sp>
         <p:nvSpPr>
-          <p:cNvPr id="7" name="Rectangle 1031"/>
+          <p:cNvPr id="7" name="Rectangle 2055"/>
           <p:cNvSpPr>
             <a:spLocks noGrp="1" noChangeArrowheads="1"/>
           </p:cNvSpPr>
@@ -1994,10 +1968,10 @@
           <a:bodyPr/>
           <a:lstStyle/>
           <a:p>
-            <a:fld id="{7466B29F-019C-4D15-87C0-1C3D1CA3312B}" type="slidenum">
+            <a:fld id="{CA144CD8-D6EF-40C6-AA2F-C6E9D73A8EDC}" type="slidenum">
               <a:rPr lang="fr-FR" altLang="fr-FR"/>
               <a:pPr/>
-              <a:t>38</a:t>
+              <a:t>39</a:t>
             </a:fld>
             <a:endParaRPr lang="fr-FR" altLang="fr-FR"/>
           </a:p>
@@ -2005,7 +1979,7 @@
       </p:sp>
       <p:sp>
         <p:nvSpPr>
-          <p:cNvPr id="108546" name="Rectangle 2"/>
+          <p:cNvPr id="152578" name="Rectangle 2"/>
           <p:cNvSpPr>
             <a:spLocks noGrp="1" noRot="1" noChangeAspect="1" noChangeArrowheads="1" noTextEdit="1"/>
           </p:cNvSpPr>
@@ -2023,7 +1997,7 @@
       </p:sp>
       <p:sp>
         <p:nvSpPr>
-          <p:cNvPr id="108547" name="Rectangle 3"/>
+          <p:cNvPr id="152579" name="Rectangle 3"/>
           <p:cNvSpPr>
             <a:spLocks noGrp="1" noChangeArrowheads="1"/>
           </p:cNvSpPr>
@@ -2044,12 +2018,6 @@
           <a:bodyPr/>
           <a:lstStyle/>
           <a:p>
-            <a:r>
-              <a:rPr lang="fr-FR" altLang="fr-FR"/>
-              <a:t>You must have the text/documentation to go with any UML diagram because there are people who will study your models who are strongly visual oriented and others who are strongly verbal. The visual people will study the diagram and are less likely to read the text. The verbal people will read the text but are less likely to study the diagram. There are also the more desirable customers/users who will study the diagram and read the text and point out all the ambiguities between them. </a:t>
-            </a:r>
-          </a:p>
-          <a:p>
             <a:endParaRPr lang="fr-FR" altLang="fr-FR"/>
           </a:p>
         </p:txBody>
@@ -2057,7 +2025,7 @@
     </p:spTree>
     <p:extLst>
       <p:ext uri="{BB962C8B-B14F-4D97-AF65-F5344CB8AC3E}">
-        <p14:creationId xmlns:p14="http://schemas.microsoft.com/office/powerpoint/2010/main" val="3761618536"/>
+        <p14:creationId xmlns:p14="http://schemas.microsoft.com/office/powerpoint/2010/main" val="1297488113"/>
       </p:ext>
     </p:extLst>
   </p:cSld>
@@ -2086,7 +2054,7 @@
       </p:grpSpPr>
       <p:sp>
         <p:nvSpPr>
-          <p:cNvPr id="7" name="Rectangle 1031"/>
+          <p:cNvPr id="7" name="Rectangle 2055"/>
           <p:cNvSpPr>
             <a:spLocks noGrp="1" noChangeArrowheads="1"/>
           </p:cNvSpPr>
@@ -2108,10 +2076,10 @@
           <a:bodyPr/>
           <a:lstStyle/>
           <a:p>
-            <a:fld id="{B779B5C6-F8D3-49AA-8AC6-354988C64744}" type="slidenum">
+            <a:fld id="{859748B5-A6AC-4687-BFB4-268202B6EFBF}" type="slidenum">
               <a:rPr lang="fr-FR" altLang="fr-FR"/>
               <a:pPr/>
-              <a:t>39</a:t>
+              <a:t>40</a:t>
             </a:fld>
             <a:endParaRPr lang="fr-FR" altLang="fr-FR"/>
           </a:p>
@@ -2119,7 +2087,7 @@
       </p:sp>
       <p:sp>
         <p:nvSpPr>
-          <p:cNvPr id="109570" name="Rectangle 2"/>
+          <p:cNvPr id="153602" name="Rectangle 2"/>
           <p:cNvSpPr>
             <a:spLocks noGrp="1" noRot="1" noChangeAspect="1" noChangeArrowheads="1" noTextEdit="1"/>
           </p:cNvSpPr>
@@ -2137,7 +2105,7 @@
       </p:sp>
       <p:sp>
         <p:nvSpPr>
-          <p:cNvPr id="109571" name="Rectangle 3"/>
+          <p:cNvPr id="153603" name="Rectangle 3"/>
           <p:cNvSpPr>
             <a:spLocks noGrp="1" noChangeArrowheads="1"/>
           </p:cNvSpPr>
@@ -2165,7 +2133,7 @@
     </p:spTree>
     <p:extLst>
       <p:ext uri="{BB962C8B-B14F-4D97-AF65-F5344CB8AC3E}">
-        <p14:creationId xmlns:p14="http://schemas.microsoft.com/office/powerpoint/2010/main" val="3985878869"/>
+        <p14:creationId xmlns:p14="http://schemas.microsoft.com/office/powerpoint/2010/main" val="2312559087"/>
       </p:ext>
     </p:extLst>
   </p:cSld>
@@ -2298,7 +2266,7 @@
       </p:grpSpPr>
       <p:sp>
         <p:nvSpPr>
-          <p:cNvPr id="7" name="Rectangle 1031"/>
+          <p:cNvPr id="7" name="Rectangle 2055"/>
           <p:cNvSpPr>
             <a:spLocks noGrp="1" noChangeArrowheads="1"/>
           </p:cNvSpPr>
@@ -2320,10 +2288,10 @@
           <a:bodyPr/>
           <a:lstStyle/>
           <a:p>
-            <a:fld id="{2992F3A1-C23F-484D-A8BB-21DE5A8F2292}" type="slidenum">
+            <a:fld id="{B01FE677-90D5-40C3-94A4-184394107E8C}" type="slidenum">
               <a:rPr lang="fr-FR" altLang="fr-FR"/>
               <a:pPr/>
-              <a:t>40</a:t>
+              <a:t>41</a:t>
             </a:fld>
             <a:endParaRPr lang="fr-FR" altLang="fr-FR"/>
           </a:p>
@@ -2331,7 +2299,7 @@
       </p:sp>
       <p:sp>
         <p:nvSpPr>
-          <p:cNvPr id="122882" name="Rectangle 2"/>
+          <p:cNvPr id="154626" name="Rectangle 2"/>
           <p:cNvSpPr>
             <a:spLocks noGrp="1" noRot="1" noChangeAspect="1" noChangeArrowheads="1" noTextEdit="1"/>
           </p:cNvSpPr>
@@ -2340,12 +2308,16 @@
           </p:nvPr>
         </p:nvSpPr>
         <p:spPr>
+          <a:xfrm>
+            <a:off x="592138" y="606425"/>
+            <a:ext cx="5619750" cy="4214813"/>
+          </a:xfrm>
           <a:ln/>
         </p:spPr>
       </p:sp>
       <p:sp>
         <p:nvSpPr>
-          <p:cNvPr id="122883" name="Rectangle 3"/>
+          <p:cNvPr id="154627" name="Rectangle 3"/>
           <p:cNvSpPr>
             <a:spLocks noGrp="1" noChangeArrowheads="1"/>
           </p:cNvSpPr>
@@ -2366,14 +2338,17 @@
           <a:bodyPr/>
           <a:lstStyle/>
           <a:p>
-            <a:endParaRPr lang="fr-FR" altLang="fr-FR"/>
+            <a:r>
+              <a:rPr lang="fr-FR" altLang="fr-FR"/>
+              <a:t>Three standard compartments for the three standard properties on 2-24 plus extra compartments if necessary. A negative salary would throw the InvalidUpdate exception. Exceptions is an example of the more detail that may be added to design level diagrams.</a:t>
+            </a:r>
           </a:p>
         </p:txBody>
       </p:sp>
     </p:spTree>
     <p:extLst>
       <p:ext uri="{BB962C8B-B14F-4D97-AF65-F5344CB8AC3E}">
-        <p14:creationId xmlns:p14="http://schemas.microsoft.com/office/powerpoint/2010/main" val="198187096"/>
+        <p14:creationId xmlns:p14="http://schemas.microsoft.com/office/powerpoint/2010/main" val="1666643742"/>
       </p:ext>
     </p:extLst>
   </p:cSld>
@@ -2424,7 +2399,7 @@
           <a:bodyPr/>
           <a:lstStyle/>
           <a:p>
-            <a:fld id="{93559BB6-3F1B-42E7-A296-2C8C274AEE81}" type="slidenum">
+            <a:fld id="{ACDFEF99-8340-4B73-ACBB-3391A15C133C}" type="slidenum">
               <a:rPr lang="fr-FR" altLang="fr-FR"/>
               <a:pPr/>
               <a:t>42</a:t>
@@ -2435,7 +2410,7 @@
       </p:sp>
       <p:sp>
         <p:nvSpPr>
-          <p:cNvPr id="133122" name="Rectangle 2"/>
+          <p:cNvPr id="161794" name="Rectangle 2"/>
           <p:cNvSpPr>
             <a:spLocks noGrp="1" noRot="1" noChangeAspect="1" noChangeArrowheads="1" noTextEdit="1"/>
           </p:cNvSpPr>
@@ -2444,12 +2419,16 @@
           </p:nvPr>
         </p:nvSpPr>
         <p:spPr>
+          <a:xfrm>
+            <a:off x="877888" y="733425"/>
+            <a:ext cx="4892675" cy="3670300"/>
+          </a:xfrm>
           <a:ln/>
         </p:spPr>
       </p:sp>
       <p:sp>
         <p:nvSpPr>
-          <p:cNvPr id="133123" name="Rectangle 3"/>
+          <p:cNvPr id="161795" name="Rectangle 3"/>
           <p:cNvSpPr>
             <a:spLocks noGrp="1" noChangeArrowheads="1"/>
           </p:cNvSpPr>
@@ -2470,6 +2449,12 @@
           <a:bodyPr/>
           <a:lstStyle/>
           <a:p>
+            <a:r>
+              <a:rPr lang="fr-FR" altLang="fr-FR"/>
+              <a:t>Classes and a class diagrams are the one pretty-much mandatory UML diagram for developing software. </a:t>
+            </a:r>
+          </a:p>
+          <a:p>
             <a:endParaRPr lang="fr-FR" altLang="fr-FR"/>
           </a:p>
         </p:txBody>
@@ -2477,7 +2462,7 @@
     </p:spTree>
     <p:extLst>
       <p:ext uri="{BB962C8B-B14F-4D97-AF65-F5344CB8AC3E}">
-        <p14:creationId xmlns:p14="http://schemas.microsoft.com/office/powerpoint/2010/main" val="273023187"/>
+        <p14:creationId xmlns:p14="http://schemas.microsoft.com/office/powerpoint/2010/main" val="1472247562"/>
       </p:ext>
     </p:extLst>
   </p:cSld>
@@ -2528,7 +2513,7 @@
           <a:bodyPr/>
           <a:lstStyle/>
           <a:p>
-            <a:fld id="{CA144CD8-D6EF-40C6-AA2F-C6E9D73A8EDC}" type="slidenum">
+            <a:fld id="{0AFBA07E-E856-436E-96A5-D3B4985C8440}" type="slidenum">
               <a:rPr lang="fr-FR" altLang="fr-FR"/>
               <a:pPr/>
               <a:t>43</a:t>
@@ -2539,7 +2524,7 @@
       </p:sp>
       <p:sp>
         <p:nvSpPr>
-          <p:cNvPr id="152578" name="Rectangle 2"/>
+          <p:cNvPr id="164866" name="Rectangle 2"/>
           <p:cNvSpPr>
             <a:spLocks noGrp="1" noRot="1" noChangeAspect="1" noChangeArrowheads="1" noTextEdit="1"/>
           </p:cNvSpPr>
@@ -2557,7 +2542,7 @@
       </p:sp>
       <p:sp>
         <p:nvSpPr>
-          <p:cNvPr id="152579" name="Rectangle 3"/>
+          <p:cNvPr id="164867" name="Rectangle 3"/>
           <p:cNvSpPr>
             <a:spLocks noGrp="1" noChangeArrowheads="1"/>
           </p:cNvSpPr>
@@ -2585,7 +2570,7 @@
     </p:spTree>
     <p:extLst>
       <p:ext uri="{BB962C8B-B14F-4D97-AF65-F5344CB8AC3E}">
-        <p14:creationId xmlns:p14="http://schemas.microsoft.com/office/powerpoint/2010/main" val="1297488113"/>
+        <p14:creationId xmlns:p14="http://schemas.microsoft.com/office/powerpoint/2010/main" val="2855729271"/>
       </p:ext>
     </p:extLst>
   </p:cSld>
@@ -2636,7 +2621,7 @@
           <a:bodyPr/>
           <a:lstStyle/>
           <a:p>
-            <a:fld id="{859748B5-A6AC-4687-BFB4-268202B6EFBF}" type="slidenum">
+            <a:fld id="{B12651EA-86BB-432F-A75D-962E5D9A69BD}" type="slidenum">
               <a:rPr lang="fr-FR" altLang="fr-FR"/>
               <a:pPr/>
               <a:t>44</a:t>
@@ -2647,7 +2632,7 @@
       </p:sp>
       <p:sp>
         <p:nvSpPr>
-          <p:cNvPr id="153602" name="Rectangle 2"/>
+          <p:cNvPr id="165890" name="Rectangle 2"/>
           <p:cNvSpPr>
             <a:spLocks noGrp="1" noRot="1" noChangeAspect="1" noChangeArrowheads="1" noTextEdit="1"/>
           </p:cNvSpPr>
@@ -2656,16 +2641,12 @@
           </p:nvPr>
         </p:nvSpPr>
         <p:spPr>
-          <a:xfrm>
-            <a:off x="592138" y="606425"/>
-            <a:ext cx="5619750" cy="4214813"/>
-          </a:xfrm>
           <a:ln/>
         </p:spPr>
       </p:sp>
       <p:sp>
         <p:nvSpPr>
-          <p:cNvPr id="153603" name="Rectangle 3"/>
+          <p:cNvPr id="165891" name="Rectangle 3"/>
           <p:cNvSpPr>
             <a:spLocks noGrp="1" noChangeArrowheads="1"/>
           </p:cNvSpPr>
@@ -2686,14 +2667,17 @@
           <a:bodyPr/>
           <a:lstStyle/>
           <a:p>
-            <a:endParaRPr lang="fr-FR" altLang="fr-FR"/>
+            <a:r>
+              <a:rPr lang="fr-FR" altLang="fr-FR"/>
+              <a:t>Ask attendees how the multiplicity would change if A SectionHead must have 3 or more Employees.</a:t>
+            </a:r>
           </a:p>
         </p:txBody>
       </p:sp>
     </p:spTree>
     <p:extLst>
       <p:ext uri="{BB962C8B-B14F-4D97-AF65-F5344CB8AC3E}">
-        <p14:creationId xmlns:p14="http://schemas.microsoft.com/office/powerpoint/2010/main" val="2312559087"/>
+        <p14:creationId xmlns:p14="http://schemas.microsoft.com/office/powerpoint/2010/main" val="3840419809"/>
       </p:ext>
     </p:extLst>
   </p:cSld>
@@ -2744,7 +2728,7 @@
           <a:bodyPr/>
           <a:lstStyle/>
           <a:p>
-            <a:fld id="{B01FE677-90D5-40C3-94A4-184394107E8C}" type="slidenum">
+            <a:fld id="{B199DAF4-5600-4F08-9A7D-E36C3804ACB1}" type="slidenum">
               <a:rPr lang="fr-FR" altLang="fr-FR"/>
               <a:pPr/>
               <a:t>45</a:t>
@@ -2755,7 +2739,7 @@
       </p:sp>
       <p:sp>
         <p:nvSpPr>
-          <p:cNvPr id="154626" name="Rectangle 2"/>
+          <p:cNvPr id="178178" name="Rectangle 2"/>
           <p:cNvSpPr>
             <a:spLocks noGrp="1" noRot="1" noChangeAspect="1" noChangeArrowheads="1" noTextEdit="1"/>
           </p:cNvSpPr>
@@ -2764,16 +2748,12 @@
           </p:nvPr>
         </p:nvSpPr>
         <p:spPr>
-          <a:xfrm>
-            <a:off x="592138" y="606425"/>
-            <a:ext cx="5619750" cy="4214813"/>
-          </a:xfrm>
           <a:ln/>
         </p:spPr>
       </p:sp>
       <p:sp>
         <p:nvSpPr>
-          <p:cNvPr id="154627" name="Rectangle 3"/>
+          <p:cNvPr id="178179" name="Rectangle 3"/>
           <p:cNvSpPr>
             <a:spLocks noGrp="1" noChangeArrowheads="1"/>
           </p:cNvSpPr>
@@ -2794,17 +2774,14 @@
           <a:bodyPr/>
           <a:lstStyle/>
           <a:p>
-            <a:r>
-              <a:rPr lang="fr-FR" altLang="fr-FR"/>
-              <a:t>Three standard compartments for the three standard properties on 2-24 plus extra compartments if necessary. A negative salary would throw the InvalidUpdate exception. Exceptions is an example of the more detail that may be added to design level diagrams.</a:t>
-            </a:r>
+            <a:endParaRPr lang="fr-FR" altLang="fr-FR"/>
           </a:p>
         </p:txBody>
       </p:sp>
     </p:spTree>
     <p:extLst>
       <p:ext uri="{BB962C8B-B14F-4D97-AF65-F5344CB8AC3E}">
-        <p14:creationId xmlns:p14="http://schemas.microsoft.com/office/powerpoint/2010/main" val="1666643742"/>
+        <p14:creationId xmlns:p14="http://schemas.microsoft.com/office/powerpoint/2010/main" val="1256174224"/>
       </p:ext>
     </p:extLst>
   </p:cSld>
@@ -2833,7 +2810,7 @@
       </p:grpSpPr>
       <p:sp>
         <p:nvSpPr>
-          <p:cNvPr id="7" name="Rectangle 2055"/>
+          <p:cNvPr id="7" name="Rectangle 7"/>
           <p:cNvSpPr>
             <a:spLocks noGrp="1" noChangeArrowheads="1"/>
           </p:cNvSpPr>
@@ -2855,10 +2832,10 @@
           <a:bodyPr/>
           <a:lstStyle/>
           <a:p>
-            <a:fld id="{ACDFEF99-8340-4B73-ACBB-3391A15C133C}" type="slidenum">
+            <a:fld id="{7E273309-8D6D-4DEB-927D-FD1AC2A2720F}" type="slidenum">
               <a:rPr lang="fr-FR" altLang="fr-FR"/>
               <a:pPr/>
-              <a:t>46</a:t>
+              <a:t>47</a:t>
             </a:fld>
             <a:endParaRPr lang="fr-FR" altLang="fr-FR"/>
           </a:p>
@@ -2866,7 +2843,7 @@
       </p:sp>
       <p:sp>
         <p:nvSpPr>
-          <p:cNvPr id="161794" name="Rectangle 2"/>
+          <p:cNvPr id="142338" name="Rectangle 2"/>
           <p:cNvSpPr>
             <a:spLocks noGrp="1" noRot="1" noChangeAspect="1" noChangeArrowheads="1" noTextEdit="1"/>
           </p:cNvSpPr>
@@ -2876,15 +2853,15 @@
         </p:nvSpPr>
         <p:spPr>
           <a:xfrm>
-            <a:off x="877888" y="733425"/>
-            <a:ext cx="4892675" cy="3670300"/>
+            <a:off x="592138" y="606425"/>
+            <a:ext cx="5619750" cy="4214813"/>
           </a:xfrm>
           <a:ln/>
         </p:spPr>
       </p:sp>
       <p:sp>
         <p:nvSpPr>
-          <p:cNvPr id="161795" name="Rectangle 3"/>
+          <p:cNvPr id="142339" name="Rectangle 3"/>
           <p:cNvSpPr>
             <a:spLocks noGrp="1" noChangeArrowheads="1"/>
           </p:cNvSpPr>
@@ -2905,12 +2882,6 @@
           <a:bodyPr/>
           <a:lstStyle/>
           <a:p>
-            <a:r>
-              <a:rPr lang="fr-FR" altLang="fr-FR"/>
-              <a:t>Classes and a class diagrams are the one pretty-much mandatory UML diagram for developing software. </a:t>
-            </a:r>
-          </a:p>
-          <a:p>
             <a:endParaRPr lang="fr-FR" altLang="fr-FR"/>
           </a:p>
         </p:txBody>
@@ -2918,7 +2889,7 @@
     </p:spTree>
     <p:extLst>
       <p:ext uri="{BB962C8B-B14F-4D97-AF65-F5344CB8AC3E}">
-        <p14:creationId xmlns:p14="http://schemas.microsoft.com/office/powerpoint/2010/main" val="1472247562"/>
+        <p14:creationId xmlns:p14="http://schemas.microsoft.com/office/powerpoint/2010/main" val="2349079251"/>
       </p:ext>
     </p:extLst>
   </p:cSld>
@@ -2947,7 +2918,7 @@
       </p:grpSpPr>
       <p:sp>
         <p:nvSpPr>
-          <p:cNvPr id="7" name="Rectangle 2055"/>
+          <p:cNvPr id="7" name="Rectangle 7"/>
           <p:cNvSpPr>
             <a:spLocks noGrp="1" noChangeArrowheads="1"/>
           </p:cNvSpPr>
@@ -2969,10 +2940,10 @@
           <a:bodyPr/>
           <a:lstStyle/>
           <a:p>
-            <a:fld id="{0AFBA07E-E856-436E-96A5-D3B4985C8440}" type="slidenum">
+            <a:fld id="{02150196-F658-4044-B465-2936C55C2D20}" type="slidenum">
               <a:rPr lang="fr-FR" altLang="fr-FR"/>
               <a:pPr/>
-              <a:t>47</a:t>
+              <a:t>48</a:t>
             </a:fld>
             <a:endParaRPr lang="fr-FR" altLang="fr-FR"/>
           </a:p>
@@ -2980,7 +2951,7 @@
       </p:sp>
       <p:sp>
         <p:nvSpPr>
-          <p:cNvPr id="164866" name="Rectangle 2"/>
+          <p:cNvPr id="143362" name="Rectangle 2"/>
           <p:cNvSpPr>
             <a:spLocks noGrp="1" noRot="1" noChangeAspect="1" noChangeArrowheads="1" noTextEdit="1"/>
           </p:cNvSpPr>
@@ -2989,16 +2960,12 @@
           </p:nvPr>
         </p:nvSpPr>
         <p:spPr>
-          <a:xfrm>
-            <a:off x="592138" y="606425"/>
-            <a:ext cx="5619750" cy="4214813"/>
-          </a:xfrm>
           <a:ln/>
         </p:spPr>
       </p:sp>
       <p:sp>
         <p:nvSpPr>
-          <p:cNvPr id="164867" name="Rectangle 3"/>
+          <p:cNvPr id="143363" name="Rectangle 3"/>
           <p:cNvSpPr>
             <a:spLocks noGrp="1" noChangeArrowheads="1"/>
           </p:cNvSpPr>
@@ -3019,14 +2986,17 @@
           <a:bodyPr/>
           <a:lstStyle/>
           <a:p>
-            <a:endParaRPr lang="fr-FR" altLang="fr-FR"/>
+            <a:r>
+              <a:rPr lang="fr-FR" altLang="fr-FR"/>
+              <a:t>The focus has now changed from the customer to the process of dining. </a:t>
+            </a:r>
           </a:p>
         </p:txBody>
       </p:sp>
     </p:spTree>
     <p:extLst>
       <p:ext uri="{BB962C8B-B14F-4D97-AF65-F5344CB8AC3E}">
-        <p14:creationId xmlns:p14="http://schemas.microsoft.com/office/powerpoint/2010/main" val="2855729271"/>
+        <p14:creationId xmlns:p14="http://schemas.microsoft.com/office/powerpoint/2010/main" val="2185601259"/>
       </p:ext>
     </p:extLst>
   </p:cSld>
@@ -3055,7 +3025,7 @@
       </p:grpSpPr>
       <p:sp>
         <p:nvSpPr>
-          <p:cNvPr id="7" name="Rectangle 2055"/>
+          <p:cNvPr id="7" name="Rectangle 7"/>
           <p:cNvSpPr>
             <a:spLocks noGrp="1" noChangeArrowheads="1"/>
           </p:cNvSpPr>
@@ -3077,10 +3047,10 @@
           <a:bodyPr/>
           <a:lstStyle/>
           <a:p>
-            <a:fld id="{B12651EA-86BB-432F-A75D-962E5D9A69BD}" type="slidenum">
+            <a:fld id="{780A4547-29C1-4322-80D5-1AA61CB9CAF4}" type="slidenum">
               <a:rPr lang="fr-FR" altLang="fr-FR"/>
               <a:pPr/>
-              <a:t>48</a:t>
+              <a:t>49</a:t>
             </a:fld>
             <a:endParaRPr lang="fr-FR" altLang="fr-FR"/>
           </a:p>
@@ -3088,7 +3058,7 @@
       </p:sp>
       <p:sp>
         <p:nvSpPr>
-          <p:cNvPr id="165890" name="Rectangle 2"/>
+          <p:cNvPr id="144386" name="Rectangle 2"/>
           <p:cNvSpPr>
             <a:spLocks noGrp="1" noRot="1" noChangeAspect="1" noChangeArrowheads="1" noTextEdit="1"/>
           </p:cNvSpPr>
@@ -3102,7 +3072,7 @@
       </p:sp>
       <p:sp>
         <p:nvSpPr>
-          <p:cNvPr id="165891" name="Rectangle 3"/>
+          <p:cNvPr id="144387" name="Rectangle 3"/>
           <p:cNvSpPr>
             <a:spLocks noGrp="1" noChangeArrowheads="1"/>
           </p:cNvSpPr>
@@ -3123,17 +3093,14 @@
           <a:bodyPr/>
           <a:lstStyle/>
           <a:p>
-            <a:r>
-              <a:rPr lang="fr-FR" altLang="fr-FR"/>
-              <a:t>Ask attendees how the multiplicity would change if A SectionHead must have 3 or more Employees.</a:t>
-            </a:r>
+            <a:endParaRPr lang="fr-FR" altLang="fr-FR"/>
           </a:p>
         </p:txBody>
       </p:sp>
     </p:spTree>
     <p:extLst>
       <p:ext uri="{BB962C8B-B14F-4D97-AF65-F5344CB8AC3E}">
-        <p14:creationId xmlns:p14="http://schemas.microsoft.com/office/powerpoint/2010/main" val="3840419809"/>
+        <p14:creationId xmlns:p14="http://schemas.microsoft.com/office/powerpoint/2010/main" val="355628832"/>
       </p:ext>
     </p:extLst>
   </p:cSld>
@@ -3162,7 +3129,7 @@
       </p:grpSpPr>
       <p:sp>
         <p:nvSpPr>
-          <p:cNvPr id="7" name="Rectangle 2055"/>
+          <p:cNvPr id="7" name="Rectangle 7"/>
           <p:cNvSpPr>
             <a:spLocks noGrp="1" noChangeArrowheads="1"/>
           </p:cNvSpPr>
@@ -3184,10 +3151,10 @@
           <a:bodyPr/>
           <a:lstStyle/>
           <a:p>
-            <a:fld id="{A5B5B361-E319-428D-B6E3-8E1ECE35F384}" type="slidenum">
+            <a:fld id="{89342C51-AAF8-4BD5-856C-251D290A23B0}" type="slidenum">
               <a:rPr lang="fr-FR" altLang="fr-FR"/>
               <a:pPr/>
-              <a:t>49</a:t>
+              <a:t>50</a:t>
             </a:fld>
             <a:endParaRPr lang="fr-FR" altLang="fr-FR"/>
           </a:p>
@@ -3195,7 +3162,7 @@
       </p:sp>
       <p:sp>
         <p:nvSpPr>
-          <p:cNvPr id="166914" name="Rectangle 2"/>
+          <p:cNvPr id="146434" name="Rectangle 2"/>
           <p:cNvSpPr>
             <a:spLocks noGrp="1" noRot="1" noChangeAspect="1" noChangeArrowheads="1" noTextEdit="1"/>
           </p:cNvSpPr>
@@ -3204,12 +3171,16 @@
           </p:nvPr>
         </p:nvSpPr>
         <p:spPr>
+          <a:xfrm>
+            <a:off x="592138" y="606425"/>
+            <a:ext cx="5619750" cy="4214813"/>
+          </a:xfrm>
           <a:ln/>
         </p:spPr>
       </p:sp>
       <p:sp>
         <p:nvSpPr>
-          <p:cNvPr id="166915" name="Rectangle 3"/>
+          <p:cNvPr id="146435" name="Rectangle 3"/>
           <p:cNvSpPr>
             <a:spLocks noGrp="1" noChangeArrowheads="1"/>
           </p:cNvSpPr>
@@ -3237,7 +3208,7 @@
     </p:spTree>
     <p:extLst>
       <p:ext uri="{BB962C8B-B14F-4D97-AF65-F5344CB8AC3E}">
-        <p14:creationId xmlns:p14="http://schemas.microsoft.com/office/powerpoint/2010/main" val="3938146367"/>
+        <p14:creationId xmlns:p14="http://schemas.microsoft.com/office/powerpoint/2010/main" val="3155197805"/>
       </p:ext>
     </p:extLst>
   </p:cSld>
@@ -3266,7 +3237,7 @@
       </p:grpSpPr>
       <p:sp>
         <p:nvSpPr>
-          <p:cNvPr id="7" name="Rectangle 2055"/>
+          <p:cNvPr id="7" name="Rectangle 7"/>
           <p:cNvSpPr>
             <a:spLocks noGrp="1" noChangeArrowheads="1"/>
           </p:cNvSpPr>
@@ -3288,10 +3259,10 @@
           <a:bodyPr/>
           <a:lstStyle/>
           <a:p>
-            <a:fld id="{B199DAF4-5600-4F08-9A7D-E36C3804ACB1}" type="slidenum">
+            <a:fld id="{8202CB7C-DF68-4626-A7CA-76E77DB1AE67}" type="slidenum">
               <a:rPr lang="fr-FR" altLang="fr-FR"/>
               <a:pPr/>
-              <a:t>50</a:t>
+              <a:t>51</a:t>
             </a:fld>
             <a:endParaRPr lang="fr-FR" altLang="fr-FR"/>
           </a:p>
@@ -3299,7 +3270,7 @@
       </p:sp>
       <p:sp>
         <p:nvSpPr>
-          <p:cNvPr id="178178" name="Rectangle 2"/>
+          <p:cNvPr id="147458" name="Rectangle 2"/>
           <p:cNvSpPr>
             <a:spLocks noGrp="1" noRot="1" noChangeAspect="1" noChangeArrowheads="1" noTextEdit="1"/>
           </p:cNvSpPr>
@@ -3308,12 +3279,16 @@
           </p:nvPr>
         </p:nvSpPr>
         <p:spPr>
+          <a:xfrm>
+            <a:off x="877888" y="733425"/>
+            <a:ext cx="4892675" cy="3670300"/>
+          </a:xfrm>
           <a:ln/>
         </p:spPr>
       </p:sp>
       <p:sp>
         <p:nvSpPr>
-          <p:cNvPr id="178179" name="Rectangle 3"/>
+          <p:cNvPr id="147459" name="Rectangle 3"/>
           <p:cNvSpPr>
             <a:spLocks noGrp="1" noChangeArrowheads="1"/>
           </p:cNvSpPr>
@@ -3341,7 +3316,7 @@
     </p:spTree>
     <p:extLst>
       <p:ext uri="{BB962C8B-B14F-4D97-AF65-F5344CB8AC3E}">
-        <p14:creationId xmlns:p14="http://schemas.microsoft.com/office/powerpoint/2010/main" val="1256174224"/>
+        <p14:creationId xmlns:p14="http://schemas.microsoft.com/office/powerpoint/2010/main" val="1684193198"/>
       </p:ext>
     </p:extLst>
   </p:cSld>
@@ -3496,7 +3471,7 @@
           <a:bodyPr/>
           <a:lstStyle/>
           <a:p>
-            <a:fld id="{7E273309-8D6D-4DEB-927D-FD1AC2A2720F}" type="slidenum">
+            <a:fld id="{8996CB25-2CE8-4C8F-9391-D886477FF2CB}" type="slidenum">
               <a:rPr lang="fr-FR" altLang="fr-FR"/>
               <a:pPr/>
               <a:t>52</a:t>
@@ -3507,7 +3482,7 @@
       </p:sp>
       <p:sp>
         <p:nvSpPr>
-          <p:cNvPr id="142338" name="Rectangle 2"/>
+          <p:cNvPr id="148482" name="Rectangle 2"/>
           <p:cNvSpPr>
             <a:spLocks noGrp="1" noRot="1" noChangeAspect="1" noChangeArrowheads="1" noTextEdit="1"/>
           </p:cNvSpPr>
@@ -3525,7 +3500,7 @@
       </p:sp>
       <p:sp>
         <p:nvSpPr>
-          <p:cNvPr id="142339" name="Rectangle 3"/>
+          <p:cNvPr id="148483" name="Rectangle 3"/>
           <p:cNvSpPr>
             <a:spLocks noGrp="1" noChangeArrowheads="1"/>
           </p:cNvSpPr>
@@ -3553,7 +3528,7 @@
     </p:spTree>
     <p:extLst>
       <p:ext uri="{BB962C8B-B14F-4D97-AF65-F5344CB8AC3E}">
-        <p14:creationId xmlns:p14="http://schemas.microsoft.com/office/powerpoint/2010/main" val="2349079251"/>
+        <p14:creationId xmlns:p14="http://schemas.microsoft.com/office/powerpoint/2010/main" val="1523535141"/>
       </p:ext>
     </p:extLst>
   </p:cSld>
@@ -3604,7 +3579,7 @@
           <a:bodyPr/>
           <a:lstStyle/>
           <a:p>
-            <a:fld id="{02150196-F658-4044-B465-2936C55C2D20}" type="slidenum">
+            <a:fld id="{149A93A7-862B-4058-AE6D-162D367CC4C3}" type="slidenum">
               <a:rPr lang="fr-FR" altLang="fr-FR"/>
               <a:pPr/>
               <a:t>53</a:t>
@@ -3615,7 +3590,7 @@
       </p:sp>
       <p:sp>
         <p:nvSpPr>
-          <p:cNvPr id="143362" name="Rectangle 2"/>
+          <p:cNvPr id="149506" name="Rectangle 2"/>
           <p:cNvSpPr>
             <a:spLocks noGrp="1" noRot="1" noChangeAspect="1" noChangeArrowheads="1" noTextEdit="1"/>
           </p:cNvSpPr>
@@ -3629,7 +3604,7 @@
       </p:sp>
       <p:sp>
         <p:nvSpPr>
-          <p:cNvPr id="143363" name="Rectangle 3"/>
+          <p:cNvPr id="149507" name="Rectangle 3"/>
           <p:cNvSpPr>
             <a:spLocks noGrp="1" noChangeArrowheads="1"/>
           </p:cNvSpPr>
@@ -3650,17 +3625,14 @@
           <a:bodyPr/>
           <a:lstStyle/>
           <a:p>
-            <a:r>
-              <a:rPr lang="fr-FR" altLang="fr-FR"/>
-              <a:t>The focus has now changed from the customer to the process of dining. </a:t>
-            </a:r>
+            <a:endParaRPr lang="fr-FR" altLang="fr-FR"/>
           </a:p>
         </p:txBody>
       </p:sp>
     </p:spTree>
     <p:extLst>
       <p:ext uri="{BB962C8B-B14F-4D97-AF65-F5344CB8AC3E}">
-        <p14:creationId xmlns:p14="http://schemas.microsoft.com/office/powerpoint/2010/main" val="2185601259"/>
+        <p14:creationId xmlns:p14="http://schemas.microsoft.com/office/powerpoint/2010/main" val="2520115494"/>
       </p:ext>
     </p:extLst>
   </p:cSld>
@@ -3711,7 +3683,7 @@
           <a:bodyPr/>
           <a:lstStyle/>
           <a:p>
-            <a:fld id="{780A4547-29C1-4322-80D5-1AA61CB9CAF4}" type="slidenum">
+            <a:fld id="{B0F2725A-DA20-44FC-A9B1-0582645C2FC9}" type="slidenum">
               <a:rPr lang="fr-FR" altLang="fr-FR"/>
               <a:pPr/>
               <a:t>54</a:t>
@@ -3722,7 +3694,7 @@
       </p:sp>
       <p:sp>
         <p:nvSpPr>
-          <p:cNvPr id="144386" name="Rectangle 2"/>
+          <p:cNvPr id="150530" name="Rectangle 2"/>
           <p:cNvSpPr>
             <a:spLocks noGrp="1" noRot="1" noChangeAspect="1" noChangeArrowheads="1" noTextEdit="1"/>
           </p:cNvSpPr>
@@ -3736,7 +3708,7 @@
       </p:sp>
       <p:sp>
         <p:nvSpPr>
-          <p:cNvPr id="144387" name="Rectangle 3"/>
+          <p:cNvPr id="150531" name="Rectangle 3"/>
           <p:cNvSpPr>
             <a:spLocks noGrp="1" noChangeArrowheads="1"/>
           </p:cNvSpPr>
@@ -3764,7 +3736,7 @@
     </p:spTree>
     <p:extLst>
       <p:ext uri="{BB962C8B-B14F-4D97-AF65-F5344CB8AC3E}">
-        <p14:creationId xmlns:p14="http://schemas.microsoft.com/office/powerpoint/2010/main" val="355628832"/>
+        <p14:creationId xmlns:p14="http://schemas.microsoft.com/office/powerpoint/2010/main" val="3360768663"/>
       </p:ext>
     </p:extLst>
   </p:cSld>
@@ -3815,7 +3787,7 @@
           <a:bodyPr/>
           <a:lstStyle/>
           <a:p>
-            <a:fld id="{89342C51-AAF8-4BD5-856C-251D290A23B0}" type="slidenum">
+            <a:fld id="{67B1D452-7476-4407-B1BB-BEFC81277577}" type="slidenum">
               <a:rPr lang="fr-FR" altLang="fr-FR"/>
               <a:pPr/>
               <a:t>55</a:t>
@@ -3826,7 +3798,7 @@
       </p:sp>
       <p:sp>
         <p:nvSpPr>
-          <p:cNvPr id="146434" name="Rectangle 2"/>
+          <p:cNvPr id="151554" name="Rectangle 2"/>
           <p:cNvSpPr>
             <a:spLocks noGrp="1" noRot="1" noChangeAspect="1" noChangeArrowheads="1" noTextEdit="1"/>
           </p:cNvSpPr>
@@ -3835,16 +3807,12 @@
           </p:nvPr>
         </p:nvSpPr>
         <p:spPr>
-          <a:xfrm>
-            <a:off x="592138" y="606425"/>
-            <a:ext cx="5619750" cy="4214813"/>
-          </a:xfrm>
           <a:ln/>
         </p:spPr>
       </p:sp>
       <p:sp>
         <p:nvSpPr>
-          <p:cNvPr id="146435" name="Rectangle 3"/>
+          <p:cNvPr id="151555" name="Rectangle 3"/>
           <p:cNvSpPr>
             <a:spLocks noGrp="1" noChangeArrowheads="1"/>
           </p:cNvSpPr>
@@ -3872,7 +3840,7 @@
     </p:spTree>
     <p:extLst>
       <p:ext uri="{BB962C8B-B14F-4D97-AF65-F5344CB8AC3E}">
-        <p14:creationId xmlns:p14="http://schemas.microsoft.com/office/powerpoint/2010/main" val="3155197805"/>
+        <p14:creationId xmlns:p14="http://schemas.microsoft.com/office/powerpoint/2010/main" val="3055555165"/>
       </p:ext>
     </p:extLst>
   </p:cSld>
@@ -3923,7 +3891,7 @@
           <a:bodyPr/>
           <a:lstStyle/>
           <a:p>
-            <a:fld id="{8202CB7C-DF68-4626-A7CA-76E77DB1AE67}" type="slidenum">
+            <a:fld id="{C4CFD940-16DA-4915-A754-11347F99AF34}" type="slidenum">
               <a:rPr lang="fr-FR" altLang="fr-FR"/>
               <a:pPr/>
               <a:t>56</a:t>
@@ -3934,7 +3902,7 @@
       </p:sp>
       <p:sp>
         <p:nvSpPr>
-          <p:cNvPr id="147458" name="Rectangle 2"/>
+          <p:cNvPr id="152578" name="Rectangle 2"/>
           <p:cNvSpPr>
             <a:spLocks noGrp="1" noRot="1" noChangeAspect="1" noChangeArrowheads="1" noTextEdit="1"/>
           </p:cNvSpPr>
@@ -3952,7 +3920,7 @@
       </p:sp>
       <p:sp>
         <p:nvSpPr>
-          <p:cNvPr id="147459" name="Rectangle 3"/>
+          <p:cNvPr id="152579" name="Rectangle 3"/>
           <p:cNvSpPr>
             <a:spLocks noGrp="1" noChangeArrowheads="1"/>
           </p:cNvSpPr>
@@ -3973,14 +3941,17 @@
           <a:bodyPr/>
           <a:lstStyle/>
           <a:p>
-            <a:endParaRPr lang="fr-FR" altLang="fr-FR"/>
+            <a:r>
+              <a:rPr lang="fr-FR" altLang="fr-FR"/>
+              <a:t>Swimlanes are often used when doing Business Process Re-engineering to show the flow of work between the people involved. Traditional diagrams such as Line of Visibility Models are basically flowcharts with swimlanes on them. </a:t>
+            </a:r>
           </a:p>
         </p:txBody>
       </p:sp>
     </p:spTree>
     <p:extLst>
       <p:ext uri="{BB962C8B-B14F-4D97-AF65-F5344CB8AC3E}">
-        <p14:creationId xmlns:p14="http://schemas.microsoft.com/office/powerpoint/2010/main" val="1684193198"/>
+        <p14:creationId xmlns:p14="http://schemas.microsoft.com/office/powerpoint/2010/main" val="4165632331"/>
       </p:ext>
     </p:extLst>
   </p:cSld>
@@ -4031,7 +4002,7 @@
           <a:bodyPr/>
           <a:lstStyle/>
           <a:p>
-            <a:fld id="{8996CB25-2CE8-4C8F-9391-D886477FF2CB}" type="slidenum">
+            <a:fld id="{E43DA57B-F7FD-4209-BA68-A254582FACDC}" type="slidenum">
               <a:rPr lang="fr-FR" altLang="fr-FR"/>
               <a:pPr/>
               <a:t>57</a:t>
@@ -4042,7 +4013,7 @@
       </p:sp>
       <p:sp>
         <p:nvSpPr>
-          <p:cNvPr id="148482" name="Rectangle 2"/>
+          <p:cNvPr id="153602" name="Rectangle 2"/>
           <p:cNvSpPr>
             <a:spLocks noGrp="1" noRot="1" noChangeAspect="1" noChangeArrowheads="1" noTextEdit="1"/>
           </p:cNvSpPr>
@@ -4051,16 +4022,12 @@
           </p:nvPr>
         </p:nvSpPr>
         <p:spPr>
-          <a:xfrm>
-            <a:off x="592138" y="606425"/>
-            <a:ext cx="5619750" cy="4214813"/>
-          </a:xfrm>
           <a:ln/>
         </p:spPr>
       </p:sp>
       <p:sp>
         <p:nvSpPr>
-          <p:cNvPr id="148483" name="Rectangle 3"/>
+          <p:cNvPr id="153603" name="Rectangle 3"/>
           <p:cNvSpPr>
             <a:spLocks noGrp="1" noChangeArrowheads="1"/>
           </p:cNvSpPr>
@@ -4081,437 +4048,17 @@
           <a:bodyPr/>
           <a:lstStyle/>
           <a:p>
-            <a:endParaRPr lang="fr-FR" altLang="fr-FR"/>
+            <a:r>
+              <a:rPr lang="fr-FR" altLang="fr-FR"/>
+              <a:t>Swimlanes can be horizontal or vertical and don’t need to be perfectly rectangular. </a:t>
+            </a:r>
           </a:p>
         </p:txBody>
       </p:sp>
     </p:spTree>
     <p:extLst>
       <p:ext uri="{BB962C8B-B14F-4D97-AF65-F5344CB8AC3E}">
-        <p14:creationId xmlns:p14="http://schemas.microsoft.com/office/powerpoint/2010/main" val="1523535141"/>
-      </p:ext>
-    </p:extLst>
-  </p:cSld>
-  <p:clrMapOvr>
-    <a:masterClrMapping/>
-  </p:clrMapOvr>
-</p:notes>
-</file>
-
-<file path=ppt/notesSlides/notesSlide36.xml><?xml version="1.0" encoding="utf-8"?>
-<p:notes xmlns:a="http://schemas.openxmlformats.org/drawingml/2006/main" xmlns:r="http://schemas.openxmlformats.org/officeDocument/2006/relationships" xmlns:p="http://schemas.openxmlformats.org/presentationml/2006/main">
-  <p:cSld>
-    <p:spTree>
-      <p:nvGrpSpPr>
-        <p:cNvPr id="1" name=""/>
-        <p:cNvGrpSpPr/>
-        <p:nvPr/>
-      </p:nvGrpSpPr>
-      <p:grpSpPr>
-        <a:xfrm>
-          <a:off x="0" y="0"/>
-          <a:ext cx="0" cy="0"/>
-          <a:chOff x="0" y="0"/>
-          <a:chExt cx="0" cy="0"/>
-        </a:xfrm>
-      </p:grpSpPr>
-      <p:sp>
-        <p:nvSpPr>
-          <p:cNvPr id="7" name="Rectangle 7"/>
-          <p:cNvSpPr>
-            <a:spLocks noGrp="1" noChangeArrowheads="1"/>
-          </p:cNvSpPr>
-          <p:nvPr>
-            <p:ph type="sldNum" sz="quarter" idx="5"/>
-          </p:nvPr>
-        </p:nvSpPr>
-        <p:spPr>
-          <a:xfrm>
-            <a:off x="3886200" y="8686800"/>
-            <a:ext cx="2971800" cy="457200"/>
-          </a:xfrm>
-          <a:prstGeom prst="rect">
-            <a:avLst/>
-          </a:prstGeom>
-          <a:ln/>
-        </p:spPr>
-        <p:txBody>
-          <a:bodyPr/>
-          <a:lstStyle/>
-          <a:p>
-            <a:fld id="{149A93A7-862B-4058-AE6D-162D367CC4C3}" type="slidenum">
-              <a:rPr lang="fr-FR" altLang="fr-FR"/>
-              <a:pPr/>
-              <a:t>58</a:t>
-            </a:fld>
-            <a:endParaRPr lang="fr-FR" altLang="fr-FR"/>
-          </a:p>
-        </p:txBody>
-      </p:sp>
-      <p:sp>
-        <p:nvSpPr>
-          <p:cNvPr id="149506" name="Rectangle 2"/>
-          <p:cNvSpPr>
-            <a:spLocks noGrp="1" noRot="1" noChangeAspect="1" noChangeArrowheads="1" noTextEdit="1"/>
-          </p:cNvSpPr>
-          <p:nvPr>
-            <p:ph type="sldImg"/>
-          </p:nvPr>
-        </p:nvSpPr>
-        <p:spPr>
-          <a:ln/>
-        </p:spPr>
-      </p:sp>
-      <p:sp>
-        <p:nvSpPr>
-          <p:cNvPr id="149507" name="Rectangle 3"/>
-          <p:cNvSpPr>
-            <a:spLocks noGrp="1" noChangeArrowheads="1"/>
-          </p:cNvSpPr>
-          <p:nvPr>
-            <p:ph type="body" idx="1"/>
-          </p:nvPr>
-        </p:nvSpPr>
-        <p:spPr>
-          <a:xfrm>
-            <a:off x="914400" y="4343400"/>
-            <a:ext cx="5029200" cy="4114800"/>
-          </a:xfrm>
-          <a:prstGeom prst="rect">
-            <a:avLst/>
-          </a:prstGeom>
-        </p:spPr>
-        <p:txBody>
-          <a:bodyPr/>
-          <a:lstStyle/>
-          <a:p>
-            <a:endParaRPr lang="fr-FR" altLang="fr-FR"/>
-          </a:p>
-        </p:txBody>
-      </p:sp>
-    </p:spTree>
-    <p:extLst>
-      <p:ext uri="{BB962C8B-B14F-4D97-AF65-F5344CB8AC3E}">
-        <p14:creationId xmlns:p14="http://schemas.microsoft.com/office/powerpoint/2010/main" val="2520115494"/>
-      </p:ext>
-    </p:extLst>
-  </p:cSld>
-  <p:clrMapOvr>
-    <a:masterClrMapping/>
-  </p:clrMapOvr>
-</p:notes>
-</file>
-
-<file path=ppt/notesSlides/notesSlide37.xml><?xml version="1.0" encoding="utf-8"?>
-<p:notes xmlns:a="http://schemas.openxmlformats.org/drawingml/2006/main" xmlns:r="http://schemas.openxmlformats.org/officeDocument/2006/relationships" xmlns:p="http://schemas.openxmlformats.org/presentationml/2006/main">
-  <p:cSld>
-    <p:spTree>
-      <p:nvGrpSpPr>
-        <p:cNvPr id="1" name=""/>
-        <p:cNvGrpSpPr/>
-        <p:nvPr/>
-      </p:nvGrpSpPr>
-      <p:grpSpPr>
-        <a:xfrm>
-          <a:off x="0" y="0"/>
-          <a:ext cx="0" cy="0"/>
-          <a:chOff x="0" y="0"/>
-          <a:chExt cx="0" cy="0"/>
-        </a:xfrm>
-      </p:grpSpPr>
-      <p:sp>
-        <p:nvSpPr>
-          <p:cNvPr id="7" name="Rectangle 7"/>
-          <p:cNvSpPr>
-            <a:spLocks noGrp="1" noChangeArrowheads="1"/>
-          </p:cNvSpPr>
-          <p:nvPr>
-            <p:ph type="sldNum" sz="quarter" idx="5"/>
-          </p:nvPr>
-        </p:nvSpPr>
-        <p:spPr>
-          <a:xfrm>
-            <a:off x="3886200" y="8686800"/>
-            <a:ext cx="2971800" cy="457200"/>
-          </a:xfrm>
-          <a:prstGeom prst="rect">
-            <a:avLst/>
-          </a:prstGeom>
-          <a:ln/>
-        </p:spPr>
-        <p:txBody>
-          <a:bodyPr/>
-          <a:lstStyle/>
-          <a:p>
-            <a:fld id="{B0F2725A-DA20-44FC-A9B1-0582645C2FC9}" type="slidenum">
-              <a:rPr lang="fr-FR" altLang="fr-FR"/>
-              <a:pPr/>
-              <a:t>59</a:t>
-            </a:fld>
-            <a:endParaRPr lang="fr-FR" altLang="fr-FR"/>
-          </a:p>
-        </p:txBody>
-      </p:sp>
-      <p:sp>
-        <p:nvSpPr>
-          <p:cNvPr id="150530" name="Rectangle 2"/>
-          <p:cNvSpPr>
-            <a:spLocks noGrp="1" noRot="1" noChangeAspect="1" noChangeArrowheads="1" noTextEdit="1"/>
-          </p:cNvSpPr>
-          <p:nvPr>
-            <p:ph type="sldImg"/>
-          </p:nvPr>
-        </p:nvSpPr>
-        <p:spPr>
-          <a:ln/>
-        </p:spPr>
-      </p:sp>
-      <p:sp>
-        <p:nvSpPr>
-          <p:cNvPr id="150531" name="Rectangle 3"/>
-          <p:cNvSpPr>
-            <a:spLocks noGrp="1" noChangeArrowheads="1"/>
-          </p:cNvSpPr>
-          <p:nvPr>
-            <p:ph type="body" idx="1"/>
-          </p:nvPr>
-        </p:nvSpPr>
-        <p:spPr>
-          <a:xfrm>
-            <a:off x="914400" y="4343400"/>
-            <a:ext cx="5029200" cy="4114800"/>
-          </a:xfrm>
-          <a:prstGeom prst="rect">
-            <a:avLst/>
-          </a:prstGeom>
-        </p:spPr>
-        <p:txBody>
-          <a:bodyPr/>
-          <a:lstStyle/>
-          <a:p>
-            <a:endParaRPr lang="fr-FR" altLang="fr-FR"/>
-          </a:p>
-        </p:txBody>
-      </p:sp>
-    </p:spTree>
-    <p:extLst>
-      <p:ext uri="{BB962C8B-B14F-4D97-AF65-F5344CB8AC3E}">
-        <p14:creationId xmlns:p14="http://schemas.microsoft.com/office/powerpoint/2010/main" val="3360768663"/>
-      </p:ext>
-    </p:extLst>
-  </p:cSld>
-  <p:clrMapOvr>
-    <a:masterClrMapping/>
-  </p:clrMapOvr>
-</p:notes>
-</file>
-
-<file path=ppt/notesSlides/notesSlide38.xml><?xml version="1.0" encoding="utf-8"?>
-<p:notes xmlns:a="http://schemas.openxmlformats.org/drawingml/2006/main" xmlns:r="http://schemas.openxmlformats.org/officeDocument/2006/relationships" xmlns:p="http://schemas.openxmlformats.org/presentationml/2006/main">
-  <p:cSld>
-    <p:spTree>
-      <p:nvGrpSpPr>
-        <p:cNvPr id="1" name=""/>
-        <p:cNvGrpSpPr/>
-        <p:nvPr/>
-      </p:nvGrpSpPr>
-      <p:grpSpPr>
-        <a:xfrm>
-          <a:off x="0" y="0"/>
-          <a:ext cx="0" cy="0"/>
-          <a:chOff x="0" y="0"/>
-          <a:chExt cx="0" cy="0"/>
-        </a:xfrm>
-      </p:grpSpPr>
-      <p:sp>
-        <p:nvSpPr>
-          <p:cNvPr id="7" name="Rectangle 7"/>
-          <p:cNvSpPr>
-            <a:spLocks noGrp="1" noChangeArrowheads="1"/>
-          </p:cNvSpPr>
-          <p:nvPr>
-            <p:ph type="sldNum" sz="quarter" idx="5"/>
-          </p:nvPr>
-        </p:nvSpPr>
-        <p:spPr>
-          <a:xfrm>
-            <a:off x="3886200" y="8686800"/>
-            <a:ext cx="2971800" cy="457200"/>
-          </a:xfrm>
-          <a:prstGeom prst="rect">
-            <a:avLst/>
-          </a:prstGeom>
-          <a:ln/>
-        </p:spPr>
-        <p:txBody>
-          <a:bodyPr/>
-          <a:lstStyle/>
-          <a:p>
-            <a:fld id="{67B1D452-7476-4407-B1BB-BEFC81277577}" type="slidenum">
-              <a:rPr lang="fr-FR" altLang="fr-FR"/>
-              <a:pPr/>
-              <a:t>60</a:t>
-            </a:fld>
-            <a:endParaRPr lang="fr-FR" altLang="fr-FR"/>
-          </a:p>
-        </p:txBody>
-      </p:sp>
-      <p:sp>
-        <p:nvSpPr>
-          <p:cNvPr id="151554" name="Rectangle 2"/>
-          <p:cNvSpPr>
-            <a:spLocks noGrp="1" noRot="1" noChangeAspect="1" noChangeArrowheads="1" noTextEdit="1"/>
-          </p:cNvSpPr>
-          <p:nvPr>
-            <p:ph type="sldImg"/>
-          </p:nvPr>
-        </p:nvSpPr>
-        <p:spPr>
-          <a:ln/>
-        </p:spPr>
-      </p:sp>
-      <p:sp>
-        <p:nvSpPr>
-          <p:cNvPr id="151555" name="Rectangle 3"/>
-          <p:cNvSpPr>
-            <a:spLocks noGrp="1" noChangeArrowheads="1"/>
-          </p:cNvSpPr>
-          <p:nvPr>
-            <p:ph type="body" idx="1"/>
-          </p:nvPr>
-        </p:nvSpPr>
-        <p:spPr>
-          <a:xfrm>
-            <a:off x="914400" y="4343400"/>
-            <a:ext cx="5029200" cy="4114800"/>
-          </a:xfrm>
-          <a:prstGeom prst="rect">
-            <a:avLst/>
-          </a:prstGeom>
-        </p:spPr>
-        <p:txBody>
-          <a:bodyPr/>
-          <a:lstStyle/>
-          <a:p>
-            <a:endParaRPr lang="fr-FR" altLang="fr-FR"/>
-          </a:p>
-        </p:txBody>
-      </p:sp>
-    </p:spTree>
-    <p:extLst>
-      <p:ext uri="{BB962C8B-B14F-4D97-AF65-F5344CB8AC3E}">
-        <p14:creationId xmlns:p14="http://schemas.microsoft.com/office/powerpoint/2010/main" val="3055555165"/>
-      </p:ext>
-    </p:extLst>
-  </p:cSld>
-  <p:clrMapOvr>
-    <a:masterClrMapping/>
-  </p:clrMapOvr>
-</p:notes>
-</file>
-
-<file path=ppt/notesSlides/notesSlide39.xml><?xml version="1.0" encoding="utf-8"?>
-<p:notes xmlns:a="http://schemas.openxmlformats.org/drawingml/2006/main" xmlns:r="http://schemas.openxmlformats.org/officeDocument/2006/relationships" xmlns:p="http://schemas.openxmlformats.org/presentationml/2006/main">
-  <p:cSld>
-    <p:spTree>
-      <p:nvGrpSpPr>
-        <p:cNvPr id="1" name=""/>
-        <p:cNvGrpSpPr/>
-        <p:nvPr/>
-      </p:nvGrpSpPr>
-      <p:grpSpPr>
-        <a:xfrm>
-          <a:off x="0" y="0"/>
-          <a:ext cx="0" cy="0"/>
-          <a:chOff x="0" y="0"/>
-          <a:chExt cx="0" cy="0"/>
-        </a:xfrm>
-      </p:grpSpPr>
-      <p:sp>
-        <p:nvSpPr>
-          <p:cNvPr id="7" name="Rectangle 7"/>
-          <p:cNvSpPr>
-            <a:spLocks noGrp="1" noChangeArrowheads="1"/>
-          </p:cNvSpPr>
-          <p:nvPr>
-            <p:ph type="sldNum" sz="quarter" idx="5"/>
-          </p:nvPr>
-        </p:nvSpPr>
-        <p:spPr>
-          <a:xfrm>
-            <a:off x="3886200" y="8686800"/>
-            <a:ext cx="2971800" cy="457200"/>
-          </a:xfrm>
-          <a:prstGeom prst="rect">
-            <a:avLst/>
-          </a:prstGeom>
-          <a:ln/>
-        </p:spPr>
-        <p:txBody>
-          <a:bodyPr/>
-          <a:lstStyle/>
-          <a:p>
-            <a:fld id="{C4CFD940-16DA-4915-A754-11347F99AF34}" type="slidenum">
-              <a:rPr lang="fr-FR" altLang="fr-FR"/>
-              <a:pPr/>
-              <a:t>61</a:t>
-            </a:fld>
-            <a:endParaRPr lang="fr-FR" altLang="fr-FR"/>
-          </a:p>
-        </p:txBody>
-      </p:sp>
-      <p:sp>
-        <p:nvSpPr>
-          <p:cNvPr id="152578" name="Rectangle 2"/>
-          <p:cNvSpPr>
-            <a:spLocks noGrp="1" noRot="1" noChangeAspect="1" noChangeArrowheads="1" noTextEdit="1"/>
-          </p:cNvSpPr>
-          <p:nvPr>
-            <p:ph type="sldImg"/>
-          </p:nvPr>
-        </p:nvSpPr>
-        <p:spPr>
-          <a:xfrm>
-            <a:off x="877888" y="733425"/>
-            <a:ext cx="4892675" cy="3670300"/>
-          </a:xfrm>
-          <a:ln/>
-        </p:spPr>
-      </p:sp>
-      <p:sp>
-        <p:nvSpPr>
-          <p:cNvPr id="152579" name="Rectangle 3"/>
-          <p:cNvSpPr>
-            <a:spLocks noGrp="1" noChangeArrowheads="1"/>
-          </p:cNvSpPr>
-          <p:nvPr>
-            <p:ph type="body" idx="1"/>
-          </p:nvPr>
-        </p:nvSpPr>
-        <p:spPr>
-          <a:xfrm>
-            <a:off x="914400" y="4343400"/>
-            <a:ext cx="5029200" cy="4114800"/>
-          </a:xfrm>
-          <a:prstGeom prst="rect">
-            <a:avLst/>
-          </a:prstGeom>
-        </p:spPr>
-        <p:txBody>
-          <a:bodyPr/>
-          <a:lstStyle/>
-          <a:p>
-            <a:r>
-              <a:rPr lang="fr-FR" altLang="fr-FR"/>
-              <a:t>Swimlanes are often used when doing Business Process Re-engineering to show the flow of work between the people involved. Traditional diagrams such as Line of Visibility Models are basically flowcharts with swimlanes on them. </a:t>
-            </a:r>
-          </a:p>
-        </p:txBody>
-      </p:sp>
-    </p:spTree>
-    <p:extLst>
-      <p:ext uri="{BB962C8B-B14F-4D97-AF65-F5344CB8AC3E}">
-        <p14:creationId xmlns:p14="http://schemas.microsoft.com/office/powerpoint/2010/main" val="4165632331"/>
+        <p14:creationId xmlns:p14="http://schemas.microsoft.com/office/powerpoint/2010/main" val="1901147860"/>
       </p:ext>
     </p:extLst>
   </p:cSld>
@@ -4616,113 +4163,6 @@
     <p:extLst>
       <p:ext uri="{BB962C8B-B14F-4D97-AF65-F5344CB8AC3E}">
         <p14:creationId xmlns:p14="http://schemas.microsoft.com/office/powerpoint/2010/main" val="1884360522"/>
-      </p:ext>
-    </p:extLst>
-  </p:cSld>
-  <p:clrMapOvr>
-    <a:masterClrMapping/>
-  </p:clrMapOvr>
-</p:notes>
-</file>
-
-<file path=ppt/notesSlides/notesSlide40.xml><?xml version="1.0" encoding="utf-8"?>
-<p:notes xmlns:a="http://schemas.openxmlformats.org/drawingml/2006/main" xmlns:r="http://schemas.openxmlformats.org/officeDocument/2006/relationships" xmlns:p="http://schemas.openxmlformats.org/presentationml/2006/main">
-  <p:cSld>
-    <p:spTree>
-      <p:nvGrpSpPr>
-        <p:cNvPr id="1" name=""/>
-        <p:cNvGrpSpPr/>
-        <p:nvPr/>
-      </p:nvGrpSpPr>
-      <p:grpSpPr>
-        <a:xfrm>
-          <a:off x="0" y="0"/>
-          <a:ext cx="0" cy="0"/>
-          <a:chOff x="0" y="0"/>
-          <a:chExt cx="0" cy="0"/>
-        </a:xfrm>
-      </p:grpSpPr>
-      <p:sp>
-        <p:nvSpPr>
-          <p:cNvPr id="7" name="Rectangle 7"/>
-          <p:cNvSpPr>
-            <a:spLocks noGrp="1" noChangeArrowheads="1"/>
-          </p:cNvSpPr>
-          <p:nvPr>
-            <p:ph type="sldNum" sz="quarter" idx="5"/>
-          </p:nvPr>
-        </p:nvSpPr>
-        <p:spPr>
-          <a:xfrm>
-            <a:off x="3886200" y="8686800"/>
-            <a:ext cx="2971800" cy="457200"/>
-          </a:xfrm>
-          <a:prstGeom prst="rect">
-            <a:avLst/>
-          </a:prstGeom>
-          <a:ln/>
-        </p:spPr>
-        <p:txBody>
-          <a:bodyPr/>
-          <a:lstStyle/>
-          <a:p>
-            <a:fld id="{E43DA57B-F7FD-4209-BA68-A254582FACDC}" type="slidenum">
-              <a:rPr lang="fr-FR" altLang="fr-FR"/>
-              <a:pPr/>
-              <a:t>62</a:t>
-            </a:fld>
-            <a:endParaRPr lang="fr-FR" altLang="fr-FR"/>
-          </a:p>
-        </p:txBody>
-      </p:sp>
-      <p:sp>
-        <p:nvSpPr>
-          <p:cNvPr id="153602" name="Rectangle 2"/>
-          <p:cNvSpPr>
-            <a:spLocks noGrp="1" noRot="1" noChangeAspect="1" noChangeArrowheads="1" noTextEdit="1"/>
-          </p:cNvSpPr>
-          <p:nvPr>
-            <p:ph type="sldImg"/>
-          </p:nvPr>
-        </p:nvSpPr>
-        <p:spPr>
-          <a:ln/>
-        </p:spPr>
-      </p:sp>
-      <p:sp>
-        <p:nvSpPr>
-          <p:cNvPr id="153603" name="Rectangle 3"/>
-          <p:cNvSpPr>
-            <a:spLocks noGrp="1" noChangeArrowheads="1"/>
-          </p:cNvSpPr>
-          <p:nvPr>
-            <p:ph type="body" idx="1"/>
-          </p:nvPr>
-        </p:nvSpPr>
-        <p:spPr>
-          <a:xfrm>
-            <a:off x="914400" y="4343400"/>
-            <a:ext cx="5029200" cy="4114800"/>
-          </a:xfrm>
-          <a:prstGeom prst="rect">
-            <a:avLst/>
-          </a:prstGeom>
-        </p:spPr>
-        <p:txBody>
-          <a:bodyPr/>
-          <a:lstStyle/>
-          <a:p>
-            <a:r>
-              <a:rPr lang="fr-FR" altLang="fr-FR"/>
-              <a:t>Swimlanes can be horizontal or vertical and don’t need to be perfectly rectangular. </a:t>
-            </a:r>
-          </a:p>
-        </p:txBody>
-      </p:sp>
-    </p:spTree>
-    <p:extLst>
-      <p:ext uri="{BB962C8B-B14F-4D97-AF65-F5344CB8AC3E}">
-        <p14:creationId xmlns:p14="http://schemas.microsoft.com/office/powerpoint/2010/main" val="1901147860"/>
       </p:ext>
     </p:extLst>
   </p:cSld>
@@ -4883,7 +4323,7 @@
           <a:bodyPr/>
           <a:lstStyle/>
           <a:p>
-            <a:fld id="{C8E9C4CA-3F35-4E7C-8BA6-771A6474A716}" type="slidenum">
+            <a:fld id="{4906CA89-7726-4E5E-AA9D-75F442097AEF}" type="slidenum">
               <a:rPr lang="fr-FR" altLang="fr-FR"/>
               <a:pPr/>
               <a:t>26</a:t>
@@ -4894,7 +4334,7 @@
       </p:sp>
       <p:sp>
         <p:nvSpPr>
-          <p:cNvPr id="117762" name="Rectangle 2"/>
+          <p:cNvPr id="121858" name="Rectangle 2"/>
           <p:cNvSpPr>
             <a:spLocks noGrp="1" noRot="1" noChangeAspect="1" noChangeArrowheads="1" noTextEdit="1"/>
           </p:cNvSpPr>
@@ -4908,7 +4348,7 @@
       </p:sp>
       <p:sp>
         <p:nvSpPr>
-          <p:cNvPr id="117763" name="Rectangle 3"/>
+          <p:cNvPr id="121859" name="Rectangle 3"/>
           <p:cNvSpPr>
             <a:spLocks noGrp="1" noChangeArrowheads="1"/>
           </p:cNvSpPr>
@@ -4936,7 +4376,7 @@
     </p:spTree>
     <p:extLst>
       <p:ext uri="{BB962C8B-B14F-4D97-AF65-F5344CB8AC3E}">
-        <p14:creationId xmlns:p14="http://schemas.microsoft.com/office/powerpoint/2010/main" val="2481120470"/>
+        <p14:creationId xmlns:p14="http://schemas.microsoft.com/office/powerpoint/2010/main" val="1425614361"/>
       </p:ext>
     </p:extLst>
   </p:cSld>
@@ -4987,7 +4427,7 @@
           <a:bodyPr/>
           <a:lstStyle/>
           <a:p>
-            <a:fld id="{D5D3B7D5-D0BC-4FEB-BD99-410EA08AD7B7}" type="slidenum">
+            <a:fld id="{36DAAF69-5F5F-4477-9F01-5E4063237C6A}" type="slidenum">
               <a:rPr lang="fr-FR" altLang="fr-FR"/>
               <a:pPr/>
               <a:t>27</a:t>
@@ -4998,7 +4438,7 @@
       </p:sp>
       <p:sp>
         <p:nvSpPr>
-          <p:cNvPr id="118786" name="Rectangle 2"/>
+          <p:cNvPr id="122882" name="Rectangle 2"/>
           <p:cNvSpPr>
             <a:spLocks noGrp="1" noRot="1" noChangeAspect="1" noChangeArrowheads="1" noTextEdit="1"/>
           </p:cNvSpPr>
@@ -5008,15 +4448,15 @@
         </p:nvSpPr>
         <p:spPr>
           <a:xfrm>
-            <a:off x="592138" y="606425"/>
-            <a:ext cx="5619750" cy="4214813"/>
+            <a:off x="877888" y="733425"/>
+            <a:ext cx="4892675" cy="3670300"/>
           </a:xfrm>
           <a:ln/>
         </p:spPr>
       </p:sp>
       <p:sp>
         <p:nvSpPr>
-          <p:cNvPr id="118787" name="Rectangle 3"/>
+          <p:cNvPr id="122883" name="Rectangle 3"/>
           <p:cNvSpPr>
             <a:spLocks noGrp="1" noChangeArrowheads="1"/>
           </p:cNvSpPr>
@@ -5037,6 +4477,24 @@
           <a:bodyPr/>
           <a:lstStyle/>
           <a:p>
+            <a:r>
+              <a:rPr lang="fr-FR" altLang="fr-FR"/>
+              <a:t>If you can name all nine diagrams at this point without taking a breath it can impress the attendees.</a:t>
+            </a:r>
+          </a:p>
+          <a:p>
+            <a:r>
+              <a:rPr lang="fr-FR" altLang="fr-FR"/>
+              <a:t> </a:t>
+            </a:r>
+          </a:p>
+          <a:p>
+            <a:r>
+              <a:rPr lang="fr-FR" altLang="fr-FR"/>
+              <a:t>Explain that the majority of the diagrams are drawn using Together, which gives the most faithful representation of UML 1.3 of the three tools we have. I believe that what the tool supports is more relevant to most people than what the standard says. By all means point out discrepancies where you see them, but as points of interest rather than deficiencies in either the tool or the standard.</a:t>
+            </a:r>
+          </a:p>
+          <a:p>
             <a:endParaRPr lang="fr-FR" altLang="fr-FR"/>
           </a:p>
         </p:txBody>
@@ -5044,7 +4502,7 @@
     </p:spTree>
     <p:extLst>
       <p:ext uri="{BB962C8B-B14F-4D97-AF65-F5344CB8AC3E}">
-        <p14:creationId xmlns:p14="http://schemas.microsoft.com/office/powerpoint/2010/main" val="1189078172"/>
+        <p14:creationId xmlns:p14="http://schemas.microsoft.com/office/powerpoint/2010/main" val="476993109"/>
       </p:ext>
     </p:extLst>
   </p:cSld>
@@ -5073,7 +4531,7 @@
       </p:grpSpPr>
       <p:sp>
         <p:nvSpPr>
-          <p:cNvPr id="7" name="Rectangle 7"/>
+          <p:cNvPr id="7" name="Rectangle 1031"/>
           <p:cNvSpPr>
             <a:spLocks noGrp="1" noChangeArrowheads="1"/>
           </p:cNvSpPr>
@@ -5083,8 +4541,8 @@
         </p:nvSpPr>
         <p:spPr>
           <a:xfrm>
-            <a:off x="3851275" y="9377363"/>
-            <a:ext cx="2944813" cy="493712"/>
+            <a:off x="3886200" y="8686800"/>
+            <a:ext cx="2971800" cy="457200"/>
           </a:xfrm>
           <a:prstGeom prst="rect">
             <a:avLst/>
@@ -5095,7 +4553,7 @@
           <a:bodyPr/>
           <a:lstStyle/>
           <a:p>
-            <a:fld id="{B3F17E01-F04D-47CA-9F86-BD9577AB4386}" type="slidenum">
+            <a:fld id="{B20BFD64-DB62-45AC-AF16-EFC8A6882F48}" type="slidenum">
               <a:rPr lang="fr-FR" altLang="fr-FR"/>
               <a:pPr/>
               <a:t>28</a:t>
@@ -5106,7 +4564,7 @@
       </p:sp>
       <p:sp>
         <p:nvSpPr>
-          <p:cNvPr id="119810" name="Rectangle 2"/>
+          <p:cNvPr id="98306" name="Rectangle 2"/>
           <p:cNvSpPr>
             <a:spLocks noGrp="1" noRot="1" noChangeAspect="1" noChangeArrowheads="1" noTextEdit="1"/>
           </p:cNvSpPr>
@@ -5115,16 +4573,12 @@
           </p:nvPr>
         </p:nvSpPr>
         <p:spPr>
-          <a:xfrm>
-            <a:off x="592138" y="606425"/>
-            <a:ext cx="5619750" cy="4214813"/>
-          </a:xfrm>
           <a:ln/>
         </p:spPr>
       </p:sp>
       <p:sp>
         <p:nvSpPr>
-          <p:cNvPr id="119811" name="Rectangle 3"/>
+          <p:cNvPr id="98307" name="Rectangle 3"/>
           <p:cNvSpPr>
             <a:spLocks noGrp="1" noChangeArrowheads="1"/>
           </p:cNvSpPr>
@@ -5134,8 +4588,8 @@
         </p:nvSpPr>
         <p:spPr>
           <a:xfrm>
-            <a:off x="906463" y="4689475"/>
-            <a:ext cx="4983162" cy="4441825"/>
+            <a:off x="914400" y="4343400"/>
+            <a:ext cx="5029200" cy="4114800"/>
           </a:xfrm>
           <a:prstGeom prst="rect">
             <a:avLst/>
@@ -5152,7 +4606,7 @@
     </p:spTree>
     <p:extLst>
       <p:ext uri="{BB962C8B-B14F-4D97-AF65-F5344CB8AC3E}">
-        <p14:creationId xmlns:p14="http://schemas.microsoft.com/office/powerpoint/2010/main" val="461363918"/>
+        <p14:creationId xmlns:p14="http://schemas.microsoft.com/office/powerpoint/2010/main" val="4188909076"/>
       </p:ext>
     </p:extLst>
   </p:cSld>
@@ -5181,7 +4635,7 @@
       </p:grpSpPr>
       <p:sp>
         <p:nvSpPr>
-          <p:cNvPr id="7" name="Rectangle 7"/>
+          <p:cNvPr id="7" name="Rectangle 1031"/>
           <p:cNvSpPr>
             <a:spLocks noGrp="1" noChangeArrowheads="1"/>
           </p:cNvSpPr>
@@ -5191,8 +4645,8 @@
         </p:nvSpPr>
         <p:spPr>
           <a:xfrm>
-            <a:off x="3851275" y="9377363"/>
-            <a:ext cx="2944813" cy="493712"/>
+            <a:off x="3886200" y="8686800"/>
+            <a:ext cx="2971800" cy="457200"/>
           </a:xfrm>
           <a:prstGeom prst="rect">
             <a:avLst/>
@@ -5203,7 +4657,7 @@
           <a:bodyPr/>
           <a:lstStyle/>
           <a:p>
-            <a:fld id="{4906CA89-7726-4E5E-AA9D-75F442097AEF}" type="slidenum">
+            <a:fld id="{60B7BF8C-6895-4AB3-BF48-AE8A89AAC4D8}" type="slidenum">
               <a:rPr lang="fr-FR" altLang="fr-FR"/>
               <a:pPr/>
               <a:t>29</a:t>
@@ -5214,7 +4668,7 @@
       </p:sp>
       <p:sp>
         <p:nvSpPr>
-          <p:cNvPr id="121858" name="Rectangle 2"/>
+          <p:cNvPr id="100354" name="Rectangle 2"/>
           <p:cNvSpPr>
             <a:spLocks noGrp="1" noRot="1" noChangeAspect="1" noChangeArrowheads="1" noTextEdit="1"/>
           </p:cNvSpPr>
@@ -5223,12 +4677,16 @@
           </p:nvPr>
         </p:nvSpPr>
         <p:spPr>
+          <a:xfrm>
+            <a:off x="592138" y="606425"/>
+            <a:ext cx="5619750" cy="4214813"/>
+          </a:xfrm>
           <a:ln/>
         </p:spPr>
       </p:sp>
       <p:sp>
         <p:nvSpPr>
-          <p:cNvPr id="121859" name="Rectangle 3"/>
+          <p:cNvPr id="100355" name="Rectangle 3"/>
           <p:cNvSpPr>
             <a:spLocks noGrp="1" noChangeArrowheads="1"/>
           </p:cNvSpPr>
@@ -5238,8 +4696,8 @@
         </p:nvSpPr>
         <p:spPr>
           <a:xfrm>
-            <a:off x="906463" y="4689475"/>
-            <a:ext cx="4983162" cy="4441825"/>
+            <a:off x="914400" y="4343400"/>
+            <a:ext cx="5029200" cy="4114800"/>
           </a:xfrm>
           <a:prstGeom prst="rect">
             <a:avLst/>
@@ -5256,7 +4714,7 @@
     </p:spTree>
     <p:extLst>
       <p:ext uri="{BB962C8B-B14F-4D97-AF65-F5344CB8AC3E}">
-        <p14:creationId xmlns:p14="http://schemas.microsoft.com/office/powerpoint/2010/main" val="1425614361"/>
+        <p14:creationId xmlns:p14="http://schemas.microsoft.com/office/powerpoint/2010/main" val="273507414"/>
       </p:ext>
     </p:extLst>
   </p:cSld>
@@ -8154,60 +7612,21 @@
               <a:buNone/>
             </a:pPr>
             <a:r>
-              <a:rPr lang="fr-FR" altLang="fr-FR" sz="2800" b="1" u="sng">
+              <a:rPr lang="fr-FR" altLang="fr-FR" sz="2800" b="1" u="sng" dirty="0">
                 <a:latin typeface="Arial" panose="020B0604020202020204" pitchFamily="34" charset="0"/>
               </a:rPr>
-              <a:t>Classe d’associations</a:t>
-            </a:r>
-            <a:r>
-              <a:rPr lang="fr-FR" altLang="fr-FR" sz="2800" b="1">
-                <a:latin typeface="Arial" panose="020B0604020202020204" pitchFamily="34" charset="0"/>
-              </a:rPr>
-              <a:t> (ou association-type) : </a:t>
-            </a:r>
-            <a:r>
-              <a:rPr lang="fr-FR" altLang="fr-FR" sz="2800">
-                <a:latin typeface="Arial" panose="020B0604020202020204" pitchFamily="34" charset="0"/>
-              </a:rPr>
-              <a:t>regroupe toutes les associations constituées des mêmes types d’entités jouant le même rôle dans l’association.</a:t>
-            </a:r>
+              <a:t>Exemple</a:t>
+            </a:r>
+            <a:endParaRPr lang="fr-FR" altLang="fr-FR" sz="2400" dirty="0">
+              <a:latin typeface="Arial" panose="020B0604020202020204" pitchFamily="34" charset="0"/>
+            </a:endParaRPr>
           </a:p>
           <a:p>
             <a:pPr algn="just">
               <a:buFontTx/>
               <a:buNone/>
             </a:pPr>
-            <a:r>
-              <a:rPr lang="fr-FR" altLang="fr-FR" sz="2800">
-                <a:latin typeface="Arial" panose="020B0604020202020204" pitchFamily="34" charset="0"/>
-              </a:rPr>
-              <a:t>   Ex: PROPRIETAIRE(PERSONNE, VOITURE)</a:t>
-            </a:r>
-          </a:p>
-          <a:p>
-            <a:pPr algn="just">
-              <a:buFontTx/>
-              <a:buNone/>
-            </a:pPr>
-            <a:r>
-              <a:rPr lang="fr-FR" altLang="fr-FR" sz="2800">
-                <a:latin typeface="Arial" panose="020B0604020202020204" pitchFamily="34" charset="0"/>
-              </a:rPr>
-              <a:t>   </a:t>
-            </a:r>
-            <a:r>
-              <a:rPr lang="fr-FR" altLang="fr-FR" sz="2400">
-                <a:latin typeface="Arial" panose="020B0604020202020204" pitchFamily="34" charset="0"/>
-              </a:rPr>
-              <a:t>Les occurrences de cette classe d’association sont un sous ensemble du produit cartésien PERSONNE x VOITURE (c.à.d. une partie de l’ensemble des couples possibles de personnes et de voitures).</a:t>
-            </a:r>
-          </a:p>
-          <a:p>
-            <a:pPr algn="just">
-              <a:buFontTx/>
-              <a:buNone/>
-            </a:pPr>
-            <a:endParaRPr lang="fr-FR" altLang="fr-FR" sz="2400" b="1">
+            <a:endParaRPr lang="fr-FR" altLang="fr-FR" sz="2400" b="1" dirty="0">
               <a:latin typeface="Arial" panose="020B0604020202020204" pitchFamily="34" charset="0"/>
             </a:endParaRPr>
           </a:p>
@@ -8229,7 +7648,7 @@
         </p:nvGrpSpPr>
         <p:grpSpPr bwMode="auto">
           <a:xfrm>
-            <a:off x="1122363" y="4502150"/>
+            <a:off x="1177925" y="2348880"/>
             <a:ext cx="6788150" cy="1465263"/>
             <a:chOff x="667" y="2767"/>
             <a:chExt cx="4276" cy="923"/>
@@ -8565,7 +7984,7 @@
             <a:lstStyle/>
             <a:p>
               <a:r>
-                <a:rPr lang="fr-FR" altLang="fr-FR" sz="2000">
+                <a:rPr lang="fr-FR" altLang="fr-FR" sz="2000" dirty="0">
                   <a:latin typeface="Arial" panose="020B0604020202020204" pitchFamily="34" charset="0"/>
                 </a:rPr>
                 <a:t>PERSONNE</a:t>
@@ -13973,7 +13392,7 @@
       </p:grpSpPr>
       <p:sp>
         <p:nvSpPr>
-          <p:cNvPr id="26626" name="Rectangle 2"/>
+          <p:cNvPr id="39938" name="Rectangle 2"/>
           <p:cNvSpPr>
             <a:spLocks noGrp="1" noChangeArrowheads="1"/>
           </p:cNvSpPr>
@@ -13988,14 +13407,14 @@
           <a:p>
             <a:r>
               <a:rPr lang="fr-FR" altLang="fr-FR"/>
-              <a:t>Un langage de spécification</a:t>
-            </a:r>
-          </a:p>
-        </p:txBody>
-      </p:sp>
-      <p:sp>
-        <p:nvSpPr>
-          <p:cNvPr id="26627" name="Rectangle 3"/>
+              <a:t>Entités, relations et diagrammes</a:t>
+            </a:r>
+          </a:p>
+        </p:txBody>
+      </p:sp>
+      <p:sp>
+        <p:nvSpPr>
+          <p:cNvPr id="39939" name="Rectangle 3"/>
           <p:cNvSpPr>
             <a:spLocks noGrp="1" noChangeArrowheads="1"/>
           </p:cNvSpPr>
@@ -14006,7 +13425,7 @@
         <p:spPr>
           <a:xfrm>
             <a:off x="279400" y="1312863"/>
-            <a:ext cx="8599488" cy="3717925"/>
+            <a:ext cx="8599488" cy="3194050"/>
           </a:xfrm>
         </p:spPr>
         <p:txBody>
@@ -14015,65 +13434,72 @@
           <a:p>
             <a:r>
               <a:rPr lang="fr-FR" altLang="fr-FR"/>
-              <a:t>UML est plus qu’une notation graphique</a:t>
+              <a:t>Les entités, les relations et les diagrammes sont les blocs de construction d’UML</a:t>
+            </a:r>
+          </a:p>
+          <a:p>
+            <a:r>
+              <a:rPr lang="fr-FR" altLang="fr-FR"/>
+              <a:t>Les </a:t>
+            </a:r>
+            <a:r>
+              <a:rPr lang="fr-FR" altLang="fr-FR" i="1">
+                <a:latin typeface="Century Schoolbook" pitchFamily="18" charset="0"/>
+              </a:rPr>
+              <a:t>entités</a:t>
+            </a:r>
+            <a:r>
+              <a:rPr lang="fr-FR" altLang="fr-FR"/>
+              <a:t> sont les “VIP” d’UML</a:t>
             </a:r>
           </a:p>
           <a:p>
             <a:pPr lvl="1"/>
             <a:r>
               <a:rPr lang="fr-FR" altLang="fr-FR"/>
-              <a:t>Les éléments textuels apportent une rigueur là où les graphiques sont insuffisants</a:t>
+              <a:t>Représentent les abstractions primaires modélisées</a:t>
             </a:r>
           </a:p>
           <a:p>
             <a:pPr lvl="1"/>
             <a:r>
               <a:rPr lang="fr-FR" altLang="fr-FR"/>
-              <a:t>Les éléments graphiques et textuels sont suffisamment bien spécifiés pour produire des modèles précis, non ambigus et complets</a:t>
-            </a:r>
-          </a:p>
-          <a:p>
+              <a:t>Il en existe de nombreuses variétés, comme les</a:t>
+            </a:r>
+          </a:p>
+          <a:p>
+            <a:pPr lvl="2"/>
             <a:r>
               <a:rPr lang="fr-FR" altLang="fr-FR"/>
-              <a:t>UML est suffisamment large et profond pour recueillir la plupart des décisions importantes prises au cours du développement de systèmes à dominante logicielle</a:t>
+              <a:t>Classes</a:t>
+            </a:r>
+          </a:p>
+          <a:p>
+            <a:pPr lvl="2"/>
+            <a:r>
+              <a:rPr lang="fr-FR" altLang="fr-FR"/>
+              <a:t>Objets</a:t>
+            </a:r>
+          </a:p>
+          <a:p>
+            <a:pPr lvl="2"/>
+            <a:r>
+              <a:rPr lang="fr-FR" altLang="fr-FR"/>
+              <a:t>Cas d’utilisation</a:t>
+            </a:r>
+          </a:p>
+          <a:p>
+            <a:pPr lvl="2"/>
+            <a:r>
+              <a:rPr lang="fr-FR" altLang="fr-FR"/>
+              <a:t>États</a:t>
             </a:r>
           </a:p>
           <a:p>
             <a:pPr lvl="1"/>
             <a:r>
               <a:rPr lang="fr-FR" altLang="fr-FR"/>
-              <a:t>Les besoins</a:t>
-            </a:r>
-          </a:p>
-          <a:p>
-            <a:pPr lvl="1"/>
-            <a:r>
-              <a:rPr lang="fr-FR" altLang="fr-FR"/>
-              <a:t>Les structures statique et dynamique du logiciel</a:t>
-            </a:r>
-          </a:p>
-          <a:p>
-            <a:pPr lvl="1"/>
-            <a:r>
-              <a:rPr lang="fr-FR" altLang="fr-FR"/>
-              <a:t>Les cas de test</a:t>
-            </a:r>
-          </a:p>
-          <a:p>
-            <a:pPr lvl="1"/>
-            <a:r>
-              <a:rPr lang="fr-FR" altLang="fr-FR"/>
-              <a:t>Les processus (</a:t>
-            </a:r>
-            <a:r>
-              <a:rPr lang="fr-FR" altLang="fr-FR">
-                <a:latin typeface="Times New Roman" panose="02020603050405020304" pitchFamily="18" charset="0"/>
-              </a:rPr>
-              <a:t>workflows</a:t>
-            </a:r>
-            <a:r>
-              <a:rPr lang="fr-FR" altLang="fr-FR"/>
-              <a:t>)</a:t>
+              <a:t>Apparaissent généralement comme des boîtes sur les diagrammes</a:t>
             </a:r>
           </a:p>
         </p:txBody>
@@ -14081,7 +13507,7 @@
     </p:spTree>
     <p:extLst>
       <p:ext uri="{BB962C8B-B14F-4D97-AF65-F5344CB8AC3E}">
-        <p14:creationId xmlns:p14="http://schemas.microsoft.com/office/powerpoint/2010/main" val="495614939"/>
+        <p14:creationId xmlns:p14="http://schemas.microsoft.com/office/powerpoint/2010/main" val="4172894924"/>
       </p:ext>
     </p:extLst>
   </p:cSld>
@@ -14110,7 +13536,7 @@
       </p:grpSpPr>
       <p:sp>
         <p:nvSpPr>
-          <p:cNvPr id="28674" name="Rectangle 2"/>
+          <p:cNvPr id="41986" name="Rectangle 2"/>
           <p:cNvSpPr>
             <a:spLocks noGrp="1" noChangeArrowheads="1"/>
           </p:cNvSpPr>
@@ -14125,14 +13551,21 @@
           <a:p>
             <a:r>
               <a:rPr lang="fr-FR" altLang="fr-FR"/>
-              <a:t>Un langage de construction</a:t>
-            </a:r>
-          </a:p>
-        </p:txBody>
-      </p:sp>
-      <p:sp>
-        <p:nvSpPr>
-          <p:cNvPr id="28675" name="Rectangle 3"/>
+              <a:t>Entités, relations et diagrammes </a:t>
+            </a:r>
+            <a:br>
+              <a:rPr lang="fr-FR" altLang="fr-FR"/>
+            </a:br>
+            <a:r>
+              <a:rPr lang="fr-FR" altLang="fr-FR"/>
+              <a:t>(suite)</a:t>
+            </a:r>
+          </a:p>
+        </p:txBody>
+      </p:sp>
+      <p:sp>
+        <p:nvSpPr>
+          <p:cNvPr id="41987" name="Rectangle 3"/>
           <p:cNvSpPr>
             <a:spLocks noGrp="1" noChangeArrowheads="1"/>
           </p:cNvSpPr>
@@ -14143,7 +13576,7 @@
         <p:spPr>
           <a:xfrm>
             <a:off x="279400" y="1312863"/>
-            <a:ext cx="8599488" cy="3743325"/>
+            <a:ext cx="8599488" cy="3194050"/>
           </a:xfrm>
         </p:spPr>
         <p:txBody>
@@ -14151,83 +13584,90 @@
           <a:lstStyle/>
           <a:p>
             <a:r>
-              <a:rPr lang="fr-FR" altLang="fr-FR"/>
-              <a:t>Il existe une correspondance directe entre certains éléments d’UML et les différents langages de programmation</a:t>
-            </a:r>
+              <a:rPr lang="fr-FR" altLang="fr-FR" sz="2400" dirty="0"/>
+              <a:t>Les entités sont reliées entre elles par des </a:t>
+            </a:r>
+            <a:r>
+              <a:rPr lang="fr-FR" altLang="fr-FR" sz="2400" i="1" dirty="0">
+                <a:latin typeface="Century Schoolbook" pitchFamily="18" charset="0"/>
+              </a:rPr>
+              <a:t>relations</a:t>
+            </a:r>
+            <a:endParaRPr lang="fr-FR" altLang="fr-FR" sz="2400" i="1" dirty="0"/>
           </a:p>
           <a:p>
             <a:pPr lvl="1"/>
             <a:r>
-              <a:rPr lang="fr-FR" altLang="fr-FR"/>
-              <a:t>C++</a:t>
+              <a:rPr lang="fr-FR" altLang="fr-FR" sz="2000" dirty="0"/>
+              <a:t>Les relations se déclinent en plusieurs variétés, par exemple</a:t>
+            </a:r>
+            <a:r>
+              <a:rPr lang="en-US" altLang="fr-FR" sz="2000" dirty="0">
+                <a:cs typeface="Arial" panose="020B0604020202020204" pitchFamily="34" charset="0"/>
+              </a:rPr>
+              <a:t> </a:t>
+            </a:r>
+            <a:r>
+              <a:rPr lang="fr-FR" altLang="fr-FR" sz="2000" dirty="0"/>
+              <a:t>:</a:t>
+            </a:r>
+          </a:p>
+          <a:p>
+            <a:pPr lvl="2"/>
+            <a:r>
+              <a:rPr lang="fr-FR" altLang="fr-FR" sz="1800" dirty="0"/>
+              <a:t>Les associations entre classes</a:t>
+            </a:r>
+          </a:p>
+          <a:p>
+            <a:pPr lvl="2"/>
+            <a:r>
+              <a:rPr lang="fr-FR" altLang="fr-FR" sz="1800" dirty="0"/>
+              <a:t>Les liens entre objets</a:t>
+            </a:r>
+          </a:p>
+          <a:p>
+            <a:pPr lvl="2"/>
+            <a:r>
+              <a:rPr lang="fr-FR" altLang="fr-FR" sz="1800" dirty="0"/>
+              <a:t>Les dépendances entre beaucoup de types d’entité</a:t>
             </a:r>
           </a:p>
           <a:p>
             <a:pPr lvl="1"/>
             <a:r>
-              <a:rPr lang="fr-FR" altLang="fr-FR"/>
-              <a:t>Java</a:t>
+              <a:rPr lang="fr-FR" altLang="fr-FR" sz="2000" dirty="0"/>
+              <a:t>Apparaissent généralement comme des lignes sur les diagrammes</a:t>
+            </a:r>
+          </a:p>
+          <a:p>
+            <a:r>
+              <a:rPr lang="fr-FR" altLang="fr-FR" sz="2400" dirty="0"/>
+              <a:t>Les </a:t>
+            </a:r>
+            <a:r>
+              <a:rPr lang="fr-FR" altLang="fr-FR" sz="2400" i="1" dirty="0">
+                <a:latin typeface="Century Schoolbook" pitchFamily="18" charset="0"/>
+              </a:rPr>
+              <a:t>diagrammes</a:t>
+            </a:r>
+            <a:r>
+              <a:rPr lang="fr-FR" altLang="fr-FR" sz="2400" dirty="0"/>
+              <a:t> présentent des entités connectées par des relations</a:t>
             </a:r>
           </a:p>
           <a:p>
             <a:pPr lvl="1"/>
             <a:r>
-              <a:rPr lang="fr-FR" altLang="fr-FR"/>
-              <a:t>Python</a:t>
+              <a:rPr lang="fr-FR" altLang="fr-FR" sz="2000" dirty="0"/>
+              <a:t>Pour chaque type de diagramme sont spécifiés quels types d’entité et de relation il peut contenir</a:t>
             </a:r>
           </a:p>
           <a:p>
             <a:pPr lvl="1"/>
             <a:r>
-              <a:rPr lang="fr-FR" altLang="fr-FR"/>
-              <a:t>Visual Basic</a:t>
-            </a:r>
-          </a:p>
-          <a:p>
-            <a:pPr lvl="1"/>
-            <a:r>
-              <a:rPr lang="fr-FR" altLang="fr-FR"/>
-              <a:t>CORBA IDL</a:t>
-            </a:r>
-          </a:p>
-          <a:p>
-            <a:pPr lvl="1"/>
-            <a:r>
-              <a:rPr lang="fr-FR" altLang="fr-FR"/>
-              <a:t>SQL</a:t>
-            </a:r>
-          </a:p>
-          <a:p>
-            <a:r>
-              <a:rPr lang="fr-FR" altLang="fr-FR"/>
-              <a:t>Cette correspondance est suffisamment rigoureuse pour permettre des allers-retours (</a:t>
-            </a:r>
-            <a:r>
-              <a:rPr lang="fr-FR" altLang="fr-FR">
-                <a:latin typeface="Times New Roman" panose="02020603050405020304" pitchFamily="18" charset="0"/>
-              </a:rPr>
-              <a:t>forward and reverse engineering</a:t>
-            </a:r>
-            <a:r>
-              <a:rPr lang="fr-FR" altLang="fr-FR"/>
-              <a:t>) automatiques entre les modèles UML et le code</a:t>
-            </a:r>
-          </a:p>
-          <a:p>
-            <a:pPr lvl="1"/>
-            <a:r>
-              <a:rPr lang="fr-FR" altLang="fr-FR"/>
-              <a:t>Supporté par la plupart des AGL (</a:t>
-            </a:r>
-            <a:r>
-              <a:rPr lang="fr-FR" altLang="fr-FR">
-                <a:latin typeface="Times New Roman" panose="02020603050405020304" pitchFamily="18" charset="0"/>
-              </a:rPr>
-              <a:t>CASE tools</a:t>
-            </a:r>
-            <a:r>
-              <a:rPr lang="fr-FR" altLang="fr-FR"/>
-              <a:t>) UML</a:t>
+              <a:rPr lang="fr-FR" altLang="fr-FR" sz="2000" dirty="0"/>
+              <a:t>UML 2.0 spécifie treize types de diagramme</a:t>
             </a:r>
           </a:p>
         </p:txBody>
@@ -14235,7 +13675,7 @@
     </p:spTree>
     <p:extLst>
       <p:ext uri="{BB962C8B-B14F-4D97-AF65-F5344CB8AC3E}">
-        <p14:creationId xmlns:p14="http://schemas.microsoft.com/office/powerpoint/2010/main" val="3163015674"/>
+        <p14:creationId xmlns:p14="http://schemas.microsoft.com/office/powerpoint/2010/main" val="1566402830"/>
       </p:ext>
     </p:extLst>
   </p:cSld>
@@ -14264,7 +13704,7 @@
       </p:grpSpPr>
       <p:sp>
         <p:nvSpPr>
-          <p:cNvPr id="34818" name="Rectangle 2"/>
+          <p:cNvPr id="6146" name="Rectangle 2"/>
           <p:cNvSpPr>
             <a:spLocks noGrp="1" noChangeArrowheads="1"/>
           </p:cNvSpPr>
@@ -14279,89 +13719,56 @@
           <a:p>
             <a:r>
               <a:rPr lang="fr-FR" altLang="fr-FR"/>
-              <a:t>Un langage de documentation</a:t>
-            </a:r>
-          </a:p>
-        </p:txBody>
-      </p:sp>
-      <p:sp>
-        <p:nvSpPr>
-          <p:cNvPr id="34819" name="Rectangle 3"/>
-          <p:cNvSpPr>
-            <a:spLocks noGrp="1" noChangeArrowheads="1"/>
-          </p:cNvSpPr>
-          <p:nvPr>
-            <p:ph type="body" idx="1"/>
-          </p:nvPr>
-        </p:nvSpPr>
-        <p:spPr>
-          <a:xfrm>
-            <a:off x="279400" y="1312863"/>
-            <a:ext cx="8599488" cy="3595687"/>
-          </a:xfrm>
-        </p:spPr>
-        <p:txBody>
-          <a:bodyPr/>
-          <a:lstStyle/>
-          <a:p>
-            <a:r>
-              <a:rPr lang="fr-FR" altLang="fr-FR"/>
-              <a:t>Les modèles UML fournissent une documentation à utiliser avant, pendant, et après le développement de systèmes à dominante logicielle</a:t>
-            </a:r>
-          </a:p>
-          <a:p>
-            <a:r>
-              <a:rPr lang="fr-FR" altLang="fr-FR"/>
-              <a:t>Les diagrammes et leurs éléments sont précisés par du texte</a:t>
-            </a:r>
-          </a:p>
-          <a:p>
-            <a:pPr lvl="1"/>
-            <a:r>
-              <a:rPr lang="fr-FR" altLang="fr-FR"/>
-              <a:t>Certains textes sont spécifiés avec UML</a:t>
-            </a:r>
-          </a:p>
-          <a:p>
-            <a:pPr lvl="2"/>
-            <a:r>
-              <a:rPr lang="fr-FR" altLang="fr-FR"/>
-              <a:t>Par exemple, les contraintes peuvent être écrites en OCL</a:t>
-            </a:r>
-          </a:p>
-          <a:p>
-            <a:pPr lvl="1"/>
-            <a:r>
-              <a:rPr lang="fr-FR" altLang="fr-FR"/>
-              <a:t>Le reste est spécifié en français dans un texte clair et structuré</a:t>
-            </a:r>
-          </a:p>
-          <a:p>
-            <a:r>
-              <a:rPr lang="fr-FR" altLang="fr-FR"/>
-              <a:t>Note : les diagrammes seuls ne constituent pas un modèle UML</a:t>
-            </a:r>
-          </a:p>
-          <a:p>
-            <a:pPr lvl="1"/>
-            <a:r>
-              <a:rPr lang="fr-FR" altLang="fr-FR"/>
-              <a:t>Ce cours se concentre sur les aspects graphiques et textuels d’UML lui-même</a:t>
-            </a:r>
-          </a:p>
-          <a:p>
-            <a:pPr lvl="1"/>
-            <a:r>
-              <a:rPr lang="fr-FR" altLang="fr-FR"/>
-              <a:t>Les modèles réels contiendront beaucoup de descriptions textuelles non UML</a:t>
-            </a:r>
-          </a:p>
-        </p:txBody>
-      </p:sp>
+              <a:t>Diagramme de cas d’utilisation : Exemple simple </a:t>
+            </a:r>
+          </a:p>
+        </p:txBody>
+      </p:sp>
+      <p:pic>
+        <p:nvPicPr>
+          <p:cNvPr id="6149" name="Picture 5" descr="Use cases"/>
+          <p:cNvPicPr>
+            <a:picLocks noChangeAspect="1" noChangeArrowheads="1"/>
+          </p:cNvPicPr>
+          <p:nvPr/>
+        </p:nvPicPr>
+        <p:blipFill>
+          <a:blip r:embed="rId3">
+            <a:extLst>
+              <a:ext uri="{28A0092B-C50C-407E-A947-70E740481C1C}">
+                <a14:useLocalDpi xmlns:a14="http://schemas.microsoft.com/office/drawing/2010/main" val="0"/>
+              </a:ext>
+            </a:extLst>
+          </a:blip>
+          <a:srcRect/>
+          <a:stretch>
+            <a:fillRect/>
+          </a:stretch>
+        </p:blipFill>
+        <p:spPr bwMode="gray">
+          <a:xfrm>
+            <a:off x="1676400" y="1828800"/>
+            <a:ext cx="5638800" cy="3203575"/>
+          </a:xfrm>
+          <a:prstGeom prst="rect">
+            <a:avLst/>
+          </a:prstGeom>
+          <a:noFill/>
+          <a:extLst>
+            <a:ext uri="{909E8E84-426E-40DD-AFC4-6F175D3DCCD1}">
+              <a14:hiddenFill xmlns:a14="http://schemas.microsoft.com/office/drawing/2010/main">
+                <a:solidFill>
+                  <a:srgbClr val="FFFFFF"/>
+                </a:solidFill>
+              </a14:hiddenFill>
+            </a:ext>
+          </a:extLst>
+        </p:spPr>
+      </p:pic>
     </p:spTree>
     <p:extLst>
       <p:ext uri="{BB962C8B-B14F-4D97-AF65-F5344CB8AC3E}">
-        <p14:creationId xmlns:p14="http://schemas.microsoft.com/office/powerpoint/2010/main" val="1600222023"/>
+        <p14:creationId xmlns:p14="http://schemas.microsoft.com/office/powerpoint/2010/main" val="2179645608"/>
       </p:ext>
     </p:extLst>
   </p:cSld>
@@ -14390,7 +13797,7 @@
       </p:grpSpPr>
       <p:sp>
         <p:nvSpPr>
-          <p:cNvPr id="39938" name="Rectangle 2"/>
+          <p:cNvPr id="14338" name="Rectangle 2"/>
           <p:cNvSpPr>
             <a:spLocks noGrp="1" noChangeArrowheads="1"/>
           </p:cNvSpPr>
@@ -14398,21 +13805,26 @@
             <p:ph type="title"/>
           </p:nvPr>
         </p:nvSpPr>
-        <p:spPr/>
+        <p:spPr>
+          <a:xfrm>
+            <a:off x="179388" y="160338"/>
+            <a:ext cx="8964612" cy="725487"/>
+          </a:xfrm>
+        </p:spPr>
         <p:txBody>
           <a:bodyPr/>
           <a:lstStyle/>
           <a:p>
             <a:r>
               <a:rPr lang="fr-FR" altLang="fr-FR"/>
-              <a:t>Entités, relations et diagrammes</a:t>
-            </a:r>
-          </a:p>
-        </p:txBody>
-      </p:sp>
-      <p:sp>
-        <p:nvSpPr>
-          <p:cNvPr id="39939" name="Rectangle 3"/>
+              <a:t>Formaliser les scénarios sous forme de cas d’utilisation</a:t>
+            </a:r>
+          </a:p>
+        </p:txBody>
+      </p:sp>
+      <p:sp>
+        <p:nvSpPr>
+          <p:cNvPr id="14339" name="Rectangle 3"/>
           <p:cNvSpPr>
             <a:spLocks noGrp="1" noChangeArrowheads="1"/>
           </p:cNvSpPr>
@@ -14422,8 +13834,8 @@
         </p:nvSpPr>
         <p:spPr>
           <a:xfrm>
-            <a:off x="279400" y="1312863"/>
-            <a:ext cx="8599488" cy="3194050"/>
+            <a:off x="304800" y="2971800"/>
+            <a:ext cx="8599488" cy="915988"/>
           </a:xfrm>
         </p:spPr>
         <p:txBody>
@@ -14432,80 +13844,155 @@
           <a:p>
             <a:r>
               <a:rPr lang="fr-FR" altLang="fr-FR"/>
-              <a:t>Les entités, les relations et les diagrammes sont les blocs de construction d’UML</a:t>
-            </a:r>
-          </a:p>
-          <a:p>
-            <a:r>
-              <a:rPr lang="fr-FR" altLang="fr-FR"/>
-              <a:t>Les </a:t>
+              <a:t>Jacobson donne de l’importance au scénario, qu’il appelle </a:t>
             </a:r>
             <a:r>
               <a:rPr lang="fr-FR" altLang="fr-FR" i="1">
                 <a:latin typeface="Century Schoolbook" pitchFamily="18" charset="0"/>
               </a:rPr>
-              <a:t>entités</a:t>
+              <a:t>cas d’utilisation</a:t>
             </a:r>
             <a:r>
               <a:rPr lang="fr-FR" altLang="fr-FR"/>
-              <a:t> sont les “VIP” d’UML</a:t>
-            </a:r>
-          </a:p>
-          <a:p>
-            <a:pPr lvl="1"/>
+              <a:t> (</a:t>
+            </a:r>
+            <a:r>
+              <a:rPr lang="fr-FR" altLang="fr-FR" i="1">
+                <a:latin typeface="Century Schoolbook" pitchFamily="18" charset="0"/>
+              </a:rPr>
+              <a:t>use-case</a:t>
+            </a:r>
             <a:r>
               <a:rPr lang="fr-FR" altLang="fr-FR"/>
-              <a:t>Représentent les abstractions primaires modélisées</a:t>
-            </a:r>
-          </a:p>
-          <a:p>
-            <a:pPr lvl="1"/>
-            <a:r>
-              <a:rPr lang="fr-FR" altLang="fr-FR"/>
-              <a:t>Il en existe de nombreuses variétés, comme les</a:t>
-            </a:r>
-          </a:p>
-          <a:p>
-            <a:pPr lvl="2"/>
-            <a:r>
-              <a:rPr lang="fr-FR" altLang="fr-FR"/>
-              <a:t>Classes</a:t>
-            </a:r>
-          </a:p>
-          <a:p>
-            <a:pPr lvl="2"/>
-            <a:r>
-              <a:rPr lang="fr-FR" altLang="fr-FR"/>
-              <a:t>Objets</a:t>
-            </a:r>
-          </a:p>
-          <a:p>
-            <a:pPr lvl="2"/>
-            <a:r>
-              <a:rPr lang="fr-FR" altLang="fr-FR"/>
-              <a:t>Cas d’utilisation</a:t>
-            </a:r>
-          </a:p>
-          <a:p>
-            <a:pPr lvl="2"/>
-            <a:r>
-              <a:rPr lang="fr-FR" altLang="fr-FR"/>
-              <a:t>États</a:t>
-            </a:r>
-          </a:p>
-          <a:p>
-            <a:pPr lvl="1"/>
-            <a:r>
-              <a:rPr lang="fr-FR" altLang="fr-FR"/>
-              <a:t>Apparaissent généralement comme des boîtes sur les diagrammes</a:t>
-            </a:r>
+              <a:t>), et en fait un élément fondamental dans le processus de développement</a:t>
+            </a:r>
+          </a:p>
+        </p:txBody>
+      </p:sp>
+      <p:sp>
+        <p:nvSpPr>
+          <p:cNvPr id="14340" name="Text Box 4"/>
+          <p:cNvSpPr txBox="1">
+            <a:spLocks noChangeArrowheads="1"/>
+          </p:cNvSpPr>
+          <p:nvPr/>
+        </p:nvSpPr>
+        <p:spPr bwMode="blackWhite">
+          <a:xfrm>
+            <a:off x="990600" y="1371600"/>
+            <a:ext cx="7132638" cy="1311275"/>
+          </a:xfrm>
+          <a:prstGeom prst="rect">
+            <a:avLst/>
+          </a:prstGeom>
+          <a:solidFill>
+            <a:srgbClr val="FFFFCC"/>
+          </a:solidFill>
+          <a:ln w="12700">
+            <a:solidFill>
+              <a:schemeClr val="tx1"/>
+            </a:solidFill>
+            <a:miter lim="800000"/>
+            <a:headEnd/>
+            <a:tailEnd/>
+          </a:ln>
+          <a:effectLst>
+            <a:outerShdw dist="35921" dir="2700000" algn="ctr" rotWithShape="0">
+              <a:schemeClr val="tx1"/>
+            </a:outerShdw>
+          </a:effectLst>
+        </p:spPr>
+        <p:txBody>
+          <a:bodyPr/>
+          <a:lstStyle/>
+          <a:p>
+            <a:pPr algn="ctr"/>
+            <a:r>
+              <a:rPr lang="fr-FR" altLang="fr-FR" sz="1800" b="1" i="1" dirty="0">
+                <a:solidFill>
+                  <a:schemeClr val="bg1"/>
+                </a:solidFill>
+                <a:highlight>
+                  <a:srgbClr val="000000"/>
+                </a:highlight>
+                <a:latin typeface="Century Schoolbook" pitchFamily="18" charset="0"/>
+              </a:rPr>
+              <a:t>“Un cas d’utilisation est une manière particulière d’utiliser le système en mettant en </a:t>
+            </a:r>
+            <a:r>
+              <a:rPr lang="en-US" altLang="fr-FR" sz="1800" b="1" i="1" dirty="0">
+                <a:solidFill>
+                  <a:schemeClr val="bg1"/>
+                </a:solidFill>
+                <a:highlight>
+                  <a:srgbClr val="000000"/>
+                </a:highlight>
+                <a:latin typeface="Century Schoolbook" pitchFamily="18" charset="0"/>
+              </a:rPr>
+              <a:t>œ</a:t>
+            </a:r>
+            <a:r>
+              <a:rPr lang="fr-FR" altLang="fr-FR" sz="1800" b="1" i="1" dirty="0" err="1">
+                <a:solidFill>
+                  <a:schemeClr val="bg1"/>
+                </a:solidFill>
+                <a:highlight>
+                  <a:srgbClr val="000000"/>
+                </a:highlight>
+                <a:latin typeface="Century Schoolbook" pitchFamily="18" charset="0"/>
+              </a:rPr>
+              <a:t>uvre</a:t>
+            </a:r>
+            <a:r>
+              <a:rPr lang="fr-FR" altLang="fr-FR" sz="1800" b="1" i="1" dirty="0">
+                <a:solidFill>
+                  <a:schemeClr val="bg1"/>
+                </a:solidFill>
+                <a:highlight>
+                  <a:srgbClr val="000000"/>
+                </a:highlight>
+                <a:latin typeface="Century Schoolbook" pitchFamily="18" charset="0"/>
+              </a:rPr>
+              <a:t> une partie de ses fonctionnalités … L’ensemble des cas d’utilisation spécifie toutes les manières existantes d’utiliser le système.”</a:t>
+            </a:r>
+            <a:r>
+              <a:rPr lang="fr-FR" altLang="fr-FR" sz="1800" b="1" i="1" baseline="30000" dirty="0">
+                <a:solidFill>
+                  <a:schemeClr val="bg1"/>
+                </a:solidFill>
+                <a:highlight>
+                  <a:srgbClr val="000000"/>
+                </a:highlight>
+                <a:latin typeface="Century Schoolbook" pitchFamily="18" charset="0"/>
+              </a:rPr>
+              <a:t>*</a:t>
+            </a:r>
+            <a:endParaRPr lang="fr-FR" altLang="fr-FR" sz="1800" b="1" i="1" dirty="0">
+              <a:solidFill>
+                <a:schemeClr val="bg1"/>
+              </a:solidFill>
+              <a:highlight>
+                <a:srgbClr val="000000"/>
+              </a:highlight>
+              <a:latin typeface="Century Schoolbook" pitchFamily="18" charset="0"/>
+            </a:endParaRPr>
+          </a:p>
+          <a:p>
+            <a:endParaRPr lang="fr-FR" altLang="fr-FR" sz="1200" dirty="0">
+              <a:solidFill>
+                <a:schemeClr val="bg1"/>
+              </a:solidFill>
+              <a:highlight>
+                <a:srgbClr val="000000"/>
+              </a:highlight>
+            </a:endParaRPr>
           </a:p>
         </p:txBody>
       </p:sp>
     </p:spTree>
     <p:extLst>
       <p:ext uri="{BB962C8B-B14F-4D97-AF65-F5344CB8AC3E}">
-        <p14:creationId xmlns:p14="http://schemas.microsoft.com/office/powerpoint/2010/main" val="4172894924"/>
+        <p14:creationId xmlns:p14="http://schemas.microsoft.com/office/powerpoint/2010/main" val="1361115743"/>
       </p:ext>
     </p:extLst>
   </p:cSld>
@@ -14626,7 +14113,7 @@
       </p:grpSpPr>
       <p:sp>
         <p:nvSpPr>
-          <p:cNvPr id="41986" name="Rectangle 2"/>
+          <p:cNvPr id="26626" name="Rectangle 2"/>
           <p:cNvSpPr>
             <a:spLocks noGrp="1" noChangeArrowheads="1"/>
           </p:cNvSpPr>
@@ -14641,21 +14128,14 @@
           <a:p>
             <a:r>
               <a:rPr lang="fr-FR" altLang="fr-FR"/>
-              <a:t>Entités, relations et diagrammes </a:t>
-            </a:r>
-            <a:br>
-              <a:rPr lang="fr-FR" altLang="fr-FR"/>
-            </a:br>
-            <a:r>
-              <a:rPr lang="fr-FR" altLang="fr-FR"/>
-              <a:t>(suite)</a:t>
-            </a:r>
-          </a:p>
-        </p:txBody>
-      </p:sp>
-      <p:sp>
-        <p:nvSpPr>
-          <p:cNvPr id="41987" name="Rectangle 3"/>
+              <a:t>Qu’est-ce qu’un acteur ?</a:t>
+            </a:r>
+          </a:p>
+        </p:txBody>
+      </p:sp>
+      <p:sp>
+        <p:nvSpPr>
+          <p:cNvPr id="26627" name="Rectangle 3"/>
           <p:cNvSpPr>
             <a:spLocks noGrp="1" noChangeArrowheads="1"/>
           </p:cNvSpPr>
@@ -14665,8 +14145,8 @@
         </p:nvSpPr>
         <p:spPr>
           <a:xfrm>
-            <a:off x="279400" y="1312863"/>
-            <a:ext cx="8599488" cy="3194050"/>
+            <a:off x="304800" y="2465388"/>
+            <a:ext cx="8599488" cy="2868612"/>
           </a:xfrm>
         </p:spPr>
         <p:txBody>
@@ -14675,449 +14155,65 @@
           <a:p>
             <a:r>
               <a:rPr lang="fr-FR" altLang="fr-FR" sz="2400" dirty="0"/>
-              <a:t>Les entités sont reliées entre elles par des </a:t>
+              <a:t>Un </a:t>
             </a:r>
             <a:r>
               <a:rPr lang="fr-FR" altLang="fr-FR" sz="2400" i="1" dirty="0">
                 <a:latin typeface="Century Schoolbook" pitchFamily="18" charset="0"/>
               </a:rPr>
-              <a:t>relations</a:t>
-            </a:r>
-            <a:endParaRPr lang="fr-FR" altLang="fr-FR" sz="2400" i="1" dirty="0"/>
+              <a:t>acteur</a:t>
+            </a:r>
+            <a:r>
+              <a:rPr lang="fr-FR" altLang="fr-FR" sz="2400" dirty="0"/>
+              <a:t> définit un rôle joué par un utilisateur du système</a:t>
+            </a:r>
           </a:p>
           <a:p>
             <a:pPr lvl="1"/>
             <a:r>
               <a:rPr lang="fr-FR" altLang="fr-FR" sz="2000" dirty="0"/>
-              <a:t>Les relations se déclinent en plusieurs variétés, par exemple</a:t>
-            </a:r>
-            <a:r>
-              <a:rPr lang="en-US" altLang="fr-FR" sz="2000" dirty="0">
-                <a:cs typeface="Arial" panose="020B0604020202020204" pitchFamily="34" charset="0"/>
-              </a:rPr>
-              <a:t> </a:t>
-            </a:r>
+              <a:t>Peut être un être humain</a:t>
+            </a:r>
+          </a:p>
+          <a:p>
+            <a:pPr lvl="1"/>
             <a:r>
               <a:rPr lang="fr-FR" altLang="fr-FR" sz="2000" dirty="0"/>
-              <a:t>:</a:t>
+              <a:t>Peut être un autre système</a:t>
+            </a:r>
+          </a:p>
+          <a:p>
+            <a:pPr lvl="1"/>
+            <a:r>
+              <a:rPr lang="fr-FR" altLang="fr-FR" sz="2000" dirty="0"/>
+              <a:t>Peut être le déroulement du temps</a:t>
             </a:r>
           </a:p>
           <a:p>
             <a:pPr lvl="2"/>
             <a:r>
               <a:rPr lang="fr-FR" altLang="fr-FR" sz="1800" dirty="0"/>
-              <a:t>Les associations entre classes</a:t>
-            </a:r>
-          </a:p>
-          <a:p>
-            <a:pPr lvl="2"/>
-            <a:r>
-              <a:rPr lang="fr-FR" altLang="fr-FR" sz="1800" dirty="0"/>
-              <a:t>Les liens entre objets</a:t>
-            </a:r>
-          </a:p>
-          <a:p>
-            <a:pPr lvl="2"/>
-            <a:r>
-              <a:rPr lang="fr-FR" altLang="fr-FR" sz="1800" dirty="0"/>
-              <a:t>Les dépendances entre beaucoup de types d’entité</a:t>
+              <a:t>Par exemple, dans une simulation pour laquelle le système fait les calculs lorsque le processeur est inutilisé depuis un certain temps</a:t>
+            </a:r>
+          </a:p>
+          <a:p>
+            <a:r>
+              <a:rPr lang="fr-FR" altLang="fr-FR" sz="2400" dirty="0"/>
+              <a:t>Les acteurs sont par définition en dehors du système à modéliser</a:t>
             </a:r>
           </a:p>
           <a:p>
             <a:pPr lvl="1"/>
             <a:r>
               <a:rPr lang="fr-FR" altLang="fr-FR" sz="2000" dirty="0"/>
-              <a:t>Apparaissent généralement comme des lignes sur les diagrammes</a:t>
-            </a:r>
-          </a:p>
-          <a:p>
-            <a:r>
-              <a:rPr lang="fr-FR" altLang="fr-FR" sz="2400" dirty="0"/>
-              <a:t>Les </a:t>
-            </a:r>
-            <a:r>
-              <a:rPr lang="fr-FR" altLang="fr-FR" sz="2400" i="1" dirty="0">
-                <a:latin typeface="Century Schoolbook" pitchFamily="18" charset="0"/>
-              </a:rPr>
-              <a:t>diagrammes</a:t>
-            </a:r>
-            <a:r>
-              <a:rPr lang="fr-FR" altLang="fr-FR" sz="2400" dirty="0"/>
-              <a:t> présentent des entités connectées par des relations</a:t>
-            </a:r>
-          </a:p>
-          <a:p>
-            <a:pPr lvl="1"/>
-            <a:r>
-              <a:rPr lang="fr-FR" altLang="fr-FR" sz="2000" dirty="0"/>
-              <a:t>Pour chaque type de diagramme sont spécifiés quels types d’entité et de relation il peut contenir</a:t>
-            </a:r>
-          </a:p>
-          <a:p>
-            <a:pPr lvl="1"/>
-            <a:r>
-              <a:rPr lang="fr-FR" altLang="fr-FR" sz="2000" dirty="0"/>
-              <a:t>UML 2.0 spécifie treize types de diagramme</a:t>
-            </a:r>
-          </a:p>
-        </p:txBody>
-      </p:sp>
-    </p:spTree>
-    <p:extLst>
-      <p:ext uri="{BB962C8B-B14F-4D97-AF65-F5344CB8AC3E}">
-        <p14:creationId xmlns:p14="http://schemas.microsoft.com/office/powerpoint/2010/main" val="1566402830"/>
-      </p:ext>
-    </p:extLst>
-  </p:cSld>
-  <p:clrMapOvr>
-    <a:masterClrMapping/>
-  </p:clrMapOvr>
-</p:sld>
-</file>
-
-<file path=ppt/slides/slide31.xml><?xml version="1.0" encoding="utf-8"?>
-<p:sld xmlns:a="http://schemas.openxmlformats.org/drawingml/2006/main" xmlns:r="http://schemas.openxmlformats.org/officeDocument/2006/relationships" xmlns:p="http://schemas.openxmlformats.org/presentationml/2006/main">
-  <p:cSld>
-    <p:spTree>
-      <p:nvGrpSpPr>
-        <p:cNvPr id="1" name=""/>
-        <p:cNvGrpSpPr/>
-        <p:nvPr/>
-      </p:nvGrpSpPr>
-      <p:grpSpPr>
-        <a:xfrm>
-          <a:off x="0" y="0"/>
-          <a:ext cx="0" cy="0"/>
-          <a:chOff x="0" y="0"/>
-          <a:chExt cx="0" cy="0"/>
-        </a:xfrm>
-      </p:grpSpPr>
-      <p:sp>
-        <p:nvSpPr>
-          <p:cNvPr id="6146" name="Rectangle 2"/>
-          <p:cNvSpPr>
-            <a:spLocks noGrp="1" noChangeArrowheads="1"/>
-          </p:cNvSpPr>
-          <p:nvPr>
-            <p:ph type="title"/>
-          </p:nvPr>
-        </p:nvSpPr>
-        <p:spPr/>
-        <p:txBody>
-          <a:bodyPr/>
-          <a:lstStyle/>
-          <a:p>
-            <a:r>
-              <a:rPr lang="fr-FR" altLang="fr-FR"/>
-              <a:t>Diagramme de cas d’utilisation : Exemple simple </a:t>
-            </a:r>
-          </a:p>
-        </p:txBody>
-      </p:sp>
-      <p:pic>
-        <p:nvPicPr>
-          <p:cNvPr id="6149" name="Picture 5" descr="Use cases"/>
-          <p:cNvPicPr>
-            <a:picLocks noChangeAspect="1" noChangeArrowheads="1"/>
-          </p:cNvPicPr>
-          <p:nvPr/>
-        </p:nvPicPr>
-        <p:blipFill>
-          <a:blip r:embed="rId3">
-            <a:extLst>
-              <a:ext uri="{28A0092B-C50C-407E-A947-70E740481C1C}">
-                <a14:useLocalDpi xmlns:a14="http://schemas.microsoft.com/office/drawing/2010/main" val="0"/>
-              </a:ext>
-            </a:extLst>
-          </a:blip>
-          <a:srcRect/>
-          <a:stretch>
-            <a:fillRect/>
-          </a:stretch>
-        </p:blipFill>
-        <p:spPr bwMode="gray">
-          <a:xfrm>
-            <a:off x="1676400" y="1828800"/>
-            <a:ext cx="5638800" cy="3203575"/>
-          </a:xfrm>
-          <a:prstGeom prst="rect">
-            <a:avLst/>
-          </a:prstGeom>
-          <a:noFill/>
-          <a:extLst>
-            <a:ext uri="{909E8E84-426E-40DD-AFC4-6F175D3DCCD1}">
-              <a14:hiddenFill xmlns:a14="http://schemas.microsoft.com/office/drawing/2010/main">
-                <a:solidFill>
-                  <a:srgbClr val="FFFFFF"/>
-                </a:solidFill>
-              </a14:hiddenFill>
-            </a:ext>
-          </a:extLst>
-        </p:spPr>
-      </p:pic>
-    </p:spTree>
-    <p:extLst>
-      <p:ext uri="{BB962C8B-B14F-4D97-AF65-F5344CB8AC3E}">
-        <p14:creationId xmlns:p14="http://schemas.microsoft.com/office/powerpoint/2010/main" val="2179645608"/>
-      </p:ext>
-    </p:extLst>
-  </p:cSld>
-  <p:clrMapOvr>
-    <a:masterClrMapping/>
-  </p:clrMapOvr>
-</p:sld>
-</file>
-
-<file path=ppt/slides/slide32.xml><?xml version="1.0" encoding="utf-8"?>
-<p:sld xmlns:a="http://schemas.openxmlformats.org/drawingml/2006/main" xmlns:r="http://schemas.openxmlformats.org/officeDocument/2006/relationships" xmlns:p="http://schemas.openxmlformats.org/presentationml/2006/main">
-  <p:cSld>
-    <p:spTree>
-      <p:nvGrpSpPr>
-        <p:cNvPr id="1" name=""/>
-        <p:cNvGrpSpPr/>
-        <p:nvPr/>
-      </p:nvGrpSpPr>
-      <p:grpSpPr>
-        <a:xfrm>
-          <a:off x="0" y="0"/>
-          <a:ext cx="0" cy="0"/>
-          <a:chOff x="0" y="0"/>
-          <a:chExt cx="0" cy="0"/>
-        </a:xfrm>
-      </p:grpSpPr>
-      <p:sp>
-        <p:nvSpPr>
-          <p:cNvPr id="9221" name="Rectangle 5"/>
-          <p:cNvSpPr>
-            <a:spLocks noGrp="1" noChangeArrowheads="1"/>
-          </p:cNvSpPr>
-          <p:nvPr>
-            <p:ph type="title"/>
-          </p:nvPr>
-        </p:nvSpPr>
-        <p:spPr/>
-        <p:txBody>
-          <a:bodyPr/>
-          <a:lstStyle/>
-          <a:p>
-            <a:r>
-              <a:rPr lang="fr-FR" altLang="fr-FR"/>
-              <a:t>Modélisation des scénarios</a:t>
-            </a:r>
-          </a:p>
-        </p:txBody>
-      </p:sp>
-      <p:sp>
-        <p:nvSpPr>
-          <p:cNvPr id="9222" name="Rectangle 6"/>
-          <p:cNvSpPr>
-            <a:spLocks noGrp="1" noChangeArrowheads="1"/>
-          </p:cNvSpPr>
-          <p:nvPr>
-            <p:ph type="body" idx="1"/>
-          </p:nvPr>
-        </p:nvSpPr>
-        <p:spPr>
-          <a:xfrm>
-            <a:off x="279400" y="1312863"/>
-            <a:ext cx="8599488" cy="4648200"/>
-          </a:xfrm>
-        </p:spPr>
-        <p:txBody>
-          <a:bodyPr/>
-          <a:lstStyle/>
-          <a:p>
-            <a:r>
-              <a:rPr lang="fr-FR" altLang="fr-FR"/>
-              <a:t>Les </a:t>
-            </a:r>
-            <a:r>
-              <a:rPr lang="fr-FR" altLang="fr-FR" i="1">
-                <a:latin typeface="Century Schoolbook" pitchFamily="18" charset="0"/>
-              </a:rPr>
-              <a:t>scénarios</a:t>
-            </a:r>
-            <a:r>
-              <a:rPr lang="fr-FR" altLang="fr-FR"/>
-              <a:t> sont utilisés depuis longtemps pour spécifier les besoins du système</a:t>
-            </a:r>
-          </a:p>
-          <a:p>
-            <a:pPr lvl="1"/>
-            <a:r>
-              <a:rPr lang="fr-FR" altLang="fr-FR"/>
-              <a:t>Pour les développements traditionnels et orientés objet</a:t>
-            </a:r>
-          </a:p>
-          <a:p>
-            <a:r>
-              <a:rPr lang="fr-FR" altLang="fr-FR"/>
-              <a:t>Un exemple tiré du système d’affectation des ambulances :</a:t>
-            </a:r>
-          </a:p>
-          <a:p>
-            <a:pPr lvl="1"/>
-            <a:r>
-              <a:rPr lang="fr-FR" altLang="fr-FR"/>
-              <a:t>“Une ambulance devient libre alors que des appels attendent une attribution”</a:t>
-            </a:r>
-          </a:p>
-          <a:p>
-            <a:r>
-              <a:rPr lang="fr-FR" altLang="fr-FR"/>
-              <a:t>En développement OO, les scénarios n’étaient pas traités formellement</a:t>
-            </a:r>
-          </a:p>
-          <a:p>
-            <a:pPr lvl="1"/>
-            <a:r>
-              <a:rPr lang="fr-FR" altLang="fr-FR"/>
-              <a:t>Toujours faits, rarement documentés</a:t>
-            </a:r>
-          </a:p>
-          <a:p>
-            <a:pPr lvl="1"/>
-            <a:r>
-              <a:rPr lang="fr-FR" altLang="fr-FR"/>
-              <a:t>Les méthodes OO, comme OMT et Booch, commençaient directement avec des modèles de classes</a:t>
-            </a:r>
-          </a:p>
-          <a:p>
-            <a:pPr lvl="2"/>
-            <a:r>
-              <a:rPr lang="fr-FR" altLang="fr-FR"/>
-              <a:t>En partant du principe que les besoins étaient déjà connus</a:t>
-            </a:r>
-          </a:p>
-          <a:p>
-            <a:r>
-              <a:rPr lang="fr-FR" altLang="fr-FR"/>
-              <a:t>Les développeurs OO avaient tendance à minimiser le rôle des scénarios</a:t>
-            </a:r>
-          </a:p>
-          <a:p>
-            <a:pPr lvl="1"/>
-            <a:r>
-              <a:rPr lang="fr-FR" altLang="fr-FR"/>
-              <a:t>Vus comme “non orienté objet”</a:t>
-            </a:r>
-          </a:p>
-          <a:p>
-            <a:pPr lvl="1"/>
-            <a:r>
-              <a:rPr lang="fr-FR" altLang="fr-FR"/>
-              <a:t>En dépit de leur utilité</a:t>
-            </a:r>
-          </a:p>
-        </p:txBody>
-      </p:sp>
-    </p:spTree>
-    <p:extLst>
-      <p:ext uri="{BB962C8B-B14F-4D97-AF65-F5344CB8AC3E}">
-        <p14:creationId xmlns:p14="http://schemas.microsoft.com/office/powerpoint/2010/main" val="84197817"/>
-      </p:ext>
-    </p:extLst>
-  </p:cSld>
-  <p:clrMapOvr>
-    <a:masterClrMapping/>
-  </p:clrMapOvr>
-</p:sld>
-</file>
-
-<file path=ppt/slides/slide33.xml><?xml version="1.0" encoding="utf-8"?>
-<p:sld xmlns:a="http://schemas.openxmlformats.org/drawingml/2006/main" xmlns:r="http://schemas.openxmlformats.org/officeDocument/2006/relationships" xmlns:p="http://schemas.openxmlformats.org/presentationml/2006/main">
-  <p:cSld>
-    <p:spTree>
-      <p:nvGrpSpPr>
-        <p:cNvPr id="1" name=""/>
-        <p:cNvGrpSpPr/>
-        <p:nvPr/>
-      </p:nvGrpSpPr>
-      <p:grpSpPr>
-        <a:xfrm>
-          <a:off x="0" y="0"/>
-          <a:ext cx="0" cy="0"/>
-          <a:chOff x="0" y="0"/>
-          <a:chExt cx="0" cy="0"/>
-        </a:xfrm>
-      </p:grpSpPr>
-      <p:sp>
-        <p:nvSpPr>
-          <p:cNvPr id="14338" name="Rectangle 2"/>
-          <p:cNvSpPr>
-            <a:spLocks noGrp="1" noChangeArrowheads="1"/>
-          </p:cNvSpPr>
-          <p:nvPr>
-            <p:ph type="title"/>
-          </p:nvPr>
-        </p:nvSpPr>
-        <p:spPr>
-          <a:xfrm>
-            <a:off x="179388" y="160338"/>
-            <a:ext cx="8964612" cy="725487"/>
-          </a:xfrm>
-        </p:spPr>
-        <p:txBody>
-          <a:bodyPr/>
-          <a:lstStyle/>
-          <a:p>
-            <a:r>
-              <a:rPr lang="fr-FR" altLang="fr-FR"/>
-              <a:t>Formaliser les scénarios sous forme de cas d’utilisation</a:t>
-            </a:r>
-          </a:p>
-        </p:txBody>
-      </p:sp>
-      <p:sp>
-        <p:nvSpPr>
-          <p:cNvPr id="14339" name="Rectangle 3"/>
-          <p:cNvSpPr>
-            <a:spLocks noGrp="1" noChangeArrowheads="1"/>
-          </p:cNvSpPr>
-          <p:nvPr>
-            <p:ph type="body" idx="1"/>
-          </p:nvPr>
-        </p:nvSpPr>
-        <p:spPr>
-          <a:xfrm>
-            <a:off x="304800" y="2971800"/>
-            <a:ext cx="8599488" cy="915988"/>
-          </a:xfrm>
-        </p:spPr>
-        <p:txBody>
-          <a:bodyPr/>
-          <a:lstStyle/>
-          <a:p>
-            <a:r>
-              <a:rPr lang="fr-FR" altLang="fr-FR"/>
-              <a:t>Jacobson donne de l’importance au scénario, qu’il appelle </a:t>
-            </a:r>
-            <a:r>
-              <a:rPr lang="fr-FR" altLang="fr-FR" i="1">
-                <a:latin typeface="Century Schoolbook" pitchFamily="18" charset="0"/>
-              </a:rPr>
-              <a:t>cas d’utilisation</a:t>
-            </a:r>
-            <a:r>
-              <a:rPr lang="fr-FR" altLang="fr-FR"/>
-              <a:t> (</a:t>
-            </a:r>
-            <a:r>
-              <a:rPr lang="fr-FR" altLang="fr-FR" i="1">
-                <a:latin typeface="Century Schoolbook" pitchFamily="18" charset="0"/>
-              </a:rPr>
-              <a:t>use-case</a:t>
-            </a:r>
-            <a:r>
-              <a:rPr lang="fr-FR" altLang="fr-FR"/>
-              <a:t>), et en fait un élément fondamental dans le processus de développement</a:t>
-            </a:r>
-          </a:p>
-        </p:txBody>
-      </p:sp>
-      <p:sp>
-        <p:nvSpPr>
-          <p:cNvPr id="14340" name="Text Box 4"/>
+              <a:t>Ils ne sont pas étudiés en détails ; seules leurs interactions avec le système ont de l’intérêt</a:t>
+            </a:r>
+          </a:p>
+        </p:txBody>
+      </p:sp>
+      <p:sp>
+        <p:nvSpPr>
+          <p:cNvPr id="26628" name="Text Box 4"/>
           <p:cNvSpPr txBox="1">
             <a:spLocks noChangeArrowheads="1"/>
           </p:cNvSpPr>
@@ -15125,8 +14221,8 @@
         </p:nvSpPr>
         <p:spPr bwMode="blackWhite">
           <a:xfrm>
-            <a:off x="990600" y="1371600"/>
-            <a:ext cx="7132638" cy="1311275"/>
+            <a:off x="533400" y="1401763"/>
+            <a:ext cx="8001000" cy="960437"/>
           </a:xfrm>
           <a:prstGeom prst="rect">
             <a:avLst/>
@@ -15163,256 +14259,6 @@
                 </a:highlight>
                 <a:latin typeface="Century Schoolbook" pitchFamily="18" charset="0"/>
               </a:rPr>
-              <a:t>“Un cas d’utilisation est une manière particulière d’utiliser le système en mettant en </a:t>
-            </a:r>
-            <a:r>
-              <a:rPr lang="en-US" altLang="fr-FR" sz="1800" b="1" i="1" dirty="0">
-                <a:solidFill>
-                  <a:schemeClr val="bg1"/>
-                </a:solidFill>
-                <a:highlight>
-                  <a:srgbClr val="000000"/>
-                </a:highlight>
-                <a:latin typeface="Century Schoolbook" pitchFamily="18" charset="0"/>
-              </a:rPr>
-              <a:t>œ</a:t>
-            </a:r>
-            <a:r>
-              <a:rPr lang="fr-FR" altLang="fr-FR" sz="1800" b="1" i="1" dirty="0" err="1">
-                <a:solidFill>
-                  <a:schemeClr val="bg1"/>
-                </a:solidFill>
-                <a:highlight>
-                  <a:srgbClr val="000000"/>
-                </a:highlight>
-                <a:latin typeface="Century Schoolbook" pitchFamily="18" charset="0"/>
-              </a:rPr>
-              <a:t>uvre</a:t>
-            </a:r>
-            <a:r>
-              <a:rPr lang="fr-FR" altLang="fr-FR" sz="1800" b="1" i="1" dirty="0">
-                <a:solidFill>
-                  <a:schemeClr val="bg1"/>
-                </a:solidFill>
-                <a:highlight>
-                  <a:srgbClr val="000000"/>
-                </a:highlight>
-                <a:latin typeface="Century Schoolbook" pitchFamily="18" charset="0"/>
-              </a:rPr>
-              <a:t> une partie de ses fonctionnalités … L’ensemble des cas d’utilisation spécifie toutes les manières existantes d’utiliser le système.”</a:t>
-            </a:r>
-            <a:r>
-              <a:rPr lang="fr-FR" altLang="fr-FR" sz="1800" b="1" i="1" baseline="30000" dirty="0">
-                <a:solidFill>
-                  <a:schemeClr val="bg1"/>
-                </a:solidFill>
-                <a:highlight>
-                  <a:srgbClr val="000000"/>
-                </a:highlight>
-                <a:latin typeface="Century Schoolbook" pitchFamily="18" charset="0"/>
-              </a:rPr>
-              <a:t>*</a:t>
-            </a:r>
-            <a:endParaRPr lang="fr-FR" altLang="fr-FR" sz="1800" b="1" i="1" dirty="0">
-              <a:solidFill>
-                <a:schemeClr val="bg1"/>
-              </a:solidFill>
-              <a:highlight>
-                <a:srgbClr val="000000"/>
-              </a:highlight>
-              <a:latin typeface="Century Schoolbook" pitchFamily="18" charset="0"/>
-            </a:endParaRPr>
-          </a:p>
-          <a:p>
-            <a:endParaRPr lang="fr-FR" altLang="fr-FR" sz="1200" dirty="0">
-              <a:solidFill>
-                <a:schemeClr val="bg1"/>
-              </a:solidFill>
-              <a:highlight>
-                <a:srgbClr val="000000"/>
-              </a:highlight>
-            </a:endParaRPr>
-          </a:p>
-        </p:txBody>
-      </p:sp>
-    </p:spTree>
-    <p:extLst>
-      <p:ext uri="{BB962C8B-B14F-4D97-AF65-F5344CB8AC3E}">
-        <p14:creationId xmlns:p14="http://schemas.microsoft.com/office/powerpoint/2010/main" val="1361115743"/>
-      </p:ext>
-    </p:extLst>
-  </p:cSld>
-  <p:clrMapOvr>
-    <a:masterClrMapping/>
-  </p:clrMapOvr>
-</p:sld>
-</file>
-
-<file path=ppt/slides/slide34.xml><?xml version="1.0" encoding="utf-8"?>
-<p:sld xmlns:a="http://schemas.openxmlformats.org/drawingml/2006/main" xmlns:r="http://schemas.openxmlformats.org/officeDocument/2006/relationships" xmlns:p="http://schemas.openxmlformats.org/presentationml/2006/main">
-  <p:cSld>
-    <p:spTree>
-      <p:nvGrpSpPr>
-        <p:cNvPr id="1" name=""/>
-        <p:cNvGrpSpPr/>
-        <p:nvPr/>
-      </p:nvGrpSpPr>
-      <p:grpSpPr>
-        <a:xfrm>
-          <a:off x="0" y="0"/>
-          <a:ext cx="0" cy="0"/>
-          <a:chOff x="0" y="0"/>
-          <a:chExt cx="0" cy="0"/>
-        </a:xfrm>
-      </p:grpSpPr>
-      <p:sp>
-        <p:nvSpPr>
-          <p:cNvPr id="26626" name="Rectangle 2"/>
-          <p:cNvSpPr>
-            <a:spLocks noGrp="1" noChangeArrowheads="1"/>
-          </p:cNvSpPr>
-          <p:nvPr>
-            <p:ph type="title"/>
-          </p:nvPr>
-        </p:nvSpPr>
-        <p:spPr/>
-        <p:txBody>
-          <a:bodyPr/>
-          <a:lstStyle/>
-          <a:p>
-            <a:r>
-              <a:rPr lang="fr-FR" altLang="fr-FR"/>
-              <a:t>Qu’est-ce qu’un acteur ?</a:t>
-            </a:r>
-          </a:p>
-        </p:txBody>
-      </p:sp>
-      <p:sp>
-        <p:nvSpPr>
-          <p:cNvPr id="26627" name="Rectangle 3"/>
-          <p:cNvSpPr>
-            <a:spLocks noGrp="1" noChangeArrowheads="1"/>
-          </p:cNvSpPr>
-          <p:nvPr>
-            <p:ph type="body" idx="1"/>
-          </p:nvPr>
-        </p:nvSpPr>
-        <p:spPr>
-          <a:xfrm>
-            <a:off x="304800" y="2465388"/>
-            <a:ext cx="8599488" cy="2868612"/>
-          </a:xfrm>
-        </p:spPr>
-        <p:txBody>
-          <a:bodyPr/>
-          <a:lstStyle/>
-          <a:p>
-            <a:r>
-              <a:rPr lang="fr-FR" altLang="fr-FR" sz="2400" dirty="0"/>
-              <a:t>Un </a:t>
-            </a:r>
-            <a:r>
-              <a:rPr lang="fr-FR" altLang="fr-FR" sz="2400" i="1" dirty="0">
-                <a:latin typeface="Century Schoolbook" pitchFamily="18" charset="0"/>
-              </a:rPr>
-              <a:t>acteur</a:t>
-            </a:r>
-            <a:r>
-              <a:rPr lang="fr-FR" altLang="fr-FR" sz="2400" dirty="0"/>
-              <a:t> définit un rôle joué par un utilisateur du système</a:t>
-            </a:r>
-          </a:p>
-          <a:p>
-            <a:pPr lvl="1"/>
-            <a:r>
-              <a:rPr lang="fr-FR" altLang="fr-FR" sz="2000" dirty="0"/>
-              <a:t>Peut être un être humain</a:t>
-            </a:r>
-          </a:p>
-          <a:p>
-            <a:pPr lvl="1"/>
-            <a:r>
-              <a:rPr lang="fr-FR" altLang="fr-FR" sz="2000" dirty="0"/>
-              <a:t>Peut être un autre système</a:t>
-            </a:r>
-          </a:p>
-          <a:p>
-            <a:pPr lvl="1"/>
-            <a:r>
-              <a:rPr lang="fr-FR" altLang="fr-FR" sz="2000" dirty="0"/>
-              <a:t>Peut être le déroulement du temps</a:t>
-            </a:r>
-          </a:p>
-          <a:p>
-            <a:pPr lvl="2"/>
-            <a:r>
-              <a:rPr lang="fr-FR" altLang="fr-FR" sz="1800" dirty="0"/>
-              <a:t>Par exemple, dans une simulation pour laquelle le système fait les calculs lorsque le processeur est inutilisé depuis un certain temps</a:t>
-            </a:r>
-          </a:p>
-          <a:p>
-            <a:r>
-              <a:rPr lang="fr-FR" altLang="fr-FR" sz="2400" dirty="0"/>
-              <a:t>Les acteurs sont par définition en dehors du système à modéliser</a:t>
-            </a:r>
-          </a:p>
-          <a:p>
-            <a:pPr lvl="1"/>
-            <a:r>
-              <a:rPr lang="fr-FR" altLang="fr-FR" sz="2000" dirty="0"/>
-              <a:t>Ils ne sont pas étudiés en détails ; seules leurs interactions avec le système ont de l’intérêt</a:t>
-            </a:r>
-          </a:p>
-        </p:txBody>
-      </p:sp>
-      <p:sp>
-        <p:nvSpPr>
-          <p:cNvPr id="26628" name="Text Box 4"/>
-          <p:cNvSpPr txBox="1">
-            <a:spLocks noChangeArrowheads="1"/>
-          </p:cNvSpPr>
-          <p:nvPr/>
-        </p:nvSpPr>
-        <p:spPr bwMode="blackWhite">
-          <a:xfrm>
-            <a:off x="533400" y="1401763"/>
-            <a:ext cx="8001000" cy="960437"/>
-          </a:xfrm>
-          <a:prstGeom prst="rect">
-            <a:avLst/>
-          </a:prstGeom>
-          <a:solidFill>
-            <a:srgbClr val="FFFFCC"/>
-          </a:solidFill>
-          <a:ln w="12700">
-            <a:solidFill>
-              <a:schemeClr val="tx1"/>
-            </a:solidFill>
-            <a:miter lim="800000"/>
-            <a:headEnd/>
-            <a:tailEnd/>
-          </a:ln>
-          <a:effectLst>
-            <a:outerShdw dist="35921" dir="2700000" algn="ctr" rotWithShape="0">
-              <a:schemeClr val="tx1"/>
-            </a:outerShdw>
-          </a:effectLst>
-        </p:spPr>
-        <p:txBody>
-          <a:bodyPr/>
-          <a:lstStyle/>
-          <a:p>
-            <a:pPr algn="ctr"/>
-            <a:r>
-              <a:rPr lang="fr-FR" altLang="fr-FR" sz="1800" b="1" i="1" dirty="0">
-                <a:solidFill>
-                  <a:schemeClr val="bg1"/>
-                </a:solidFill>
-                <a:highlight>
-                  <a:srgbClr val="000000"/>
-                </a:highlight>
-                <a:latin typeface="Century Schoolbook" pitchFamily="18" charset="0"/>
-              </a:rPr>
               <a:t>“Une idéalisation d’une personne extérieure, d’un processus ou de quelque chose qui interagit avec un système, un sous-système ou une classe”</a:t>
             </a:r>
             <a:r>
@@ -15462,7 +14308,7 @@
 </p:sld>
 </file>
 
-<file path=ppt/slides/slide35.xml><?xml version="1.0" encoding="utf-8"?>
+<file path=ppt/slides/slide31.xml><?xml version="1.0" encoding="utf-8"?>
 <p:sld xmlns:a="http://schemas.openxmlformats.org/drawingml/2006/main" xmlns:r="http://schemas.openxmlformats.org/officeDocument/2006/relationships" xmlns:p="http://schemas.openxmlformats.org/presentationml/2006/main">
   <p:cSld>
     <p:spTree>
@@ -16023,7 +14869,7 @@
 </p:sld>
 </file>
 
-<file path=ppt/slides/slide36.xml><?xml version="1.0" encoding="utf-8"?>
+<file path=ppt/slides/slide32.xml><?xml version="1.0" encoding="utf-8"?>
 <p:sld xmlns:a="http://schemas.openxmlformats.org/drawingml/2006/main" xmlns:r="http://schemas.openxmlformats.org/officeDocument/2006/relationships" xmlns:p="http://schemas.openxmlformats.org/presentationml/2006/main">
   <p:cSld>
     <p:spTree>
@@ -16181,7 +15027,7 @@
 </p:sld>
 </file>
 
-<file path=ppt/slides/slide37.xml><?xml version="1.0" encoding="utf-8"?>
+<file path=ppt/slides/slide33.xml><?xml version="1.0" encoding="utf-8"?>
 <p:sld xmlns:a="http://schemas.openxmlformats.org/drawingml/2006/main" xmlns:r="http://schemas.openxmlformats.org/officeDocument/2006/relationships" xmlns:p="http://schemas.openxmlformats.org/presentationml/2006/main">
   <p:cSld>
     <p:spTree>
@@ -16328,7 +15174,7 @@
 </p:sld>
 </file>
 
-<file path=ppt/slides/slide38.xml><?xml version="1.0" encoding="utf-8"?>
+<file path=ppt/slides/slide34.xml><?xml version="1.0" encoding="utf-8"?>
 <p:sld xmlns:a="http://schemas.openxmlformats.org/drawingml/2006/main" xmlns:r="http://schemas.openxmlformats.org/officeDocument/2006/relationships" xmlns:p="http://schemas.openxmlformats.org/presentationml/2006/main">
   <p:cSld>
     <p:spTree>
@@ -16481,7 +15327,7 @@
 </p:sld>
 </file>
 
-<file path=ppt/slides/slide39.xml><?xml version="1.0" encoding="utf-8"?>
+<file path=ppt/slides/slide35.xml><?xml version="1.0" encoding="utf-8"?>
 <p:sld xmlns:a="http://schemas.openxmlformats.org/drawingml/2006/main" xmlns:r="http://schemas.openxmlformats.org/officeDocument/2006/relationships" xmlns:p="http://schemas.openxmlformats.org/presentationml/2006/main">
   <p:cSld>
     <p:spTree>
@@ -16782,93 +15628,7 @@
 </p:sld>
 </file>
 
-<file path=ppt/slides/slide4.xml><?xml version="1.0" encoding="utf-8"?>
-<p:sld xmlns:a="http://schemas.openxmlformats.org/drawingml/2006/main" xmlns:r="http://schemas.openxmlformats.org/officeDocument/2006/relationships" xmlns:p="http://schemas.openxmlformats.org/presentationml/2006/main">
-  <p:cSld>
-    <p:spTree>
-      <p:nvGrpSpPr>
-        <p:cNvPr id="1" name=""/>
-        <p:cNvGrpSpPr/>
-        <p:nvPr/>
-      </p:nvGrpSpPr>
-      <p:grpSpPr>
-        <a:xfrm>
-          <a:off x="0" y="0"/>
-          <a:ext cx="0" cy="0"/>
-          <a:chOff x="0" y="0"/>
-          <a:chExt cx="0" cy="0"/>
-        </a:xfrm>
-      </p:grpSpPr>
-      <p:sp>
-        <p:nvSpPr>
-          <p:cNvPr id="2" name="Titre 1">
-            <a:extLst>
-              <a:ext uri="{FF2B5EF4-FFF2-40B4-BE49-F238E27FC236}">
-                <a16:creationId xmlns:a16="http://schemas.microsoft.com/office/drawing/2014/main" id="{F8C635DD-F7BE-F10B-30FB-2CA6A55181DD}"/>
-              </a:ext>
-            </a:extLst>
-          </p:cNvPr>
-          <p:cNvSpPr>
-            <a:spLocks noGrp="1"/>
-          </p:cNvSpPr>
-          <p:nvPr>
-            <p:ph type="title"/>
-          </p:nvPr>
-        </p:nvSpPr>
-        <p:spPr/>
-        <p:txBody>
-          <a:bodyPr/>
-          <a:lstStyle/>
-          <a:p>
-            <a:r>
-              <a:rPr lang="fr-FR" dirty="0"/>
-              <a:t>Buts</a:t>
-            </a:r>
-          </a:p>
-        </p:txBody>
-      </p:sp>
-      <p:sp>
-        <p:nvSpPr>
-          <p:cNvPr id="3" name="Espace réservé du contenu 2">
-            <a:extLst>
-              <a:ext uri="{FF2B5EF4-FFF2-40B4-BE49-F238E27FC236}">
-                <a16:creationId xmlns:a16="http://schemas.microsoft.com/office/drawing/2014/main" id="{2A9568B6-73A1-39D5-AC35-E70C31ED9947}"/>
-              </a:ext>
-            </a:extLst>
-          </p:cNvPr>
-          <p:cNvSpPr>
-            <a:spLocks noGrp="1"/>
-          </p:cNvSpPr>
-          <p:nvPr>
-            <p:ph idx="1"/>
-          </p:nvPr>
-        </p:nvSpPr>
-        <p:spPr/>
-        <p:txBody>
-          <a:bodyPr/>
-          <a:lstStyle/>
-          <a:p>
-            <a:r>
-              <a:rPr lang="fr-FR" dirty="0"/>
-              <a:t>Afin de confirmer et de documenter la compréhension des différentes perspectives, ce qui conduit à des applications qui correspondent davantage aux exigences commerciales actuelles et futures, et crée une base pour mener à bien des initiatives de grande envergure telles que les programmes de gestion des données de référence et de gouvernance des données</a:t>
-            </a:r>
-          </a:p>
-        </p:txBody>
-      </p:sp>
-    </p:spTree>
-    <p:extLst>
-      <p:ext uri="{BB962C8B-B14F-4D97-AF65-F5344CB8AC3E}">
-        <p14:creationId xmlns:p14="http://schemas.microsoft.com/office/powerpoint/2010/main" val="3245922465"/>
-      </p:ext>
-    </p:extLst>
-  </p:cSld>
-  <p:clrMapOvr>
-    <a:masterClrMapping/>
-  </p:clrMapOvr>
-</p:sld>
-</file>
-
-<file path=ppt/slides/slide40.xml><?xml version="1.0" encoding="utf-8"?>
+<file path=ppt/slides/slide36.xml><?xml version="1.0" encoding="utf-8"?>
 <p:sld xmlns:a="http://schemas.openxmlformats.org/drawingml/2006/main" xmlns:r="http://schemas.openxmlformats.org/officeDocument/2006/relationships" xmlns:p="http://schemas.openxmlformats.org/presentationml/2006/main">
   <p:cSld>
     <p:spTree>
@@ -16966,7 +15726,7 @@
 </p:sld>
 </file>
 
-<file path=ppt/slides/slide41.xml><?xml version="1.0" encoding="utf-8"?>
+<file path=ppt/slides/slide37.xml><?xml version="1.0" encoding="utf-8"?>
 <p:sld xmlns:a="http://schemas.openxmlformats.org/drawingml/2006/main" xmlns:r="http://schemas.openxmlformats.org/officeDocument/2006/relationships" xmlns:p="http://schemas.openxmlformats.org/presentationml/2006/main">
   <p:cSld>
     <p:spTree>
@@ -17034,7 +15794,7 @@
           <a:p>
             <a:r>
               <a:rPr lang="fr-FR" dirty="0"/>
-              <a:t>yuml.me</a:t>
+              <a:t>Faire un Use Case sur yuml.me</a:t>
             </a:r>
           </a:p>
         </p:txBody>
@@ -17052,7 +15812,7 @@
 </p:sld>
 </file>
 
-<file path=ppt/slides/slide42.xml><?xml version="1.0" encoding="utf-8"?>
+<file path=ppt/slides/slide38.xml><?xml version="1.0" encoding="utf-8"?>
 <p:sld xmlns:a="http://schemas.openxmlformats.org/drawingml/2006/main" xmlns:r="http://schemas.openxmlformats.org/officeDocument/2006/relationships" xmlns:p="http://schemas.openxmlformats.org/presentationml/2006/main">
   <p:cSld>
     <p:spTree>
@@ -17145,7 +15905,7 @@
 </p:sld>
 </file>
 
-<file path=ppt/slides/slide43.xml><?xml version="1.0" encoding="utf-8"?>
+<file path=ppt/slides/slide39.xml><?xml version="1.0" encoding="utf-8"?>
 <p:sld xmlns:a="http://schemas.openxmlformats.org/drawingml/2006/main" xmlns:r="http://schemas.openxmlformats.org/officeDocument/2006/relationships" xmlns:p="http://schemas.openxmlformats.org/presentationml/2006/main">
   <p:cSld>
     <p:spTree>
@@ -17375,7 +16135,7 @@
 </p:sld>
 </file>
 
-<file path=ppt/slides/slide44.xml><?xml version="1.0" encoding="utf-8"?>
+<file path=ppt/slides/slide4.xml><?xml version="1.0" encoding="utf-8"?>
 <p:sld xmlns:a="http://schemas.openxmlformats.org/drawingml/2006/main" xmlns:r="http://schemas.openxmlformats.org/officeDocument/2006/relationships" xmlns:p="http://schemas.openxmlformats.org/presentationml/2006/main">
   <p:cSld>
     <p:spTree>
@@ -17394,6 +16154,92 @@
       </p:grpSpPr>
       <p:sp>
         <p:nvSpPr>
+          <p:cNvPr id="2" name="Titre 1">
+            <a:extLst>
+              <a:ext uri="{FF2B5EF4-FFF2-40B4-BE49-F238E27FC236}">
+                <a16:creationId xmlns:a16="http://schemas.microsoft.com/office/drawing/2014/main" id="{F8C635DD-F7BE-F10B-30FB-2CA6A55181DD}"/>
+              </a:ext>
+            </a:extLst>
+          </p:cNvPr>
+          <p:cNvSpPr>
+            <a:spLocks noGrp="1"/>
+          </p:cNvSpPr>
+          <p:nvPr>
+            <p:ph type="title"/>
+          </p:nvPr>
+        </p:nvSpPr>
+        <p:spPr/>
+        <p:txBody>
+          <a:bodyPr/>
+          <a:lstStyle/>
+          <a:p>
+            <a:r>
+              <a:rPr lang="fr-FR" dirty="0"/>
+              <a:t>Buts</a:t>
+            </a:r>
+          </a:p>
+        </p:txBody>
+      </p:sp>
+      <p:sp>
+        <p:nvSpPr>
+          <p:cNvPr id="3" name="Espace réservé du contenu 2">
+            <a:extLst>
+              <a:ext uri="{FF2B5EF4-FFF2-40B4-BE49-F238E27FC236}">
+                <a16:creationId xmlns:a16="http://schemas.microsoft.com/office/drawing/2014/main" id="{2A9568B6-73A1-39D5-AC35-E70C31ED9947}"/>
+              </a:ext>
+            </a:extLst>
+          </p:cNvPr>
+          <p:cNvSpPr>
+            <a:spLocks noGrp="1"/>
+          </p:cNvSpPr>
+          <p:nvPr>
+            <p:ph idx="1"/>
+          </p:nvPr>
+        </p:nvSpPr>
+        <p:spPr/>
+        <p:txBody>
+          <a:bodyPr/>
+          <a:lstStyle/>
+          <a:p>
+            <a:r>
+              <a:rPr lang="fr-FR" dirty="0"/>
+              <a:t>Afin de confirmer et de documenter la compréhension des différentes perspectives, ce qui conduit à des applications qui correspondent davantage aux exigences commerciales actuelles et futures, et crée une base pour mener à bien des initiatives de grande envergure telles que les programmes de gestion des données de référence et de gouvernance des données</a:t>
+            </a:r>
+          </a:p>
+        </p:txBody>
+      </p:sp>
+    </p:spTree>
+    <p:extLst>
+      <p:ext uri="{BB962C8B-B14F-4D97-AF65-F5344CB8AC3E}">
+        <p14:creationId xmlns:p14="http://schemas.microsoft.com/office/powerpoint/2010/main" val="3245922465"/>
+      </p:ext>
+    </p:extLst>
+  </p:cSld>
+  <p:clrMapOvr>
+    <a:masterClrMapping/>
+  </p:clrMapOvr>
+</p:sld>
+</file>
+
+<file path=ppt/slides/slide40.xml><?xml version="1.0" encoding="utf-8"?>
+<p:sld xmlns:a="http://schemas.openxmlformats.org/drawingml/2006/main" xmlns:r="http://schemas.openxmlformats.org/officeDocument/2006/relationships" xmlns:p="http://schemas.openxmlformats.org/presentationml/2006/main">
+  <p:cSld>
+    <p:spTree>
+      <p:nvGrpSpPr>
+        <p:cNvPr id="1" name=""/>
+        <p:cNvGrpSpPr/>
+        <p:nvPr/>
+      </p:nvGrpSpPr>
+      <p:grpSpPr>
+        <a:xfrm>
+          <a:off x="0" y="0"/>
+          <a:ext cx="0" cy="0"/>
+          <a:chOff x="0" y="0"/>
+          <a:chExt cx="0" cy="0"/>
+        </a:xfrm>
+      </p:grpSpPr>
+      <p:sp>
+        <p:nvSpPr>
           <p:cNvPr id="55298" name="Rectangle 2"/>
           <p:cNvSpPr>
             <a:spLocks noGrp="1" noChangeArrowheads="1"/>
@@ -17552,7 +16398,7 @@
 </p:sld>
 </file>
 
-<file path=ppt/slides/slide45.xml><?xml version="1.0" encoding="utf-8"?>
+<file path=ppt/slides/slide41.xml><?xml version="1.0" encoding="utf-8"?>
 <p:sld xmlns:a="http://schemas.openxmlformats.org/drawingml/2006/main" xmlns:r="http://schemas.openxmlformats.org/officeDocument/2006/relationships" xmlns:p="http://schemas.openxmlformats.org/presentationml/2006/main">
   <p:cSld>
     <p:spTree>
@@ -18319,7 +17165,7 @@
 </p:sld>
 </file>
 
-<file path=ppt/slides/slide46.xml><?xml version="1.0" encoding="utf-8"?>
+<file path=ppt/slides/slide42.xml><?xml version="1.0" encoding="utf-8"?>
 <p:sld xmlns:a="http://schemas.openxmlformats.org/drawingml/2006/main" xmlns:r="http://schemas.openxmlformats.org/officeDocument/2006/relationships" xmlns:p="http://schemas.openxmlformats.org/presentationml/2006/main">
   <p:cSld>
     <p:spTree>
@@ -18486,7 +17332,7 @@
 </p:sld>
 </file>
 
-<file path=ppt/slides/slide47.xml><?xml version="1.0" encoding="utf-8"?>
+<file path=ppt/slides/slide43.xml><?xml version="1.0" encoding="utf-8"?>
 <p:sld xmlns:a="http://schemas.openxmlformats.org/drawingml/2006/main" xmlns:r="http://schemas.openxmlformats.org/officeDocument/2006/relationships" xmlns:p="http://schemas.openxmlformats.org/presentationml/2006/main">
   <p:cSld>
     <p:spTree>
@@ -18752,7 +17598,7 @@
 </p:sld>
 </file>
 
-<file path=ppt/slides/slide48.xml><?xml version="1.0" encoding="utf-8"?>
+<file path=ppt/slides/slide44.xml><?xml version="1.0" encoding="utf-8"?>
 <p:sld xmlns:a="http://schemas.openxmlformats.org/drawingml/2006/main" xmlns:r="http://schemas.openxmlformats.org/officeDocument/2006/relationships" xmlns:p="http://schemas.openxmlformats.org/presentationml/2006/main">
   <p:cSld>
     <p:spTree>
@@ -18999,267 +17845,7 @@
 </p:sld>
 </file>
 
-<file path=ppt/slides/slide49.xml><?xml version="1.0" encoding="utf-8"?>
-<p:sld xmlns:a="http://schemas.openxmlformats.org/drawingml/2006/main" xmlns:r="http://schemas.openxmlformats.org/officeDocument/2006/relationships" xmlns:p="http://schemas.openxmlformats.org/presentationml/2006/main">
-  <p:cSld>
-    <p:spTree>
-      <p:nvGrpSpPr>
-        <p:cNvPr id="1" name=""/>
-        <p:cNvGrpSpPr/>
-        <p:nvPr/>
-      </p:nvGrpSpPr>
-      <p:grpSpPr>
-        <a:xfrm>
-          <a:off x="0" y="0"/>
-          <a:ext cx="0" cy="0"/>
-          <a:chOff x="0" y="0"/>
-          <a:chExt cx="0" cy="0"/>
-        </a:xfrm>
-      </p:grpSpPr>
-      <p:sp>
-        <p:nvSpPr>
-          <p:cNvPr id="84994" name="Rectangle 2"/>
-          <p:cNvSpPr>
-            <a:spLocks noGrp="1" noChangeArrowheads="1"/>
-          </p:cNvSpPr>
-          <p:nvPr>
-            <p:ph type="title"/>
-          </p:nvPr>
-        </p:nvSpPr>
-        <p:spPr/>
-        <p:txBody>
-          <a:bodyPr/>
-          <a:lstStyle/>
-          <a:p>
-            <a:r>
-              <a:rPr lang="fr-FR" altLang="fr-FR"/>
-              <a:t>Notation des associations en UML</a:t>
-            </a:r>
-          </a:p>
-        </p:txBody>
-      </p:sp>
-      <p:sp>
-        <p:nvSpPr>
-          <p:cNvPr id="84995" name="Rectangle 3"/>
-          <p:cNvSpPr>
-            <a:spLocks noGrp="1" noChangeArrowheads="1"/>
-          </p:cNvSpPr>
-          <p:nvPr>
-            <p:ph type="body" idx="1"/>
-          </p:nvPr>
-        </p:nvSpPr>
-        <p:spPr>
-          <a:xfrm>
-            <a:off x="279400" y="1312863"/>
-            <a:ext cx="8599488" cy="941387"/>
-          </a:xfrm>
-        </p:spPr>
-        <p:txBody>
-          <a:bodyPr/>
-          <a:lstStyle/>
-          <a:p>
-            <a:r>
-              <a:rPr lang="fr-FR" altLang="fr-FR"/>
-              <a:t>Une association peut être </a:t>
-            </a:r>
-            <a:r>
-              <a:rPr lang="fr-FR" altLang="fr-FR" i="1">
-                <a:latin typeface="Century Schoolbook" pitchFamily="18" charset="0"/>
-              </a:rPr>
-              <a:t>décorée</a:t>
-            </a:r>
-            <a:r>
-              <a:rPr lang="fr-FR" altLang="fr-FR"/>
-              <a:t> par des expressions afin d’ajouter des précisions au modèle</a:t>
-            </a:r>
-          </a:p>
-          <a:p>
-            <a:pPr lvl="1"/>
-            <a:r>
-              <a:rPr lang="fr-FR" altLang="fr-FR"/>
-              <a:t>Aucune de ces </a:t>
-            </a:r>
-            <a:r>
-              <a:rPr lang="fr-FR" altLang="fr-FR" i="1">
-                <a:latin typeface="Century Schoolbook" pitchFamily="18" charset="0"/>
-              </a:rPr>
-              <a:t>décorations</a:t>
-            </a:r>
-            <a:r>
-              <a:rPr lang="fr-FR" altLang="fr-FR"/>
-              <a:t> n’est obligatoire</a:t>
-            </a:r>
-          </a:p>
-        </p:txBody>
-      </p:sp>
-      <p:pic>
-        <p:nvPicPr>
-          <p:cNvPr id="85001" name="Picture 9" descr="2-37-diag-classes"/>
-          <p:cNvPicPr>
-            <a:picLocks noChangeAspect="1" noChangeArrowheads="1"/>
-          </p:cNvPicPr>
-          <p:nvPr/>
-        </p:nvPicPr>
-        <p:blipFill>
-          <a:blip r:embed="rId3">
-            <a:extLst>
-              <a:ext uri="{28A0092B-C50C-407E-A947-70E740481C1C}">
-                <a14:useLocalDpi xmlns:a14="http://schemas.microsoft.com/office/drawing/2010/main" val="0"/>
-              </a:ext>
-            </a:extLst>
-          </a:blip>
-          <a:srcRect/>
-          <a:stretch>
-            <a:fillRect/>
-          </a:stretch>
-        </p:blipFill>
-        <p:spPr bwMode="auto">
-          <a:xfrm>
-            <a:off x="762000" y="2514600"/>
-            <a:ext cx="7010400" cy="3095625"/>
-          </a:xfrm>
-          <a:prstGeom prst="rect">
-            <a:avLst/>
-          </a:prstGeom>
-          <a:noFill/>
-          <a:extLst>
-            <a:ext uri="{909E8E84-426E-40DD-AFC4-6F175D3DCCD1}">
-              <a14:hiddenFill xmlns:a14="http://schemas.microsoft.com/office/drawing/2010/main">
-                <a:solidFill>
-                  <a:srgbClr val="FFFFFF"/>
-                </a:solidFill>
-              </a14:hiddenFill>
-            </a:ext>
-          </a:extLst>
-        </p:spPr>
-      </p:pic>
-    </p:spTree>
-    <p:extLst>
-      <p:ext uri="{BB962C8B-B14F-4D97-AF65-F5344CB8AC3E}">
-        <p14:creationId xmlns:p14="http://schemas.microsoft.com/office/powerpoint/2010/main" val="1861927308"/>
-      </p:ext>
-    </p:extLst>
-  </p:cSld>
-  <p:clrMapOvr>
-    <a:masterClrMapping/>
-  </p:clrMapOvr>
-</p:sld>
-</file>
-
-<file path=ppt/slides/slide5.xml><?xml version="1.0" encoding="utf-8"?>
-<p:sld xmlns:a="http://schemas.openxmlformats.org/drawingml/2006/main" xmlns:r="http://schemas.openxmlformats.org/officeDocument/2006/relationships" xmlns:p="http://schemas.openxmlformats.org/presentationml/2006/main">
-  <p:cSld>
-    <p:spTree>
-      <p:nvGrpSpPr>
-        <p:cNvPr id="1" name=""/>
-        <p:cNvGrpSpPr/>
-        <p:nvPr/>
-      </p:nvGrpSpPr>
-      <p:grpSpPr>
-        <a:xfrm>
-          <a:off x="0" y="0"/>
-          <a:ext cx="0" cy="0"/>
-          <a:chOff x="0" y="0"/>
-          <a:chExt cx="0" cy="0"/>
-        </a:xfrm>
-      </p:grpSpPr>
-      <p:sp>
-        <p:nvSpPr>
-          <p:cNvPr id="2" name="Titre 1">
-            <a:extLst>
-              <a:ext uri="{FF2B5EF4-FFF2-40B4-BE49-F238E27FC236}">
-                <a16:creationId xmlns:a16="http://schemas.microsoft.com/office/drawing/2014/main" id="{86EBFF27-D818-19A3-9D28-E00FC84CB9C1}"/>
-              </a:ext>
-            </a:extLst>
-          </p:cNvPr>
-          <p:cNvSpPr>
-            <a:spLocks noGrp="1"/>
-          </p:cNvSpPr>
-          <p:nvPr>
-            <p:ph type="title"/>
-          </p:nvPr>
-        </p:nvSpPr>
-        <p:spPr/>
-        <p:txBody>
-          <a:bodyPr/>
-          <a:lstStyle/>
-          <a:p>
-            <a:r>
-              <a:rPr lang="fr-FR" dirty="0"/>
-              <a:t>Architecture générale</a:t>
-            </a:r>
-          </a:p>
-        </p:txBody>
-      </p:sp>
-      <p:sp>
-        <p:nvSpPr>
-          <p:cNvPr id="3" name="Espace réservé du contenu 2">
-            <a:extLst>
-              <a:ext uri="{FF2B5EF4-FFF2-40B4-BE49-F238E27FC236}">
-                <a16:creationId xmlns:a16="http://schemas.microsoft.com/office/drawing/2014/main" id="{75A4AAFF-5674-E456-A5D9-2EC1439921B8}"/>
-              </a:ext>
-            </a:extLst>
-          </p:cNvPr>
-          <p:cNvSpPr>
-            <a:spLocks noGrp="1"/>
-          </p:cNvSpPr>
-          <p:nvPr>
-            <p:ph idx="1"/>
-          </p:nvPr>
-        </p:nvSpPr>
-        <p:spPr/>
-        <p:txBody>
-          <a:bodyPr/>
-          <a:lstStyle/>
-          <a:p>
-            <a:endParaRPr lang="fr-FR"/>
-          </a:p>
-        </p:txBody>
-      </p:sp>
-      <p:pic>
-        <p:nvPicPr>
-          <p:cNvPr id="5" name="Image 4" descr="Une image contenant texte, capture d’écran, Police, conception&#10;&#10;Le contenu généré par l’IA peut être incorrect.">
-            <a:extLst>
-              <a:ext uri="{FF2B5EF4-FFF2-40B4-BE49-F238E27FC236}">
-                <a16:creationId xmlns:a16="http://schemas.microsoft.com/office/drawing/2014/main" id="{8EB68DEA-849A-971E-FC9B-725729D67264}"/>
-              </a:ext>
-            </a:extLst>
-          </p:cNvPr>
-          <p:cNvPicPr>
-            <a:picLocks noChangeAspect="1"/>
-          </p:cNvPicPr>
-          <p:nvPr/>
-        </p:nvPicPr>
-        <p:blipFill>
-          <a:blip r:embed="rId2"/>
-          <a:stretch>
-            <a:fillRect/>
-          </a:stretch>
-        </p:blipFill>
-        <p:spPr>
-          <a:xfrm>
-            <a:off x="1187624" y="1143515"/>
-            <a:ext cx="7272808" cy="5947133"/>
-          </a:xfrm>
-          <a:prstGeom prst="rect">
-            <a:avLst/>
-          </a:prstGeom>
-        </p:spPr>
-      </p:pic>
-    </p:spTree>
-    <p:extLst>
-      <p:ext uri="{BB962C8B-B14F-4D97-AF65-F5344CB8AC3E}">
-        <p14:creationId xmlns:p14="http://schemas.microsoft.com/office/powerpoint/2010/main" val="3200730142"/>
-      </p:ext>
-    </p:extLst>
-  </p:cSld>
-  <p:clrMapOvr>
-    <a:masterClrMapping/>
-  </p:clrMapOvr>
-</p:sld>
-</file>
-
-<file path=ppt/slides/slide50.xml><?xml version="1.0" encoding="utf-8"?>
+<file path=ppt/slides/slide45.xml><?xml version="1.0" encoding="utf-8"?>
 <p:sld xmlns:a="http://schemas.openxmlformats.org/drawingml/2006/main" xmlns:r="http://schemas.openxmlformats.org/officeDocument/2006/relationships" xmlns:p="http://schemas.openxmlformats.org/presentationml/2006/main">
   <p:cSld>
     <p:spTree>
@@ -19357,7 +17943,7 @@
 </p:sld>
 </file>
 
-<file path=ppt/slides/slide51.xml><?xml version="1.0" encoding="utf-8"?>
+<file path=ppt/slides/slide46.xml><?xml version="1.0" encoding="utf-8"?>
 <p:sld xmlns:a="http://schemas.openxmlformats.org/drawingml/2006/main" xmlns:r="http://schemas.openxmlformats.org/officeDocument/2006/relationships" xmlns:p="http://schemas.openxmlformats.org/presentationml/2006/main">
   <p:cSld>
     <p:spTree>
@@ -19423,7 +18009,34 @@
           <a:bodyPr/>
           <a:lstStyle/>
           <a:p>
-            <a:endParaRPr lang="fr-FR"/>
+            <a:r>
+              <a:rPr lang="fr-FR" dirty="0"/>
+              <a:t>Démonstration de </a:t>
+            </a:r>
+            <a:r>
+              <a:rPr lang="fr-FR" dirty="0" err="1"/>
+              <a:t>Dbeaver</a:t>
+            </a:r>
+            <a:r>
+              <a:rPr lang="fr-FR" dirty="0"/>
+              <a:t> et </a:t>
+            </a:r>
+            <a:r>
+              <a:rPr lang="fr-FR" dirty="0" err="1"/>
+              <a:t>pgadmin</a:t>
+            </a:r>
+            <a:endParaRPr lang="fr-FR" dirty="0"/>
+          </a:p>
+          <a:p>
+            <a:r>
+              <a:rPr lang="fr-FR" dirty="0"/>
+              <a:t>Créer un diagramme de classe sur yuml</a:t>
+            </a:r>
+            <a:r>
+              <a:rPr lang="fr-FR"/>
+              <a:t>.me</a:t>
+            </a:r>
+            <a:endParaRPr lang="fr-FR" dirty="0"/>
           </a:p>
         </p:txBody>
       </p:sp>
@@ -19440,7 +18053,7 @@
 </p:sld>
 </file>
 
-<file path=ppt/slides/slide52.xml><?xml version="1.0" encoding="utf-8"?>
+<file path=ppt/slides/slide47.xml><?xml version="1.0" encoding="utf-8"?>
 <p:sld xmlns:a="http://schemas.openxmlformats.org/drawingml/2006/main" xmlns:r="http://schemas.openxmlformats.org/officeDocument/2006/relationships" xmlns:p="http://schemas.openxmlformats.org/presentationml/2006/main">
   <p:cSld>
     <p:spTree>
@@ -19673,7 +18286,7 @@
 </p:sld>
 </file>
 
-<file path=ppt/slides/slide53.xml><?xml version="1.0" encoding="utf-8"?>
+<file path=ppt/slides/slide48.xml><?xml version="1.0" encoding="utf-8"?>
 <p:sld xmlns:a="http://schemas.openxmlformats.org/drawingml/2006/main" xmlns:r="http://schemas.openxmlformats.org/officeDocument/2006/relationships" xmlns:p="http://schemas.openxmlformats.org/presentationml/2006/main">
   <p:cSld>
     <p:spTree>
@@ -19793,7 +18406,7 @@
 </p:sld>
 </file>
 
-<file path=ppt/slides/slide54.xml><?xml version="1.0" encoding="utf-8"?>
+<file path=ppt/slides/slide49.xml><?xml version="1.0" encoding="utf-8"?>
 <p:sld xmlns:a="http://schemas.openxmlformats.org/drawingml/2006/main" xmlns:r="http://schemas.openxmlformats.org/officeDocument/2006/relationships" xmlns:p="http://schemas.openxmlformats.org/presentationml/2006/main">
   <p:cSld>
     <p:spTree>
@@ -19931,7 +18544,120 @@
 </p:sld>
 </file>
 
-<file path=ppt/slides/slide55.xml><?xml version="1.0" encoding="utf-8"?>
+<file path=ppt/slides/slide5.xml><?xml version="1.0" encoding="utf-8"?>
+<p:sld xmlns:a="http://schemas.openxmlformats.org/drawingml/2006/main" xmlns:r="http://schemas.openxmlformats.org/officeDocument/2006/relationships" xmlns:p="http://schemas.openxmlformats.org/presentationml/2006/main">
+  <p:cSld>
+    <p:spTree>
+      <p:nvGrpSpPr>
+        <p:cNvPr id="1" name=""/>
+        <p:cNvGrpSpPr/>
+        <p:nvPr/>
+      </p:nvGrpSpPr>
+      <p:grpSpPr>
+        <a:xfrm>
+          <a:off x="0" y="0"/>
+          <a:ext cx="0" cy="0"/>
+          <a:chOff x="0" y="0"/>
+          <a:chExt cx="0" cy="0"/>
+        </a:xfrm>
+      </p:grpSpPr>
+      <p:sp>
+        <p:nvSpPr>
+          <p:cNvPr id="2" name="Titre 1">
+            <a:extLst>
+              <a:ext uri="{FF2B5EF4-FFF2-40B4-BE49-F238E27FC236}">
+                <a16:creationId xmlns:a16="http://schemas.microsoft.com/office/drawing/2014/main" id="{86EBFF27-D818-19A3-9D28-E00FC84CB9C1}"/>
+              </a:ext>
+            </a:extLst>
+          </p:cNvPr>
+          <p:cNvSpPr>
+            <a:spLocks noGrp="1"/>
+          </p:cNvSpPr>
+          <p:nvPr>
+            <p:ph type="title"/>
+          </p:nvPr>
+        </p:nvSpPr>
+        <p:spPr/>
+        <p:txBody>
+          <a:bodyPr/>
+          <a:lstStyle/>
+          <a:p>
+            <a:r>
+              <a:rPr lang="fr-FR" dirty="0"/>
+              <a:t>Architecture générale</a:t>
+            </a:r>
+          </a:p>
+        </p:txBody>
+      </p:sp>
+      <p:sp>
+        <p:nvSpPr>
+          <p:cNvPr id="3" name="Espace réservé du contenu 2">
+            <a:extLst>
+              <a:ext uri="{FF2B5EF4-FFF2-40B4-BE49-F238E27FC236}">
+                <a16:creationId xmlns:a16="http://schemas.microsoft.com/office/drawing/2014/main" id="{75A4AAFF-5674-E456-A5D9-2EC1439921B8}"/>
+              </a:ext>
+            </a:extLst>
+          </p:cNvPr>
+          <p:cNvSpPr>
+            <a:spLocks noGrp="1"/>
+          </p:cNvSpPr>
+          <p:nvPr>
+            <p:ph idx="1"/>
+          </p:nvPr>
+        </p:nvSpPr>
+        <p:spPr/>
+        <p:txBody>
+          <a:bodyPr/>
+          <a:lstStyle/>
+          <a:p>
+            <a:endParaRPr lang="fr-FR"/>
+          </a:p>
+        </p:txBody>
+      </p:sp>
+      <p:pic>
+        <p:nvPicPr>
+          <p:cNvPr id="5" name="Image 4" descr="Une image contenant texte, capture d’écran, Police, conception&#10;&#10;Le contenu généré par l’IA peut être incorrect.">
+            <a:extLst>
+              <a:ext uri="{FF2B5EF4-FFF2-40B4-BE49-F238E27FC236}">
+                <a16:creationId xmlns:a16="http://schemas.microsoft.com/office/drawing/2014/main" id="{8EB68DEA-849A-971E-FC9B-725729D67264}"/>
+              </a:ext>
+            </a:extLst>
+          </p:cNvPr>
+          <p:cNvPicPr>
+            <a:picLocks noChangeAspect="1"/>
+          </p:cNvPicPr>
+          <p:nvPr/>
+        </p:nvPicPr>
+        <p:blipFill>
+          <a:blip r:embed="rId2"/>
+          <a:stretch>
+            <a:fillRect/>
+          </a:stretch>
+        </p:blipFill>
+        <p:spPr>
+          <a:xfrm>
+            <a:off x="1187624" y="1143515"/>
+            <a:ext cx="7272808" cy="5947133"/>
+          </a:xfrm>
+          <a:prstGeom prst="rect">
+            <a:avLst/>
+          </a:prstGeom>
+        </p:spPr>
+      </p:pic>
+    </p:spTree>
+    <p:extLst>
+      <p:ext uri="{BB962C8B-B14F-4D97-AF65-F5344CB8AC3E}">
+        <p14:creationId xmlns:p14="http://schemas.microsoft.com/office/powerpoint/2010/main" val="3200730142"/>
+      </p:ext>
+    </p:extLst>
+  </p:cSld>
+  <p:clrMapOvr>
+    <a:masterClrMapping/>
+  </p:clrMapOvr>
+</p:sld>
+</file>
+
+<file path=ppt/slides/slide50.xml><?xml version="1.0" encoding="utf-8"?>
 <p:sld xmlns:a="http://schemas.openxmlformats.org/drawingml/2006/main" xmlns:r="http://schemas.openxmlformats.org/officeDocument/2006/relationships" xmlns:p="http://schemas.openxmlformats.org/presentationml/2006/main">
   <p:cSld>
     <p:spTree>
@@ -20154,7 +18880,7 @@
 </p:sld>
 </file>
 
-<file path=ppt/slides/slide56.xml><?xml version="1.0" encoding="utf-8"?>
+<file path=ppt/slides/slide51.xml><?xml version="1.0" encoding="utf-8"?>
 <p:sld xmlns:a="http://schemas.openxmlformats.org/drawingml/2006/main" xmlns:r="http://schemas.openxmlformats.org/officeDocument/2006/relationships" xmlns:p="http://schemas.openxmlformats.org/presentationml/2006/main">
   <p:cSld>
     <p:spTree>
@@ -20299,7 +19025,7 @@
 </p:sld>
 </file>
 
-<file path=ppt/slides/slide57.xml><?xml version="1.0" encoding="utf-8"?>
+<file path=ppt/slides/slide52.xml><?xml version="1.0" encoding="utf-8"?>
 <p:sld xmlns:a="http://schemas.openxmlformats.org/drawingml/2006/main" xmlns:r="http://schemas.openxmlformats.org/officeDocument/2006/relationships" xmlns:p="http://schemas.openxmlformats.org/presentationml/2006/main">
   <p:cSld>
     <p:spTree>
@@ -20428,7 +19154,7 @@
 </p:sld>
 </file>
 
-<file path=ppt/slides/slide58.xml><?xml version="1.0" encoding="utf-8"?>
+<file path=ppt/slides/slide53.xml><?xml version="1.0" encoding="utf-8"?>
 <p:sld xmlns:a="http://schemas.openxmlformats.org/drawingml/2006/main" xmlns:r="http://schemas.openxmlformats.org/officeDocument/2006/relationships" xmlns:p="http://schemas.openxmlformats.org/presentationml/2006/main">
   <p:cSld>
     <p:spTree>
@@ -20688,7 +19414,7 @@
 </p:sld>
 </file>
 
-<file path=ppt/slides/slide59.xml><?xml version="1.0" encoding="utf-8"?>
+<file path=ppt/slides/slide54.xml><?xml version="1.0" encoding="utf-8"?>
 <p:sld xmlns:a="http://schemas.openxmlformats.org/drawingml/2006/main" xmlns:r="http://schemas.openxmlformats.org/officeDocument/2006/relationships" xmlns:p="http://schemas.openxmlformats.org/presentationml/2006/main">
   <p:cSld>
     <p:spTree>
@@ -20799,6 +19525,456 @@
     <p:extLst>
       <p:ext uri="{BB962C8B-B14F-4D97-AF65-F5344CB8AC3E}">
         <p14:creationId xmlns:p14="http://schemas.microsoft.com/office/powerpoint/2010/main" val="3023395337"/>
+      </p:ext>
+    </p:extLst>
+  </p:cSld>
+  <p:clrMapOvr>
+    <a:masterClrMapping/>
+  </p:clrMapOvr>
+</p:sld>
+</file>
+
+<file path=ppt/slides/slide55.xml><?xml version="1.0" encoding="utf-8"?>
+<p:sld xmlns:a="http://schemas.openxmlformats.org/drawingml/2006/main" xmlns:r="http://schemas.openxmlformats.org/officeDocument/2006/relationships" xmlns:p="http://schemas.openxmlformats.org/presentationml/2006/main">
+  <p:cSld>
+    <p:spTree>
+      <p:nvGrpSpPr>
+        <p:cNvPr id="1" name=""/>
+        <p:cNvGrpSpPr/>
+        <p:nvPr/>
+      </p:nvGrpSpPr>
+      <p:grpSpPr>
+        <a:xfrm>
+          <a:off x="0" y="0"/>
+          <a:ext cx="0" cy="0"/>
+          <a:chOff x="0" y="0"/>
+          <a:chExt cx="0" cy="0"/>
+        </a:xfrm>
+      </p:grpSpPr>
+      <p:sp>
+        <p:nvSpPr>
+          <p:cNvPr id="81922" name="Rectangle 2"/>
+          <p:cNvSpPr>
+            <a:spLocks noGrp="1" noChangeArrowheads="1"/>
+          </p:cNvSpPr>
+          <p:nvPr>
+            <p:ph type="title"/>
+          </p:nvPr>
+        </p:nvSpPr>
+        <p:spPr/>
+        <p:txBody>
+          <a:bodyPr/>
+          <a:lstStyle/>
+          <a:p>
+            <a:r>
+              <a:rPr lang="fr-FR" altLang="fr-FR"/>
+              <a:t>Fork et join conditionnels : Exemple</a:t>
+            </a:r>
+          </a:p>
+        </p:txBody>
+      </p:sp>
+      <p:sp>
+        <p:nvSpPr>
+          <p:cNvPr id="81923" name="Rectangle 3"/>
+          <p:cNvSpPr>
+            <a:spLocks noGrp="1" noChangeArrowheads="1"/>
+          </p:cNvSpPr>
+          <p:nvPr>
+            <p:ph type="body" idx="1"/>
+          </p:nvPr>
+        </p:nvSpPr>
+        <p:spPr>
+          <a:xfrm>
+            <a:off x="279400" y="1312863"/>
+            <a:ext cx="8599488" cy="366712"/>
+          </a:xfrm>
+        </p:spPr>
+        <p:txBody>
+          <a:bodyPr/>
+          <a:lstStyle/>
+          <a:p>
+            <a:r>
+              <a:rPr lang="fr-FR" altLang="fr-FR"/>
+              <a:t>On ne doit manger les frites que si on les a commandées</a:t>
+            </a:r>
+            <a:endParaRPr lang="fr-FR" altLang="fr-FR" noProof="1"/>
+          </a:p>
+        </p:txBody>
+      </p:sp>
+      <p:pic>
+        <p:nvPicPr>
+          <p:cNvPr id="81924" name="Picture 4" descr="Manger repas (fork conditionnel)_ActivityDiagram"/>
+          <p:cNvPicPr>
+            <a:picLocks noChangeAspect="1" noChangeArrowheads="1"/>
+          </p:cNvPicPr>
+          <p:nvPr/>
+        </p:nvPicPr>
+        <p:blipFill>
+          <a:blip r:embed="rId3">
+            <a:extLst>
+              <a:ext uri="{28A0092B-C50C-407E-A947-70E740481C1C}">
+                <a14:useLocalDpi xmlns:a14="http://schemas.microsoft.com/office/drawing/2010/main" val="0"/>
+              </a:ext>
+            </a:extLst>
+          </a:blip>
+          <a:srcRect/>
+          <a:stretch>
+            <a:fillRect/>
+          </a:stretch>
+        </p:blipFill>
+        <p:spPr bwMode="auto">
+          <a:xfrm>
+            <a:off x="2743200" y="1828800"/>
+            <a:ext cx="4038600" cy="3963988"/>
+          </a:xfrm>
+          <a:prstGeom prst="rect">
+            <a:avLst/>
+          </a:prstGeom>
+          <a:noFill/>
+          <a:extLst>
+            <a:ext uri="{909E8E84-426E-40DD-AFC4-6F175D3DCCD1}">
+              <a14:hiddenFill xmlns:a14="http://schemas.microsoft.com/office/drawing/2010/main">
+                <a:solidFill>
+                  <a:srgbClr val="FFFFFF"/>
+                </a:solidFill>
+              </a14:hiddenFill>
+            </a:ext>
+          </a:extLst>
+        </p:spPr>
+      </p:pic>
+    </p:spTree>
+    <p:extLst>
+      <p:ext uri="{BB962C8B-B14F-4D97-AF65-F5344CB8AC3E}">
+        <p14:creationId xmlns:p14="http://schemas.microsoft.com/office/powerpoint/2010/main" val="1102669306"/>
+      </p:ext>
+    </p:extLst>
+  </p:cSld>
+  <p:clrMapOvr>
+    <a:masterClrMapping/>
+  </p:clrMapOvr>
+</p:sld>
+</file>
+
+<file path=ppt/slides/slide56.xml><?xml version="1.0" encoding="utf-8"?>
+<p:sld xmlns:a="http://schemas.openxmlformats.org/drawingml/2006/main" xmlns:r="http://schemas.openxmlformats.org/officeDocument/2006/relationships" xmlns:p="http://schemas.openxmlformats.org/presentationml/2006/main">
+  <p:cSld>
+    <p:spTree>
+      <p:nvGrpSpPr>
+        <p:cNvPr id="1" name=""/>
+        <p:cNvGrpSpPr/>
+        <p:nvPr/>
+      </p:nvGrpSpPr>
+      <p:grpSpPr>
+        <a:xfrm>
+          <a:off x="0" y="0"/>
+          <a:ext cx="0" cy="0"/>
+          <a:chOff x="0" y="0"/>
+          <a:chExt cx="0" cy="0"/>
+        </a:xfrm>
+      </p:grpSpPr>
+      <p:sp>
+        <p:nvSpPr>
+          <p:cNvPr id="83970" name="Rectangle 2"/>
+          <p:cNvSpPr>
+            <a:spLocks noGrp="1" noChangeArrowheads="1"/>
+          </p:cNvSpPr>
+          <p:nvPr>
+            <p:ph type="title"/>
+          </p:nvPr>
+        </p:nvSpPr>
+        <p:spPr/>
+        <p:txBody>
+          <a:bodyPr/>
+          <a:lstStyle/>
+          <a:p>
+            <a:r>
+              <a:rPr lang="fr-FR" altLang="fr-FR"/>
+              <a:t>Partitions</a:t>
+            </a:r>
+          </a:p>
+        </p:txBody>
+      </p:sp>
+      <p:sp>
+        <p:nvSpPr>
+          <p:cNvPr id="83971" name="Rectangle 3"/>
+          <p:cNvSpPr>
+            <a:spLocks noGrp="1" noChangeArrowheads="1"/>
+          </p:cNvSpPr>
+          <p:nvPr>
+            <p:ph type="body" idx="1"/>
+          </p:nvPr>
+        </p:nvSpPr>
+        <p:spPr>
+          <a:xfrm>
+            <a:off x="279400" y="1312863"/>
+            <a:ext cx="8599488" cy="3392487"/>
+          </a:xfrm>
+        </p:spPr>
+        <p:txBody>
+          <a:bodyPr/>
+          <a:lstStyle/>
+          <a:p>
+            <a:r>
+              <a:rPr lang="fr-FR" altLang="fr-FR" sz="2400" dirty="0"/>
+              <a:t>Un diagramme d’activité peut montrer les responsabilités de chaque objet intervenant dans un algorithme ou un processus métier</a:t>
+            </a:r>
+          </a:p>
+          <a:p>
+            <a:pPr lvl="1"/>
+            <a:r>
+              <a:rPr lang="fr-FR" altLang="fr-FR" sz="2000" dirty="0"/>
+              <a:t>Le diagramme est divisé en régions appelées </a:t>
+            </a:r>
+            <a:r>
+              <a:rPr lang="fr-FR" altLang="fr-FR" sz="2000" i="1" dirty="0">
+                <a:latin typeface="Century Schoolbook" pitchFamily="18" charset="0"/>
+              </a:rPr>
+              <a:t>partitions</a:t>
+            </a:r>
+          </a:p>
+          <a:p>
+            <a:pPr lvl="1"/>
+            <a:r>
+              <a:rPr lang="fr-FR" altLang="fr-FR" sz="2000" dirty="0"/>
+              <a:t>Avant UML 2.0, les partitions étaient appelées </a:t>
+            </a:r>
+            <a:r>
+              <a:rPr lang="fr-FR" altLang="fr-FR" sz="2000" i="1" dirty="0">
+                <a:latin typeface="Century Schoolbook" pitchFamily="18" charset="0"/>
+              </a:rPr>
+              <a:t>lignes de visibilité </a:t>
+            </a:r>
+            <a:r>
+              <a:rPr lang="fr-FR" altLang="fr-FR" sz="2000" dirty="0"/>
+              <a:t>(</a:t>
+            </a:r>
+            <a:r>
+              <a:rPr lang="fr-FR" altLang="fr-FR" sz="2000" dirty="0" err="1">
+                <a:latin typeface="Times New Roman" panose="02020603050405020304" pitchFamily="18" charset="0"/>
+              </a:rPr>
+              <a:t>swimlanes</a:t>
+            </a:r>
+            <a:r>
+              <a:rPr lang="fr-FR" altLang="fr-FR" sz="2000" dirty="0"/>
+              <a:t>)</a:t>
+            </a:r>
+          </a:p>
+          <a:p>
+            <a:r>
+              <a:rPr lang="fr-FR" altLang="fr-FR" sz="2400" dirty="0"/>
+              <a:t>Chaque partition contient les actions exécutées par un des composants du système</a:t>
+            </a:r>
+          </a:p>
+          <a:p>
+            <a:pPr lvl="1"/>
+            <a:r>
+              <a:rPr lang="fr-FR" altLang="fr-FR" sz="2000" dirty="0"/>
+              <a:t>Habituellement, chaque partition correspond à un objet ou à un rôle d’objet</a:t>
+            </a:r>
+          </a:p>
+          <a:p>
+            <a:pPr lvl="1"/>
+            <a:r>
+              <a:rPr lang="fr-FR" altLang="fr-FR" sz="2000" dirty="0"/>
+              <a:t>Mais elles peuvent correspondre à une unité organisationnelle dans un modèle métier, un acteur dans un modèle de cas d’utilisation, ou une classe dans un modèle de conception</a:t>
+            </a:r>
+          </a:p>
+        </p:txBody>
+      </p:sp>
+    </p:spTree>
+    <p:extLst>
+      <p:ext uri="{BB962C8B-B14F-4D97-AF65-F5344CB8AC3E}">
+        <p14:creationId xmlns:p14="http://schemas.microsoft.com/office/powerpoint/2010/main" val="2507999484"/>
+      </p:ext>
+    </p:extLst>
+  </p:cSld>
+  <p:clrMapOvr>
+    <a:masterClrMapping/>
+  </p:clrMapOvr>
+</p:sld>
+</file>
+
+<file path=ppt/slides/slide57.xml><?xml version="1.0" encoding="utf-8"?>
+<p:sld xmlns:a="http://schemas.openxmlformats.org/drawingml/2006/main" xmlns:r="http://schemas.openxmlformats.org/officeDocument/2006/relationships" xmlns:p="http://schemas.openxmlformats.org/presentationml/2006/main">
+  <p:cSld>
+    <p:spTree>
+      <p:nvGrpSpPr>
+        <p:cNvPr id="1" name=""/>
+        <p:cNvGrpSpPr/>
+        <p:nvPr/>
+      </p:nvGrpSpPr>
+      <p:grpSpPr>
+        <a:xfrm>
+          <a:off x="0" y="0"/>
+          <a:ext cx="0" cy="0"/>
+          <a:chOff x="0" y="0"/>
+          <a:chExt cx="0" cy="0"/>
+        </a:xfrm>
+      </p:grpSpPr>
+      <p:sp>
+        <p:nvSpPr>
+          <p:cNvPr id="86018" name="Rectangle 2"/>
+          <p:cNvSpPr>
+            <a:spLocks noGrp="1" noChangeArrowheads="1"/>
+          </p:cNvSpPr>
+          <p:nvPr>
+            <p:ph type="title"/>
+          </p:nvPr>
+        </p:nvSpPr>
+        <p:spPr/>
+        <p:txBody>
+          <a:bodyPr/>
+          <a:lstStyle/>
+          <a:p>
+            <a:r>
+              <a:rPr lang="fr-FR" altLang="fr-FR"/>
+              <a:t>Partitions : Exemple</a:t>
+            </a:r>
+          </a:p>
+        </p:txBody>
+      </p:sp>
+      <p:pic>
+        <p:nvPicPr>
+          <p:cNvPr id="86022" name="Picture 6" descr="6-44"/>
+          <p:cNvPicPr>
+            <a:picLocks noChangeAspect="1" noChangeArrowheads="1"/>
+          </p:cNvPicPr>
+          <p:nvPr/>
+        </p:nvPicPr>
+        <p:blipFill>
+          <a:blip r:embed="rId3">
+            <a:extLst>
+              <a:ext uri="{28A0092B-C50C-407E-A947-70E740481C1C}">
+                <a14:useLocalDpi xmlns:a14="http://schemas.microsoft.com/office/drawing/2010/main" val="0"/>
+              </a:ext>
+            </a:extLst>
+          </a:blip>
+          <a:srcRect/>
+          <a:stretch>
+            <a:fillRect/>
+          </a:stretch>
+        </p:blipFill>
+        <p:spPr bwMode="gray">
+          <a:xfrm>
+            <a:off x="530225" y="1219200"/>
+            <a:ext cx="8081963" cy="4873625"/>
+          </a:xfrm>
+          <a:prstGeom prst="rect">
+            <a:avLst/>
+          </a:prstGeom>
+          <a:noFill/>
+          <a:extLst>
+            <a:ext uri="{909E8E84-426E-40DD-AFC4-6F175D3DCCD1}">
+              <a14:hiddenFill xmlns:a14="http://schemas.microsoft.com/office/drawing/2010/main">
+                <a:solidFill>
+                  <a:srgbClr val="FFFFFF"/>
+                </a:solidFill>
+              </a14:hiddenFill>
+            </a:ext>
+          </a:extLst>
+        </p:spPr>
+      </p:pic>
+    </p:spTree>
+    <p:extLst>
+      <p:ext uri="{BB962C8B-B14F-4D97-AF65-F5344CB8AC3E}">
+        <p14:creationId xmlns:p14="http://schemas.microsoft.com/office/powerpoint/2010/main" val="1788562233"/>
+      </p:ext>
+    </p:extLst>
+  </p:cSld>
+  <p:clrMapOvr>
+    <a:masterClrMapping/>
+  </p:clrMapOvr>
+</p:sld>
+</file>
+
+<file path=ppt/slides/slide58.xml><?xml version="1.0" encoding="utf-8"?>
+<p:sld xmlns:a="http://schemas.openxmlformats.org/drawingml/2006/main" xmlns:r="http://schemas.openxmlformats.org/officeDocument/2006/relationships" xmlns:p="http://schemas.openxmlformats.org/presentationml/2006/main">
+  <p:cSld>
+    <p:spTree>
+      <p:nvGrpSpPr>
+        <p:cNvPr id="1" name=""/>
+        <p:cNvGrpSpPr/>
+        <p:nvPr/>
+      </p:nvGrpSpPr>
+      <p:grpSpPr>
+        <a:xfrm>
+          <a:off x="0" y="0"/>
+          <a:ext cx="0" cy="0"/>
+          <a:chOff x="0" y="0"/>
+          <a:chExt cx="0" cy="0"/>
+        </a:xfrm>
+      </p:grpSpPr>
+      <p:sp>
+        <p:nvSpPr>
+          <p:cNvPr id="2" name="Titre 1">
+            <a:extLst>
+              <a:ext uri="{FF2B5EF4-FFF2-40B4-BE49-F238E27FC236}">
+                <a16:creationId xmlns:a16="http://schemas.microsoft.com/office/drawing/2014/main" id="{E09FCCCD-6612-E23E-23DF-DA848DA952F7}"/>
+              </a:ext>
+            </a:extLst>
+          </p:cNvPr>
+          <p:cNvSpPr>
+            <a:spLocks noGrp="1"/>
+          </p:cNvSpPr>
+          <p:nvPr>
+            <p:ph type="title"/>
+          </p:nvPr>
+        </p:nvSpPr>
+        <p:spPr/>
+        <p:txBody>
+          <a:bodyPr/>
+          <a:lstStyle/>
+          <a:p>
+            <a:r>
+              <a:rPr lang="fr-FR" dirty="0"/>
+              <a:t>TP</a:t>
+            </a:r>
+          </a:p>
+        </p:txBody>
+      </p:sp>
+      <p:sp>
+        <p:nvSpPr>
+          <p:cNvPr id="3" name="Espace réservé du contenu 2">
+            <a:extLst>
+              <a:ext uri="{FF2B5EF4-FFF2-40B4-BE49-F238E27FC236}">
+                <a16:creationId xmlns:a16="http://schemas.microsoft.com/office/drawing/2014/main" id="{9D797C63-7F62-0F62-3949-E39381B7B03F}"/>
+              </a:ext>
+            </a:extLst>
+          </p:cNvPr>
+          <p:cNvSpPr>
+            <a:spLocks noGrp="1"/>
+          </p:cNvSpPr>
+          <p:nvPr>
+            <p:ph idx="1"/>
+          </p:nvPr>
+        </p:nvSpPr>
+        <p:spPr/>
+        <p:txBody>
+          <a:bodyPr/>
+          <a:lstStyle/>
+          <a:p>
+            <a:r>
+              <a:rPr lang="fr-FR" dirty="0"/>
+              <a:t>Facultatif</a:t>
+            </a:r>
+          </a:p>
+          <a:p>
+            <a:pPr lvl="1"/>
+            <a:r>
+              <a:rPr lang="fr-FR" dirty="0"/>
+              <a:t>Créer un </a:t>
+            </a:r>
+            <a:r>
+              <a:rPr lang="fr-FR"/>
+              <a:t>diagramme d'activité</a:t>
+            </a:r>
+          </a:p>
+        </p:txBody>
+      </p:sp>
+    </p:spTree>
+    <p:extLst>
+      <p:ext uri="{BB962C8B-B14F-4D97-AF65-F5344CB8AC3E}">
+        <p14:creationId xmlns:p14="http://schemas.microsoft.com/office/powerpoint/2010/main" val="1159349746"/>
       </p:ext>
     </p:extLst>
   </p:cSld>
@@ -20924,359 +20100,6 @@
     <p:extLst>
       <p:ext uri="{BB962C8B-B14F-4D97-AF65-F5344CB8AC3E}">
         <p14:creationId xmlns:p14="http://schemas.microsoft.com/office/powerpoint/2010/main" val="2863740655"/>
-      </p:ext>
-    </p:extLst>
-  </p:cSld>
-  <p:clrMapOvr>
-    <a:masterClrMapping/>
-  </p:clrMapOvr>
-</p:sld>
-</file>
-
-<file path=ppt/slides/slide60.xml><?xml version="1.0" encoding="utf-8"?>
-<p:sld xmlns:a="http://schemas.openxmlformats.org/drawingml/2006/main" xmlns:r="http://schemas.openxmlformats.org/officeDocument/2006/relationships" xmlns:p="http://schemas.openxmlformats.org/presentationml/2006/main">
-  <p:cSld>
-    <p:spTree>
-      <p:nvGrpSpPr>
-        <p:cNvPr id="1" name=""/>
-        <p:cNvGrpSpPr/>
-        <p:nvPr/>
-      </p:nvGrpSpPr>
-      <p:grpSpPr>
-        <a:xfrm>
-          <a:off x="0" y="0"/>
-          <a:ext cx="0" cy="0"/>
-          <a:chOff x="0" y="0"/>
-          <a:chExt cx="0" cy="0"/>
-        </a:xfrm>
-      </p:grpSpPr>
-      <p:sp>
-        <p:nvSpPr>
-          <p:cNvPr id="81922" name="Rectangle 2"/>
-          <p:cNvSpPr>
-            <a:spLocks noGrp="1" noChangeArrowheads="1"/>
-          </p:cNvSpPr>
-          <p:nvPr>
-            <p:ph type="title"/>
-          </p:nvPr>
-        </p:nvSpPr>
-        <p:spPr/>
-        <p:txBody>
-          <a:bodyPr/>
-          <a:lstStyle/>
-          <a:p>
-            <a:r>
-              <a:rPr lang="fr-FR" altLang="fr-FR"/>
-              <a:t>Fork et join conditionnels : Exemple</a:t>
-            </a:r>
-          </a:p>
-        </p:txBody>
-      </p:sp>
-      <p:sp>
-        <p:nvSpPr>
-          <p:cNvPr id="81923" name="Rectangle 3"/>
-          <p:cNvSpPr>
-            <a:spLocks noGrp="1" noChangeArrowheads="1"/>
-          </p:cNvSpPr>
-          <p:nvPr>
-            <p:ph type="body" idx="1"/>
-          </p:nvPr>
-        </p:nvSpPr>
-        <p:spPr>
-          <a:xfrm>
-            <a:off x="279400" y="1312863"/>
-            <a:ext cx="8599488" cy="366712"/>
-          </a:xfrm>
-        </p:spPr>
-        <p:txBody>
-          <a:bodyPr/>
-          <a:lstStyle/>
-          <a:p>
-            <a:r>
-              <a:rPr lang="fr-FR" altLang="fr-FR"/>
-              <a:t>On ne doit manger les frites que si on les a commandées</a:t>
-            </a:r>
-            <a:endParaRPr lang="fr-FR" altLang="fr-FR" noProof="1"/>
-          </a:p>
-        </p:txBody>
-      </p:sp>
-      <p:pic>
-        <p:nvPicPr>
-          <p:cNvPr id="81924" name="Picture 4" descr="Manger repas (fork conditionnel)_ActivityDiagram"/>
-          <p:cNvPicPr>
-            <a:picLocks noChangeAspect="1" noChangeArrowheads="1"/>
-          </p:cNvPicPr>
-          <p:nvPr/>
-        </p:nvPicPr>
-        <p:blipFill>
-          <a:blip r:embed="rId3">
-            <a:extLst>
-              <a:ext uri="{28A0092B-C50C-407E-A947-70E740481C1C}">
-                <a14:useLocalDpi xmlns:a14="http://schemas.microsoft.com/office/drawing/2010/main" val="0"/>
-              </a:ext>
-            </a:extLst>
-          </a:blip>
-          <a:srcRect/>
-          <a:stretch>
-            <a:fillRect/>
-          </a:stretch>
-        </p:blipFill>
-        <p:spPr bwMode="auto">
-          <a:xfrm>
-            <a:off x="2743200" y="1828800"/>
-            <a:ext cx="4038600" cy="3963988"/>
-          </a:xfrm>
-          <a:prstGeom prst="rect">
-            <a:avLst/>
-          </a:prstGeom>
-          <a:noFill/>
-          <a:extLst>
-            <a:ext uri="{909E8E84-426E-40DD-AFC4-6F175D3DCCD1}">
-              <a14:hiddenFill xmlns:a14="http://schemas.microsoft.com/office/drawing/2010/main">
-                <a:solidFill>
-                  <a:srgbClr val="FFFFFF"/>
-                </a:solidFill>
-              </a14:hiddenFill>
-            </a:ext>
-          </a:extLst>
-        </p:spPr>
-      </p:pic>
-    </p:spTree>
-    <p:extLst>
-      <p:ext uri="{BB962C8B-B14F-4D97-AF65-F5344CB8AC3E}">
-        <p14:creationId xmlns:p14="http://schemas.microsoft.com/office/powerpoint/2010/main" val="1102669306"/>
-      </p:ext>
-    </p:extLst>
-  </p:cSld>
-  <p:clrMapOvr>
-    <a:masterClrMapping/>
-  </p:clrMapOvr>
-</p:sld>
-</file>
-
-<file path=ppt/slides/slide61.xml><?xml version="1.0" encoding="utf-8"?>
-<p:sld xmlns:a="http://schemas.openxmlformats.org/drawingml/2006/main" xmlns:r="http://schemas.openxmlformats.org/officeDocument/2006/relationships" xmlns:p="http://schemas.openxmlformats.org/presentationml/2006/main">
-  <p:cSld>
-    <p:spTree>
-      <p:nvGrpSpPr>
-        <p:cNvPr id="1" name=""/>
-        <p:cNvGrpSpPr/>
-        <p:nvPr/>
-      </p:nvGrpSpPr>
-      <p:grpSpPr>
-        <a:xfrm>
-          <a:off x="0" y="0"/>
-          <a:ext cx="0" cy="0"/>
-          <a:chOff x="0" y="0"/>
-          <a:chExt cx="0" cy="0"/>
-        </a:xfrm>
-      </p:grpSpPr>
-      <p:sp>
-        <p:nvSpPr>
-          <p:cNvPr id="83970" name="Rectangle 2"/>
-          <p:cNvSpPr>
-            <a:spLocks noGrp="1" noChangeArrowheads="1"/>
-          </p:cNvSpPr>
-          <p:nvPr>
-            <p:ph type="title"/>
-          </p:nvPr>
-        </p:nvSpPr>
-        <p:spPr/>
-        <p:txBody>
-          <a:bodyPr/>
-          <a:lstStyle/>
-          <a:p>
-            <a:r>
-              <a:rPr lang="fr-FR" altLang="fr-FR"/>
-              <a:t>Partitions</a:t>
-            </a:r>
-          </a:p>
-        </p:txBody>
-      </p:sp>
-      <p:sp>
-        <p:nvSpPr>
-          <p:cNvPr id="83971" name="Rectangle 3"/>
-          <p:cNvSpPr>
-            <a:spLocks noGrp="1" noChangeArrowheads="1"/>
-          </p:cNvSpPr>
-          <p:nvPr>
-            <p:ph type="body" idx="1"/>
-          </p:nvPr>
-        </p:nvSpPr>
-        <p:spPr>
-          <a:xfrm>
-            <a:off x="279400" y="1312863"/>
-            <a:ext cx="8599488" cy="3392487"/>
-          </a:xfrm>
-        </p:spPr>
-        <p:txBody>
-          <a:bodyPr/>
-          <a:lstStyle/>
-          <a:p>
-            <a:r>
-              <a:rPr lang="fr-FR" altLang="fr-FR" sz="2400" dirty="0"/>
-              <a:t>Un diagramme d’activité peut montrer les responsabilités de chaque objet intervenant dans un algorithme ou un processus métier</a:t>
-            </a:r>
-          </a:p>
-          <a:p>
-            <a:pPr lvl="1"/>
-            <a:r>
-              <a:rPr lang="fr-FR" altLang="fr-FR" sz="2000" dirty="0"/>
-              <a:t>Le diagramme est divisé en régions appelées </a:t>
-            </a:r>
-            <a:r>
-              <a:rPr lang="fr-FR" altLang="fr-FR" sz="2000" i="1" dirty="0">
-                <a:latin typeface="Century Schoolbook" pitchFamily="18" charset="0"/>
-              </a:rPr>
-              <a:t>partitions</a:t>
-            </a:r>
-          </a:p>
-          <a:p>
-            <a:pPr lvl="1"/>
-            <a:r>
-              <a:rPr lang="fr-FR" altLang="fr-FR" sz="2000" dirty="0"/>
-              <a:t>Avant UML 2.0, les partitions étaient appelées </a:t>
-            </a:r>
-            <a:r>
-              <a:rPr lang="fr-FR" altLang="fr-FR" sz="2000" i="1" dirty="0">
-                <a:latin typeface="Century Schoolbook" pitchFamily="18" charset="0"/>
-              </a:rPr>
-              <a:t>lignes de visibilité </a:t>
-            </a:r>
-            <a:r>
-              <a:rPr lang="fr-FR" altLang="fr-FR" sz="2000" dirty="0"/>
-              <a:t>(</a:t>
-            </a:r>
-            <a:r>
-              <a:rPr lang="fr-FR" altLang="fr-FR" sz="2000" dirty="0" err="1">
-                <a:latin typeface="Times New Roman" panose="02020603050405020304" pitchFamily="18" charset="0"/>
-              </a:rPr>
-              <a:t>swimlanes</a:t>
-            </a:r>
-            <a:r>
-              <a:rPr lang="fr-FR" altLang="fr-FR" sz="2000" dirty="0"/>
-              <a:t>)</a:t>
-            </a:r>
-          </a:p>
-          <a:p>
-            <a:r>
-              <a:rPr lang="fr-FR" altLang="fr-FR" sz="2400" dirty="0"/>
-              <a:t>Chaque partition contient les actions exécutées par un des composants du système</a:t>
-            </a:r>
-          </a:p>
-          <a:p>
-            <a:pPr lvl="1"/>
-            <a:r>
-              <a:rPr lang="fr-FR" altLang="fr-FR" sz="2000" dirty="0"/>
-              <a:t>Habituellement, chaque partition correspond à un objet ou à un rôle d’objet</a:t>
-            </a:r>
-          </a:p>
-          <a:p>
-            <a:pPr lvl="1"/>
-            <a:r>
-              <a:rPr lang="fr-FR" altLang="fr-FR" sz="2000" dirty="0"/>
-              <a:t>Mais elles peuvent correspondre à une unité organisationnelle dans un modèle métier, un acteur dans un modèle de cas d’utilisation, ou une classe dans un modèle de conception</a:t>
-            </a:r>
-          </a:p>
-        </p:txBody>
-      </p:sp>
-    </p:spTree>
-    <p:extLst>
-      <p:ext uri="{BB962C8B-B14F-4D97-AF65-F5344CB8AC3E}">
-        <p14:creationId xmlns:p14="http://schemas.microsoft.com/office/powerpoint/2010/main" val="2507999484"/>
-      </p:ext>
-    </p:extLst>
-  </p:cSld>
-  <p:clrMapOvr>
-    <a:masterClrMapping/>
-  </p:clrMapOvr>
-</p:sld>
-</file>
-
-<file path=ppt/slides/slide62.xml><?xml version="1.0" encoding="utf-8"?>
-<p:sld xmlns:a="http://schemas.openxmlformats.org/drawingml/2006/main" xmlns:r="http://schemas.openxmlformats.org/officeDocument/2006/relationships" xmlns:p="http://schemas.openxmlformats.org/presentationml/2006/main">
-  <p:cSld>
-    <p:spTree>
-      <p:nvGrpSpPr>
-        <p:cNvPr id="1" name=""/>
-        <p:cNvGrpSpPr/>
-        <p:nvPr/>
-      </p:nvGrpSpPr>
-      <p:grpSpPr>
-        <a:xfrm>
-          <a:off x="0" y="0"/>
-          <a:ext cx="0" cy="0"/>
-          <a:chOff x="0" y="0"/>
-          <a:chExt cx="0" cy="0"/>
-        </a:xfrm>
-      </p:grpSpPr>
-      <p:sp>
-        <p:nvSpPr>
-          <p:cNvPr id="86018" name="Rectangle 2"/>
-          <p:cNvSpPr>
-            <a:spLocks noGrp="1" noChangeArrowheads="1"/>
-          </p:cNvSpPr>
-          <p:nvPr>
-            <p:ph type="title"/>
-          </p:nvPr>
-        </p:nvSpPr>
-        <p:spPr/>
-        <p:txBody>
-          <a:bodyPr/>
-          <a:lstStyle/>
-          <a:p>
-            <a:r>
-              <a:rPr lang="fr-FR" altLang="fr-FR"/>
-              <a:t>Partitions : Exemple</a:t>
-            </a:r>
-          </a:p>
-        </p:txBody>
-      </p:sp>
-      <p:pic>
-        <p:nvPicPr>
-          <p:cNvPr id="86022" name="Picture 6" descr="6-44"/>
-          <p:cNvPicPr>
-            <a:picLocks noChangeAspect="1" noChangeArrowheads="1"/>
-          </p:cNvPicPr>
-          <p:nvPr/>
-        </p:nvPicPr>
-        <p:blipFill>
-          <a:blip r:embed="rId3">
-            <a:extLst>
-              <a:ext uri="{28A0092B-C50C-407E-A947-70E740481C1C}">
-                <a14:useLocalDpi xmlns:a14="http://schemas.microsoft.com/office/drawing/2010/main" val="0"/>
-              </a:ext>
-            </a:extLst>
-          </a:blip>
-          <a:srcRect/>
-          <a:stretch>
-            <a:fillRect/>
-          </a:stretch>
-        </p:blipFill>
-        <p:spPr bwMode="gray">
-          <a:xfrm>
-            <a:off x="530225" y="1219200"/>
-            <a:ext cx="8081963" cy="4873625"/>
-          </a:xfrm>
-          <a:prstGeom prst="rect">
-            <a:avLst/>
-          </a:prstGeom>
-          <a:noFill/>
-          <a:extLst>
-            <a:ext uri="{909E8E84-426E-40DD-AFC4-6F175D3DCCD1}">
-              <a14:hiddenFill xmlns:a14="http://schemas.microsoft.com/office/drawing/2010/main">
-                <a:solidFill>
-                  <a:srgbClr val="FFFFFF"/>
-                </a:solidFill>
-              </a14:hiddenFill>
-            </a:ext>
-          </a:extLst>
-        </p:spPr>
-      </p:pic>
-    </p:spTree>
-    <p:extLst>
-      <p:ext uri="{BB962C8B-B14F-4D97-AF65-F5344CB8AC3E}">
-        <p14:creationId xmlns:p14="http://schemas.microsoft.com/office/powerpoint/2010/main" val="1788562233"/>
       </p:ext>
     </p:extLst>
   </p:cSld>
@@ -21577,13 +20400,13 @@
               <a:buNone/>
             </a:pPr>
             <a:r>
-              <a:rPr lang="fr-FR" altLang="fr-FR" b="1">
+              <a:rPr lang="fr-FR" altLang="fr-FR" b="1" dirty="0">
                 <a:solidFill>
                   <a:schemeClr val="accent2"/>
                 </a:solidFill>
                 <a:latin typeface="Arial" panose="020B0604020202020204" pitchFamily="34" charset="0"/>
               </a:rPr>
-              <a:t>a) Les concepts de base</a:t>
+              <a:t>Les concepts de base</a:t>
             </a:r>
           </a:p>
           <a:p>
@@ -21595,13 +20418,13 @@
               <a:buNone/>
             </a:pPr>
             <a:r>
-              <a:rPr lang="fr-FR" altLang="fr-FR" sz="2800" b="1">
+              <a:rPr lang="fr-FR" altLang="fr-FR" sz="2800" b="1" dirty="0">
                 <a:latin typeface="Arial" panose="020B0604020202020204" pitchFamily="34" charset="0"/>
               </a:rPr>
               <a:t>Entité </a:t>
             </a:r>
             <a:r>
-              <a:rPr lang="fr-FR" altLang="fr-FR" sz="2800">
+              <a:rPr lang="fr-FR" altLang="fr-FR" sz="2800" dirty="0">
                 <a:latin typeface="Arial" panose="020B0604020202020204" pitchFamily="34" charset="0"/>
               </a:rPr>
               <a:t>:  tout objet concret ou abstrait ayant une existence propre et conforme aux besoins de gestion de l’organisation. </a:t>
@@ -21616,7 +20439,7 @@
               <a:buNone/>
             </a:pPr>
             <a:r>
-              <a:rPr lang="fr-FR" altLang="fr-FR" sz="2400">
+              <a:rPr lang="fr-FR" altLang="fr-FR" sz="2400" dirty="0">
                 <a:latin typeface="Arial" panose="020B0604020202020204" pitchFamily="34" charset="0"/>
               </a:rPr>
               <a:t>    Ex: le client «Dupond», le produit de référence «a456», …</a:t>
@@ -21631,19 +20454,19 @@
               <a:buNone/>
             </a:pPr>
             <a:r>
-              <a:rPr lang="fr-FR" altLang="fr-FR" sz="2800" b="1" u="sng">
+              <a:rPr lang="fr-FR" altLang="fr-FR" sz="2800" b="1" u="sng" dirty="0">
                 <a:latin typeface="Arial" panose="020B0604020202020204" pitchFamily="34" charset="0"/>
               </a:rPr>
               <a:t>Classe d’entités</a:t>
             </a:r>
             <a:r>
-              <a:rPr lang="fr-FR" altLang="fr-FR" sz="2800" b="1">
+              <a:rPr lang="fr-FR" altLang="fr-FR" sz="2800" b="1" dirty="0">
                 <a:latin typeface="Arial" panose="020B0604020202020204" pitchFamily="34" charset="0"/>
               </a:rPr>
               <a:t> (ou entité-type) : </a:t>
             </a:r>
             <a:r>
-              <a:rPr lang="fr-FR" altLang="fr-FR" sz="2800">
+              <a:rPr lang="fr-FR" altLang="fr-FR" sz="2800" dirty="0">
                 <a:latin typeface="Arial" panose="020B0604020202020204" pitchFamily="34" charset="0"/>
               </a:rPr>
               <a:t>ensemble des entités décrites par les mêmes caractéristiques. </a:t>
@@ -21658,13 +20481,13 @@
               <a:buNone/>
             </a:pPr>
             <a:r>
-              <a:rPr lang="fr-FR" altLang="fr-FR" sz="2800">
+              <a:rPr lang="fr-FR" altLang="fr-FR" sz="2800" dirty="0">
                 <a:latin typeface="Arial" panose="020B0604020202020204" pitchFamily="34" charset="0"/>
               </a:rPr>
               <a:t>   </a:t>
             </a:r>
             <a:r>
-              <a:rPr lang="fr-FR" altLang="fr-FR" sz="2400">
+              <a:rPr lang="fr-FR" altLang="fr-FR" sz="2400" dirty="0">
                 <a:latin typeface="Arial" panose="020B0604020202020204" pitchFamily="34" charset="0"/>
               </a:rPr>
               <a:t>Ex: la classe CLIENT dont «Dupond» est une occurrence (ou instance).</a:t>
@@ -21679,13 +20502,13 @@
               <a:buNone/>
             </a:pPr>
             <a:r>
-              <a:rPr lang="fr-FR" altLang="fr-FR" sz="2800" b="1">
+              <a:rPr lang="fr-FR" altLang="fr-FR" sz="2800" b="1" dirty="0">
                 <a:latin typeface="Arial" panose="020B0604020202020204" pitchFamily="34" charset="0"/>
               </a:rPr>
               <a:t>Association : </a:t>
             </a:r>
             <a:r>
-              <a:rPr lang="fr-FR" altLang="fr-FR" sz="2800">
+              <a:rPr lang="fr-FR" altLang="fr-FR" sz="2800" dirty="0">
                 <a:latin typeface="Arial" panose="020B0604020202020204" pitchFamily="34" charset="0"/>
               </a:rPr>
               <a:t>n-uplet d’entités « sémantiquement liées ».</a:t>
@@ -21700,13 +20523,13 @@
               <a:buNone/>
             </a:pPr>
             <a:r>
-              <a:rPr lang="fr-FR" altLang="fr-FR" sz="2800">
+              <a:rPr lang="fr-FR" altLang="fr-FR" sz="2800" dirty="0">
                 <a:latin typeface="Arial" panose="020B0604020202020204" pitchFamily="34" charset="0"/>
               </a:rPr>
               <a:t>   </a:t>
             </a:r>
             <a:r>
-              <a:rPr lang="fr-FR" altLang="fr-FR" sz="2400">
+              <a:rPr lang="fr-FR" altLang="fr-FR" sz="2400" dirty="0">
                 <a:latin typeface="Arial" panose="020B0604020202020204" pitchFamily="34" charset="0"/>
               </a:rPr>
               <a:t>Ex: («Dupond»,  «1367 VS 54») indiquant que la personne Dupond est propriétaire de la voiture immatriculée 1367 VS 54.</a:t>

--- a/DM05-Design.pptx
+++ b/DM05-Design.pptx
@@ -20052,15 +20052,7 @@
           <a:p>
             <a:r>
               <a:rPr lang="fr-FR" dirty="0"/>
-              <a:t>Merise est une méthodologie pour </a:t>
-            </a:r>
-            <a:r>
-              <a:rPr lang="fr-FR" dirty="0" err="1"/>
-              <a:t>concenvoir</a:t>
-            </a:r>
-            <a:r>
-              <a:rPr lang="fr-FR" dirty="0"/>
-              <a:t> des projets informatiques</a:t>
+              <a:t>Merise est une méthodologie pour concevoir des projets informatiques</a:t>
             </a:r>
           </a:p>
           <a:p>
@@ -20087,7 +20079,7 @@
             <a:pPr lvl="1"/>
             <a:r>
               <a:rPr lang="fr-FR" dirty="0"/>
-              <a:t>MCD</a:t>
+              <a:t>MPD</a:t>
             </a:r>
           </a:p>
           <a:p>
